--- a/docs/proposal.pptx
+++ b/docs/proposal.pptx
@@ -2540,7 +2540,167 @@
                 <a:latin typeface="맑은 고딕" charset="0"/>
                 <a:ea typeface="맑은 고딕" charset="0"/>
               </a:rPr>
-              <a:t>첫번째로. 여러가지 api들을 유기적으로 작동하도록 통합하는 것</a:t>
+              <a:t>첫번째로. </a:t>
+            </a:r>
+            <a:r>
+              <a:rPr lang="en-US" altLang="ko-KR" sz="1200" b="0" strike="noStrike" cap="none" dirty="0" err="1" smtClean="0">
+                <a:solidFill>
+                  <a:schemeClr val="tx1"/>
+                </a:solidFill>
+                <a:latin typeface="맑은 고딕" charset="0"/>
+                <a:ea typeface="맑은 고딕" charset="0"/>
+              </a:rPr>
+              <a:t>여러가지</a:t>
+            </a:r>
+            <a:r>
+              <a:rPr lang="en-US" altLang="ko-KR" sz="1200" b="0" strike="noStrike" cap="none" dirty="0" smtClean="0">
+                <a:solidFill>
+                  <a:schemeClr val="tx1"/>
+                </a:solidFill>
+                <a:latin typeface="맑은 고딕" charset="0"/>
+                <a:ea typeface="맑은 고딕" charset="0"/>
+              </a:rPr>
+              <a:t> </a:t>
+            </a:r>
+            <a:r>
+              <a:rPr lang="en-US" altLang="ko-KR" sz="1200" b="0" strike="noStrike" cap="none" dirty="0" err="1" smtClean="0">
+                <a:solidFill>
+                  <a:schemeClr val="tx1"/>
+                </a:solidFill>
+                <a:latin typeface="맑은 고딕" charset="0"/>
+                <a:ea typeface="맑은 고딕" charset="0"/>
+              </a:rPr>
+              <a:t>Framework들</a:t>
+            </a:r>
+            <a:r>
+              <a:rPr lang="ko-KR" altLang="en-US" sz="1200" b="0" strike="noStrike" cap="none" dirty="0" smtClean="0">
+                <a:solidFill>
+                  <a:schemeClr val="tx1"/>
+                </a:solidFill>
+                <a:latin typeface="맑은 고딕" charset="0"/>
+                <a:ea typeface="맑은 고딕" charset="0"/>
+              </a:rPr>
+              <a:t>이</a:t>
+            </a:r>
+            <a:r>
+              <a:rPr lang="en-US" altLang="ko-KR" sz="1200" b="0" strike="noStrike" cap="none" baseline="0" dirty="0" smtClean="0">
+                <a:solidFill>
+                  <a:schemeClr val="tx1"/>
+                </a:solidFill>
+                <a:latin typeface="맑은 고딕" charset="0"/>
+                <a:ea typeface="맑은 고딕" charset="0"/>
+              </a:rPr>
+              <a:t> </a:t>
+            </a:r>
+            <a:r>
+              <a:rPr lang="en-US" altLang="ko-KR" sz="1200" b="0" strike="noStrike" cap="none" dirty="0" err="1" smtClean="0">
+                <a:solidFill>
+                  <a:schemeClr val="tx1"/>
+                </a:solidFill>
+                <a:latin typeface="맑은 고딕" charset="0"/>
+                <a:ea typeface="맑은 고딕" charset="0"/>
+              </a:rPr>
+              <a:t>유기적으로</a:t>
+            </a:r>
+            <a:r>
+              <a:rPr lang="en-US" altLang="ko-KR" sz="1200" b="0" strike="noStrike" cap="none" dirty="0" smtClean="0">
+                <a:solidFill>
+                  <a:schemeClr val="tx1"/>
+                </a:solidFill>
+                <a:latin typeface="맑은 고딕" charset="0"/>
+                <a:ea typeface="맑은 고딕" charset="0"/>
+              </a:rPr>
+              <a:t> </a:t>
+            </a:r>
+            <a:r>
+              <a:rPr lang="en-US" altLang="ko-KR" sz="1200" b="0" strike="noStrike" cap="none" err="1" smtClean="0">
+                <a:solidFill>
+                  <a:schemeClr val="tx1"/>
+                </a:solidFill>
+                <a:latin typeface="맑은 고딕" charset="0"/>
+                <a:ea typeface="맑은 고딕" charset="0"/>
+              </a:rPr>
+              <a:t>작동하도록</a:t>
+            </a:r>
+            <a:r>
+              <a:rPr lang="en-US" altLang="ko-KR" sz="1200" b="0" strike="noStrike" cap="none" smtClean="0">
+                <a:solidFill>
+                  <a:schemeClr val="tx1"/>
+                </a:solidFill>
+                <a:latin typeface="맑은 고딕" charset="0"/>
+                <a:ea typeface="맑은 고딕" charset="0"/>
+              </a:rPr>
+              <a:t> </a:t>
+            </a:r>
+            <a:r>
+              <a:rPr lang="en-US" altLang="ko-KR" sz="1200" b="0" strike="noStrike" cap="none" smtClean="0">
+                <a:solidFill>
+                  <a:schemeClr val="tx1"/>
+                </a:solidFill>
+                <a:latin typeface="맑은 고딕" charset="0"/>
+                <a:ea typeface="맑은 고딕" charset="0"/>
+              </a:rPr>
+              <a:t>API</a:t>
+            </a:r>
+            <a:r>
+              <a:rPr lang="ko-KR" altLang="en-US" sz="1200" b="0" strike="noStrike" cap="none" smtClean="0">
+                <a:solidFill>
+                  <a:schemeClr val="tx1"/>
+                </a:solidFill>
+                <a:latin typeface="맑은 고딕" charset="0"/>
+                <a:ea typeface="맑은 고딕" charset="0"/>
+              </a:rPr>
+              <a:t>에 </a:t>
+            </a:r>
+            <a:r>
+              <a:rPr lang="ko-KR" altLang="en-US" sz="1200" b="0" strike="noStrike" cap="none" dirty="0" err="1" smtClean="0">
+                <a:solidFill>
+                  <a:schemeClr val="tx1"/>
+                </a:solidFill>
+                <a:latin typeface="맑은 고딕" charset="0"/>
+                <a:ea typeface="맑은 고딕" charset="0"/>
+              </a:rPr>
+              <a:t>신경써서</a:t>
+            </a:r>
+            <a:r>
+              <a:rPr lang="ko-KR" altLang="en-US" sz="1200" b="0" strike="noStrike" cap="none" dirty="0" smtClean="0">
+                <a:solidFill>
+                  <a:schemeClr val="tx1"/>
+                </a:solidFill>
+                <a:latin typeface="맑은 고딕" charset="0"/>
+                <a:ea typeface="맑은 고딕" charset="0"/>
+              </a:rPr>
+              <a:t> </a:t>
+            </a:r>
+            <a:r>
+              <a:rPr lang="en-US" altLang="ko-KR" sz="1200" b="0" strike="noStrike" cap="none" dirty="0" err="1" smtClean="0">
+                <a:solidFill>
+                  <a:schemeClr val="tx1"/>
+                </a:solidFill>
+                <a:latin typeface="맑은 고딕" charset="0"/>
+                <a:ea typeface="맑은 고딕" charset="0"/>
+              </a:rPr>
+              <a:t>통합하는</a:t>
+            </a:r>
+            <a:r>
+              <a:rPr lang="en-US" altLang="ko-KR" sz="1200" b="0" strike="noStrike" cap="none" dirty="0" smtClean="0">
+                <a:solidFill>
+                  <a:schemeClr val="tx1"/>
+                </a:solidFill>
+                <a:latin typeface="맑은 고딕" charset="0"/>
+                <a:ea typeface="맑은 고딕" charset="0"/>
+              </a:rPr>
+              <a:t> </a:t>
+            </a:r>
+            <a:r>
+              <a:rPr lang="en-US" altLang="ko-KR" sz="1200" b="0" strike="noStrike" cap="none" dirty="0" smtClean="0">
+                <a:solidFill>
+                  <a:schemeClr val="tx1"/>
+                </a:solidFill>
+                <a:latin typeface="맑은 고딕" charset="0"/>
+                <a:ea typeface="맑은 고딕" charset="0"/>
+              </a:rPr>
+              <a:t>것</a:t>
             </a:r>
             <a:endParaRPr lang="ko-KR" altLang="en-US" sz="1200" b="0" strike="noStrike" cap="none" dirty="0" smtClean="0">
               <a:solidFill>
@@ -8918,7 +9078,7 @@
           <p:cNvPr id="5" name="그림 4">
             <a:extLst>
               <a:ext uri="{FF2B5EF4-FFF2-40B4-BE49-F238E27FC236}">
-                <a16:creationId xmlns="" xmlns:a16="http://schemas.microsoft.com/office/drawing/2014/main" id="{E165B1AE-BF47-40FE-AE3B-15828B09B7AC}"/>
+                <a16:creationId xmlns:a16="http://schemas.microsoft.com/office/drawing/2014/main" xmlns="" id="{E165B1AE-BF47-40FE-AE3B-15828B09B7AC}"/>
               </a:ext>
             </a:extLst>
           </p:cNvPr>
@@ -8948,7 +9108,7 @@
           <p:cNvPr id="47" name="TextBox 46">
             <a:extLst>
               <a:ext uri="{FF2B5EF4-FFF2-40B4-BE49-F238E27FC236}">
-                <a16:creationId xmlns="" xmlns:a16="http://schemas.microsoft.com/office/drawing/2014/main" id="{5287645A-AD08-4D89-ACAD-4E65858A2EB7}"/>
+                <a16:creationId xmlns:a16="http://schemas.microsoft.com/office/drawing/2014/main" xmlns="" id="{5287645A-AD08-4D89-ACAD-4E65858A2EB7}"/>
               </a:ext>
             </a:extLst>
           </p:cNvPr>
@@ -9050,7 +9210,7 @@
           <p:cNvPr id="4" name="TextBox 3">
             <a:extLst>
               <a:ext uri="{FF2B5EF4-FFF2-40B4-BE49-F238E27FC236}">
-                <a16:creationId xmlns="" xmlns:a16="http://schemas.microsoft.com/office/drawing/2014/main" id="{267AE12C-1B5F-48C0-BF76-E286466756B0}"/>
+                <a16:creationId xmlns:a16="http://schemas.microsoft.com/office/drawing/2014/main" xmlns="" id="{267AE12C-1B5F-48C0-BF76-E286466756B0}"/>
               </a:ext>
             </a:extLst>
           </p:cNvPr>
@@ -9098,7 +9258,7 @@
           <p:cNvPr id="7" name="직선 연결선 6">
             <a:extLst>
               <a:ext uri="{FF2B5EF4-FFF2-40B4-BE49-F238E27FC236}">
-                <a16:creationId xmlns="" xmlns:a16="http://schemas.microsoft.com/office/drawing/2014/main" id="{B4A2FC86-5D2F-478B-9203-C49486360FA1}"/>
+                <a16:creationId xmlns:a16="http://schemas.microsoft.com/office/drawing/2014/main" xmlns="" id="{B4A2FC86-5D2F-478B-9203-C49486360FA1}"/>
               </a:ext>
             </a:extLst>
           </p:cNvPr>
@@ -9142,7 +9302,7 @@
           <p:cNvPr id="22" name="TextBox 21">
             <a:extLst>
               <a:ext uri="{FF2B5EF4-FFF2-40B4-BE49-F238E27FC236}">
-                <a16:creationId xmlns="" xmlns:a16="http://schemas.microsoft.com/office/drawing/2014/main" id="{1E19F2AC-D62D-4EA6-9C91-66BEED52CE9A}"/>
+                <a16:creationId xmlns:a16="http://schemas.microsoft.com/office/drawing/2014/main" xmlns="" id="{1E19F2AC-D62D-4EA6-9C91-66BEED52CE9A}"/>
               </a:ext>
             </a:extLst>
           </p:cNvPr>
@@ -9190,7 +9350,7 @@
           <p:cNvPr id="24" name="연결선: 꺾임 23">
             <a:extLst>
               <a:ext uri="{FF2B5EF4-FFF2-40B4-BE49-F238E27FC236}">
-                <a16:creationId xmlns="" xmlns:a16="http://schemas.microsoft.com/office/drawing/2014/main" id="{B7F0FF46-B257-4077-B3AD-4C11337CDBF1}"/>
+                <a16:creationId xmlns:a16="http://schemas.microsoft.com/office/drawing/2014/main" xmlns="" id="{B7F0FF46-B257-4077-B3AD-4C11337CDBF1}"/>
               </a:ext>
             </a:extLst>
           </p:cNvPr>
@@ -9234,7 +9394,7 @@
           <p:cNvPr id="15" name="TextBox 14">
             <a:extLst>
               <a:ext uri="{FF2B5EF4-FFF2-40B4-BE49-F238E27FC236}">
-                <a16:creationId xmlns="" xmlns:a16="http://schemas.microsoft.com/office/drawing/2014/main" id="{9C1E3425-69F6-471F-9286-9B8DF16A462E}"/>
+                <a16:creationId xmlns:a16="http://schemas.microsoft.com/office/drawing/2014/main" xmlns="" id="{9C1E3425-69F6-471F-9286-9B8DF16A462E}"/>
               </a:ext>
             </a:extLst>
           </p:cNvPr>
@@ -9301,7 +9461,7 @@
           <p:cNvPr id="27" name="직선 연결선 26">
             <a:extLst>
               <a:ext uri="{FF2B5EF4-FFF2-40B4-BE49-F238E27FC236}">
-                <a16:creationId xmlns="" xmlns:a16="http://schemas.microsoft.com/office/drawing/2014/main" id="{DE26473E-9EDB-49E4-9B02-9857FBA99B07}"/>
+                <a16:creationId xmlns:a16="http://schemas.microsoft.com/office/drawing/2014/main" xmlns="" id="{DE26473E-9EDB-49E4-9B02-9857FBA99B07}"/>
               </a:ext>
             </a:extLst>
           </p:cNvPr>
@@ -9345,7 +9505,7 @@
           <p:cNvPr id="45" name="TextBox 44">
             <a:extLst>
               <a:ext uri="{FF2B5EF4-FFF2-40B4-BE49-F238E27FC236}">
-                <a16:creationId xmlns="" xmlns:a16="http://schemas.microsoft.com/office/drawing/2014/main" id="{7476ECDD-44B5-4D31-A147-36ED8F9DD4BD}"/>
+                <a16:creationId xmlns:a16="http://schemas.microsoft.com/office/drawing/2014/main" xmlns="" id="{7476ECDD-44B5-4D31-A147-36ED8F9DD4BD}"/>
               </a:ext>
             </a:extLst>
           </p:cNvPr>
@@ -9391,7 +9551,7 @@
           <p:cNvPr id="46" name="직선 연결선 45">
             <a:extLst>
               <a:ext uri="{FF2B5EF4-FFF2-40B4-BE49-F238E27FC236}">
-                <a16:creationId xmlns="" xmlns:a16="http://schemas.microsoft.com/office/drawing/2014/main" id="{61497355-6ABE-424D-9D60-34358521956A}"/>
+                <a16:creationId xmlns:a16="http://schemas.microsoft.com/office/drawing/2014/main" xmlns="" id="{61497355-6ABE-424D-9D60-34358521956A}"/>
               </a:ext>
             </a:extLst>
           </p:cNvPr>
@@ -9435,7 +9595,7 @@
           <p:cNvPr id="6" name="그림 5">
             <a:extLst>
               <a:ext uri="{FF2B5EF4-FFF2-40B4-BE49-F238E27FC236}">
-                <a16:creationId xmlns="" xmlns:a16="http://schemas.microsoft.com/office/drawing/2014/main" id="{A24311C0-0C98-44FB-9C3F-7CEB3314ECE4}"/>
+                <a16:creationId xmlns:a16="http://schemas.microsoft.com/office/drawing/2014/main" xmlns="" id="{A24311C0-0C98-44FB-9C3F-7CEB3314ECE4}"/>
               </a:ext>
             </a:extLst>
           </p:cNvPr>
@@ -9503,7 +9663,7 @@
           <p:cNvPr id="10" name="그림 9">
             <a:extLst>
               <a:ext uri="{FF2B5EF4-FFF2-40B4-BE49-F238E27FC236}">
-                <a16:creationId xmlns="" xmlns:a16="http://schemas.microsoft.com/office/drawing/2014/main" id="{819ECA88-A708-4D08-847F-163C0133D40B}"/>
+                <a16:creationId xmlns:a16="http://schemas.microsoft.com/office/drawing/2014/main" xmlns="" id="{819ECA88-A708-4D08-847F-163C0133D40B}"/>
               </a:ext>
             </a:extLst>
           </p:cNvPr>
@@ -9533,7 +9693,7 @@
           <p:cNvPr id="99" name="TextBox 98">
             <a:extLst>
               <a:ext uri="{FF2B5EF4-FFF2-40B4-BE49-F238E27FC236}">
-                <a16:creationId xmlns="" xmlns:a16="http://schemas.microsoft.com/office/drawing/2014/main" id="{A1453190-BD29-4BBE-8374-3D69BD575279}"/>
+                <a16:creationId xmlns:a16="http://schemas.microsoft.com/office/drawing/2014/main" xmlns="" id="{A1453190-BD29-4BBE-8374-3D69BD575279}"/>
               </a:ext>
             </a:extLst>
           </p:cNvPr>
@@ -9628,7 +9788,7 @@
           <p:cNvPr id="15" name="TextBox 14">
             <a:extLst>
               <a:ext uri="{FF2B5EF4-FFF2-40B4-BE49-F238E27FC236}">
-                <a16:creationId xmlns="" xmlns:a16="http://schemas.microsoft.com/office/drawing/2014/main" id="{9C1E3425-69F6-471F-9286-9B8DF16A462E}"/>
+                <a16:creationId xmlns:a16="http://schemas.microsoft.com/office/drawing/2014/main" xmlns="" id="{9C1E3425-69F6-471F-9286-9B8DF16A462E}"/>
               </a:ext>
             </a:extLst>
           </p:cNvPr>
@@ -9676,7 +9836,7 @@
           <p:cNvPr id="45" name="TextBox 44">
             <a:extLst>
               <a:ext uri="{FF2B5EF4-FFF2-40B4-BE49-F238E27FC236}">
-                <a16:creationId xmlns="" xmlns:a16="http://schemas.microsoft.com/office/drawing/2014/main" id="{7476ECDD-44B5-4D31-A147-36ED8F9DD4BD}"/>
+                <a16:creationId xmlns:a16="http://schemas.microsoft.com/office/drawing/2014/main" xmlns="" id="{7476ECDD-44B5-4D31-A147-36ED8F9DD4BD}"/>
               </a:ext>
             </a:extLst>
           </p:cNvPr>
@@ -9722,7 +9882,7 @@
           <p:cNvPr id="27" name="직선 연결선 26">
             <a:extLst>
               <a:ext uri="{FF2B5EF4-FFF2-40B4-BE49-F238E27FC236}">
-                <a16:creationId xmlns="" xmlns:a16="http://schemas.microsoft.com/office/drawing/2014/main" id="{DE26473E-9EDB-49E4-9B02-9857FBA99B07}"/>
+                <a16:creationId xmlns:a16="http://schemas.microsoft.com/office/drawing/2014/main" xmlns="" id="{DE26473E-9EDB-49E4-9B02-9857FBA99B07}"/>
               </a:ext>
             </a:extLst>
           </p:cNvPr>
@@ -9766,7 +9926,7 @@
           <p:cNvPr id="46" name="직선 연결선 45">
             <a:extLst>
               <a:ext uri="{FF2B5EF4-FFF2-40B4-BE49-F238E27FC236}">
-                <a16:creationId xmlns="" xmlns:a16="http://schemas.microsoft.com/office/drawing/2014/main" id="{61497355-6ABE-424D-9D60-34358521956A}"/>
+                <a16:creationId xmlns:a16="http://schemas.microsoft.com/office/drawing/2014/main" xmlns="" id="{61497355-6ABE-424D-9D60-34358521956A}"/>
               </a:ext>
             </a:extLst>
           </p:cNvPr>
@@ -9810,7 +9970,7 @@
           <p:cNvPr id="71" name="TextBox 70">
             <a:extLst>
               <a:ext uri="{FF2B5EF4-FFF2-40B4-BE49-F238E27FC236}">
-                <a16:creationId xmlns="" xmlns:a16="http://schemas.microsoft.com/office/drawing/2014/main" id="{7CA55682-9B75-43CA-822F-E5469FDFC7DF}"/>
+                <a16:creationId xmlns:a16="http://schemas.microsoft.com/office/drawing/2014/main" xmlns="" id="{7CA55682-9B75-43CA-822F-E5469FDFC7DF}"/>
               </a:ext>
             </a:extLst>
           </p:cNvPr>
@@ -9856,7 +10016,7 @@
           <p:cNvPr id="77" name="직선 연결선 76">
             <a:extLst>
               <a:ext uri="{FF2B5EF4-FFF2-40B4-BE49-F238E27FC236}">
-                <a16:creationId xmlns="" xmlns:a16="http://schemas.microsoft.com/office/drawing/2014/main" id="{66E706C1-E2FA-4C31-8BCA-29863D507250}"/>
+                <a16:creationId xmlns:a16="http://schemas.microsoft.com/office/drawing/2014/main" xmlns="" id="{66E706C1-E2FA-4C31-8BCA-29863D507250}"/>
               </a:ext>
             </a:extLst>
           </p:cNvPr>
@@ -9900,7 +10060,7 @@
           <p:cNvPr id="95" name="TextBox 94">
             <a:extLst>
               <a:ext uri="{FF2B5EF4-FFF2-40B4-BE49-F238E27FC236}">
-                <a16:creationId xmlns="" xmlns:a16="http://schemas.microsoft.com/office/drawing/2014/main" id="{FD3BD2E6-745F-4DB1-B707-37CBA7701266}"/>
+                <a16:creationId xmlns:a16="http://schemas.microsoft.com/office/drawing/2014/main" xmlns="" id="{FD3BD2E6-745F-4DB1-B707-37CBA7701266}"/>
               </a:ext>
             </a:extLst>
           </p:cNvPr>
@@ -9946,7 +10106,7 @@
           <p:cNvPr id="96" name="TextBox 95">
             <a:extLst>
               <a:ext uri="{FF2B5EF4-FFF2-40B4-BE49-F238E27FC236}">
-                <a16:creationId xmlns="" xmlns:a16="http://schemas.microsoft.com/office/drawing/2014/main" id="{C0FCB3DA-1035-46B9-A6D9-188A7E838DBD}"/>
+                <a16:creationId xmlns:a16="http://schemas.microsoft.com/office/drawing/2014/main" xmlns="" id="{C0FCB3DA-1035-46B9-A6D9-188A7E838DBD}"/>
               </a:ext>
             </a:extLst>
           </p:cNvPr>
@@ -9992,7 +10152,7 @@
           <p:cNvPr id="97" name="직선 연결선 96">
             <a:extLst>
               <a:ext uri="{FF2B5EF4-FFF2-40B4-BE49-F238E27FC236}">
-                <a16:creationId xmlns="" xmlns:a16="http://schemas.microsoft.com/office/drawing/2014/main" id="{2F5CA22C-273D-40FB-ACAA-092AAA18A1DD}"/>
+                <a16:creationId xmlns:a16="http://schemas.microsoft.com/office/drawing/2014/main" xmlns="" id="{2F5CA22C-273D-40FB-ACAA-092AAA18A1DD}"/>
               </a:ext>
             </a:extLst>
           </p:cNvPr>
@@ -10036,7 +10196,7 @@
           <p:cNvPr id="98" name="직선 연결선 97">
             <a:extLst>
               <a:ext uri="{FF2B5EF4-FFF2-40B4-BE49-F238E27FC236}">
-                <a16:creationId xmlns="" xmlns:a16="http://schemas.microsoft.com/office/drawing/2014/main" id="{E506D8CE-4F30-424A-9724-F60449C2230F}"/>
+                <a16:creationId xmlns:a16="http://schemas.microsoft.com/office/drawing/2014/main" xmlns="" id="{E506D8CE-4F30-424A-9724-F60449C2230F}"/>
               </a:ext>
             </a:extLst>
           </p:cNvPr>
@@ -10118,7 +10278,7 @@
           <p:cNvPr id="5" name="그림 4">
             <a:extLst>
               <a:ext uri="{FF2B5EF4-FFF2-40B4-BE49-F238E27FC236}">
-                <a16:creationId xmlns="" xmlns:a16="http://schemas.microsoft.com/office/drawing/2014/main" id="{A1784623-9F9E-4432-B15B-CC24B3C8DA7B}"/>
+                <a16:creationId xmlns:a16="http://schemas.microsoft.com/office/drawing/2014/main" xmlns="" id="{A1784623-9F9E-4432-B15B-CC24B3C8DA7B}"/>
               </a:ext>
             </a:extLst>
           </p:cNvPr>
@@ -10189,7 +10349,7 @@
           <p:cNvPr id="45" name="TextBox 44">
             <a:extLst>
               <a:ext uri="{FF2B5EF4-FFF2-40B4-BE49-F238E27FC236}">
-                <a16:creationId xmlns="" xmlns:a16="http://schemas.microsoft.com/office/drawing/2014/main" id="{7476ECDD-44B5-4D31-A147-36ED8F9DD4BD}"/>
+                <a16:creationId xmlns:a16="http://schemas.microsoft.com/office/drawing/2014/main" xmlns="" id="{7476ECDD-44B5-4D31-A147-36ED8F9DD4BD}"/>
               </a:ext>
             </a:extLst>
           </p:cNvPr>
@@ -10235,7 +10395,7 @@
           <p:cNvPr id="46" name="직선 연결선 45">
             <a:extLst>
               <a:ext uri="{FF2B5EF4-FFF2-40B4-BE49-F238E27FC236}">
-                <a16:creationId xmlns="" xmlns:a16="http://schemas.microsoft.com/office/drawing/2014/main" id="{61497355-6ABE-424D-9D60-34358521956A}"/>
+                <a16:creationId xmlns:a16="http://schemas.microsoft.com/office/drawing/2014/main" xmlns="" id="{61497355-6ABE-424D-9D60-34358521956A}"/>
               </a:ext>
             </a:extLst>
           </p:cNvPr>
@@ -10279,7 +10439,7 @@
           <p:cNvPr id="71" name="TextBox 70">
             <a:extLst>
               <a:ext uri="{FF2B5EF4-FFF2-40B4-BE49-F238E27FC236}">
-                <a16:creationId xmlns="" xmlns:a16="http://schemas.microsoft.com/office/drawing/2014/main" id="{7CA55682-9B75-43CA-822F-E5469FDFC7DF}"/>
+                <a16:creationId xmlns:a16="http://schemas.microsoft.com/office/drawing/2014/main" xmlns="" id="{7CA55682-9B75-43CA-822F-E5469FDFC7DF}"/>
               </a:ext>
             </a:extLst>
           </p:cNvPr>
@@ -10325,7 +10485,7 @@
           <p:cNvPr id="74" name="직선 연결선 73">
             <a:extLst>
               <a:ext uri="{FF2B5EF4-FFF2-40B4-BE49-F238E27FC236}">
-                <a16:creationId xmlns="" xmlns:a16="http://schemas.microsoft.com/office/drawing/2014/main" id="{B843DA8F-5A8E-4093-A13B-E3CD6F913EF8}"/>
+                <a16:creationId xmlns:a16="http://schemas.microsoft.com/office/drawing/2014/main" xmlns="" id="{B843DA8F-5A8E-4093-A13B-E3CD6F913EF8}"/>
               </a:ext>
             </a:extLst>
           </p:cNvPr>
@@ -10369,7 +10529,7 @@
           <p:cNvPr id="77" name="직선 연결선 76">
             <a:extLst>
               <a:ext uri="{FF2B5EF4-FFF2-40B4-BE49-F238E27FC236}">
-                <a16:creationId xmlns="" xmlns:a16="http://schemas.microsoft.com/office/drawing/2014/main" id="{66E706C1-E2FA-4C31-8BCA-29863D507250}"/>
+                <a16:creationId xmlns:a16="http://schemas.microsoft.com/office/drawing/2014/main" xmlns="" id="{66E706C1-E2FA-4C31-8BCA-29863D507250}"/>
               </a:ext>
             </a:extLst>
           </p:cNvPr>
@@ -10413,7 +10573,7 @@
           <p:cNvPr id="42" name="TextBox 41">
             <a:extLst>
               <a:ext uri="{FF2B5EF4-FFF2-40B4-BE49-F238E27FC236}">
-                <a16:creationId xmlns="" xmlns:a16="http://schemas.microsoft.com/office/drawing/2014/main" id="{176D7272-AB80-461D-9F78-BCE494853F7E}"/>
+                <a16:creationId xmlns:a16="http://schemas.microsoft.com/office/drawing/2014/main" xmlns="" id="{176D7272-AB80-461D-9F78-BCE494853F7E}"/>
               </a:ext>
             </a:extLst>
           </p:cNvPr>
@@ -10467,7 +10627,7 @@
           <p:cNvPr id="15" name="TextBox 14">
             <a:extLst>
               <a:ext uri="{FF2B5EF4-FFF2-40B4-BE49-F238E27FC236}">
-                <a16:creationId xmlns="" xmlns:a16="http://schemas.microsoft.com/office/drawing/2014/main" id="{9C1E3425-69F6-471F-9286-9B8DF16A462E}"/>
+                <a16:creationId xmlns:a16="http://schemas.microsoft.com/office/drawing/2014/main" xmlns="" id="{9C1E3425-69F6-471F-9286-9B8DF16A462E}"/>
               </a:ext>
             </a:extLst>
           </p:cNvPr>
@@ -10534,7 +10694,7 @@
           <p:cNvPr id="27" name="직선 연결선 26">
             <a:extLst>
               <a:ext uri="{FF2B5EF4-FFF2-40B4-BE49-F238E27FC236}">
-                <a16:creationId xmlns="" xmlns:a16="http://schemas.microsoft.com/office/drawing/2014/main" id="{DE26473E-9EDB-49E4-9B02-9857FBA99B07}"/>
+                <a16:creationId xmlns:a16="http://schemas.microsoft.com/office/drawing/2014/main" xmlns="" id="{DE26473E-9EDB-49E4-9B02-9857FBA99B07}"/>
               </a:ext>
             </a:extLst>
           </p:cNvPr>
@@ -11788,7 +11948,7 @@
           <p:cNvPr id="11" name="제목 1">
             <a:extLst>
               <a:ext uri="{FF2B5EF4-FFF2-40B4-BE49-F238E27FC236}">
-                <a16:creationId xmlns:a16="http://schemas.microsoft.com/office/drawing/2014/main" xmlns:p14="http://schemas.microsoft.com/office/powerpoint/2010/main" xmlns="" id="{39FB14FA-985B-4FAD-B434-D41D3E77FEAE}"/>
+                <a16:creationId xmlns="" xmlns:p14="http://schemas.microsoft.com/office/powerpoint/2010/main" xmlns:a16="http://schemas.microsoft.com/office/drawing/2014/main" id="{39FB14FA-985B-4FAD-B434-D41D3E77FEAE}"/>
               </a:ext>
             </a:extLst>
           </p:cNvPr>
@@ -11858,11 +12018,11 @@
   <p:clrMapOvr>
     <a:masterClrMapping/>
   </p:clrMapOvr>
-  <mc:AlternateContent xmlns:mc="http://schemas.openxmlformats.org/markup-compatibility/2006">
-    <mc:Choice xmlns:p14="http://schemas.microsoft.com/office/powerpoint/2010/main" Requires="p14">
+  <mc:AlternateContent xmlns:mc="http://schemas.openxmlformats.org/markup-compatibility/2006" xmlns:p14="http://schemas.microsoft.com/office/powerpoint/2010/main">
+    <mc:Choice Requires="p14">
       <p:transition spd="slow" p14:dur="2000"/>
     </mc:Choice>
-    <mc:Fallback>
+    <mc:Fallback xmlns="">
       <p:transition spd="slow"/>
     </mc:Fallback>
   </mc:AlternateContent>
@@ -12222,7 +12382,7 @@
           <p:cNvPr id="9" name="제목 1">
             <a:extLst>
               <a:ext uri="{FF2B5EF4-FFF2-40B4-BE49-F238E27FC236}">
-                <a16:creationId xmlns:a16="http://schemas.microsoft.com/office/drawing/2014/main" xmlns:p14="http://schemas.microsoft.com/office/powerpoint/2010/main" xmlns="" id="{06EB58BF-D8CD-46E6-B7DC-722F2FCC77DF}"/>
+                <a16:creationId xmlns="" xmlns:p14="http://schemas.microsoft.com/office/powerpoint/2010/main" xmlns:a16="http://schemas.microsoft.com/office/drawing/2014/main" id="{06EB58BF-D8CD-46E6-B7DC-722F2FCC77DF}"/>
               </a:ext>
             </a:extLst>
           </p:cNvPr>
@@ -12292,11 +12452,11 @@
   <p:clrMapOvr>
     <a:masterClrMapping/>
   </p:clrMapOvr>
-  <mc:AlternateContent xmlns:mc="http://schemas.openxmlformats.org/markup-compatibility/2006">
-    <mc:Choice xmlns:p14="http://schemas.microsoft.com/office/powerpoint/2010/main" Requires="p14">
+  <mc:AlternateContent xmlns:mc="http://schemas.openxmlformats.org/markup-compatibility/2006" xmlns:p14="http://schemas.microsoft.com/office/powerpoint/2010/main">
+    <mc:Choice Requires="p14">
       <p:transition spd="slow" p14:dur="2000"/>
     </mc:Choice>
-    <mc:Fallback>
+    <mc:Fallback xmlns="">
       <p:transition spd="slow"/>
     </mc:Fallback>
   </mc:AlternateContent>
@@ -12686,7 +12846,15 @@
                   <a:srgbClr val="FFFFFF"/>
                 </a:solidFill>
               </a:rPr>
-              <a:t>API stack</a:t>
+              <a:t>Framework </a:t>
+            </a:r>
+            <a:r>
+              <a:rPr lang="en-US" altLang="ko-KR" sz="2400" b="1" dirty="0" smtClean="0">
+                <a:solidFill>
+                  <a:srgbClr val="FFFFFF"/>
+                </a:solidFill>
+              </a:rPr>
+              <a:t>stack</a:t>
             </a:r>
             <a:endParaRPr lang="ko-KR" altLang="en-US" sz="2400" b="1" dirty="0" smtClean="0">
               <a:solidFill>
@@ -12763,7 +12931,7 @@
           <p:cNvPr id="13" name="제목 1">
             <a:extLst>
               <a:ext uri="{FF2B5EF4-FFF2-40B4-BE49-F238E27FC236}">
-                <a16:creationId xmlns:a16="http://schemas.microsoft.com/office/drawing/2014/main" xmlns:p14="http://schemas.microsoft.com/office/powerpoint/2010/main" xmlns="" id="{FF43E060-AA5C-4963-A60D-FFE2F1D0BB00}"/>
+                <a16:creationId xmlns="" xmlns:p14="http://schemas.microsoft.com/office/powerpoint/2010/main" xmlns:a16="http://schemas.microsoft.com/office/drawing/2014/main" id="{FF43E060-AA5C-4963-A60D-FFE2F1D0BB00}"/>
               </a:ext>
             </a:extLst>
           </p:cNvPr>
@@ -12833,11 +13001,11 @@
   <p:clrMapOvr>
     <a:masterClrMapping/>
   </p:clrMapOvr>
-  <mc:AlternateContent xmlns:mc="http://schemas.openxmlformats.org/markup-compatibility/2006">
-    <mc:Choice xmlns:p14="http://schemas.microsoft.com/office/powerpoint/2010/main" Requires="p14">
+  <mc:AlternateContent xmlns:mc="http://schemas.openxmlformats.org/markup-compatibility/2006" xmlns:p14="http://schemas.microsoft.com/office/powerpoint/2010/main">
+    <mc:Choice Requires="p14">
       <p:transition spd="slow" p14:dur="2000"/>
     </mc:Choice>
-    <mc:Fallback>
+    <mc:Fallback xmlns="">
       <p:transition spd="slow"/>
     </mc:Fallback>
   </mc:AlternateContent>
@@ -13287,7 +13455,7 @@
           <p:cNvPr id="11" name="제목 1">
             <a:extLst>
               <a:ext uri="{FF2B5EF4-FFF2-40B4-BE49-F238E27FC236}">
-                <a16:creationId xmlns:a16="http://schemas.microsoft.com/office/drawing/2014/main" xmlns:p14="http://schemas.microsoft.com/office/powerpoint/2010/main" xmlns="" id="{3DB6CFC1-6ACD-47B3-9F59-55F4C4FB86BE}"/>
+                <a16:creationId xmlns="" xmlns:p14="http://schemas.microsoft.com/office/powerpoint/2010/main" xmlns:a16="http://schemas.microsoft.com/office/drawing/2014/main" id="{3DB6CFC1-6ACD-47B3-9F59-55F4C4FB86BE}"/>
               </a:ext>
             </a:extLst>
           </p:cNvPr>
@@ -13357,11 +13525,11 @@
   <p:clrMapOvr>
     <a:masterClrMapping/>
   </p:clrMapOvr>
-  <mc:AlternateContent xmlns:mc="http://schemas.openxmlformats.org/markup-compatibility/2006">
-    <mc:Choice xmlns:p14="http://schemas.microsoft.com/office/powerpoint/2010/main" Requires="p14">
+  <mc:AlternateContent xmlns:mc="http://schemas.openxmlformats.org/markup-compatibility/2006" xmlns:p14="http://schemas.microsoft.com/office/powerpoint/2010/main">
+    <mc:Choice Requires="p14">
       <p:transition spd="slow" p14:dur="2000"/>
     </mc:Choice>
-    <mc:Fallback>
+    <mc:Fallback xmlns="">
       <p:transition spd="slow"/>
     </mc:Fallback>
   </mc:AlternateContent>

--- a/docs/proposal.pptx
+++ b/docs/proposal.pptx
@@ -5,7 +5,7 @@
     <p:sldMasterId id="2147483648" r:id="rId1"/>
   </p:sldMasterIdLst>
   <p:notesMasterIdLst>
-    <p:notesMasterId r:id="rId30"/>
+    <p:notesMasterId r:id="rId37"/>
   </p:notesMasterIdLst>
   <p:sldIdLst>
     <p:sldId id="259" r:id="rId2"/>
@@ -26,16 +26,23 @@
     <p:sldId id="302" r:id="rId17"/>
     <p:sldId id="303" r:id="rId18"/>
     <p:sldId id="268" r:id="rId19"/>
-    <p:sldId id="312" r:id="rId20"/>
-    <p:sldId id="313" r:id="rId21"/>
-    <p:sldId id="314" r:id="rId22"/>
-    <p:sldId id="315" r:id="rId23"/>
-    <p:sldId id="316" r:id="rId24"/>
-    <p:sldId id="317" r:id="rId25"/>
-    <p:sldId id="285" r:id="rId26"/>
-    <p:sldId id="287" r:id="rId27"/>
-    <p:sldId id="286" r:id="rId28"/>
-    <p:sldId id="258" r:id="rId29"/>
+    <p:sldId id="318" r:id="rId20"/>
+    <p:sldId id="320" r:id="rId21"/>
+    <p:sldId id="321" r:id="rId22"/>
+    <p:sldId id="325" r:id="rId23"/>
+    <p:sldId id="322" r:id="rId24"/>
+    <p:sldId id="324" r:id="rId25"/>
+    <p:sldId id="312" r:id="rId26"/>
+    <p:sldId id="313" r:id="rId27"/>
+    <p:sldId id="314" r:id="rId28"/>
+    <p:sldId id="315" r:id="rId29"/>
+    <p:sldId id="316" r:id="rId30"/>
+    <p:sldId id="317" r:id="rId31"/>
+    <p:sldId id="285" r:id="rId32"/>
+    <p:sldId id="287" r:id="rId33"/>
+    <p:sldId id="286" r:id="rId34"/>
+    <p:sldId id="258" r:id="rId35"/>
+    <p:sldId id="323" r:id="rId36"/>
   </p:sldIdLst>
   <p:sldSz cx="12192000" cy="6858000"/>
   <p:notesSz cx="6858000" cy="9144000"/>
@@ -224,7 +231,7 @@
           <a:p>
             <a:fld id="{01DFA51E-CDEC-4214-AFB2-399982C535BA}" type="datetimeFigureOut">
               <a:rPr lang="ko-KR" altLang="en-US" smtClean="0"/>
-              <a:t>2019-10-11</a:t>
+              <a:t>2019-10-19</a:t>
             </a:fld>
             <a:endParaRPr lang="ko-KR" altLang="en-US"/>
           </a:p>
@@ -1669,44 +1676,28 @@
           <a:lstStyle/>
           <a:p>
             <a:r>
-              <a:rPr lang="ko-KR" altLang="en-US" dirty="0"/>
-              <a:t>지금까지 대략적으로 이런 서비스를 구현하겠다는 그림을 보여드렸습니다</a:t>
-            </a:r>
-            <a:r>
-              <a:rPr lang="en-US" altLang="ko-KR" dirty="0"/>
+              <a:rPr lang="ko-KR" altLang="en-US" dirty="0" smtClean="0"/>
+              <a:t>게다가 저희는 지금까지 있던 리뷰 분석 서비스 중 가장 소비자가 원하는 정보를 전달해줄 수 있</a:t>
+            </a:r>
+            <a:r>
+              <a:rPr lang="ko-KR" altLang="en-US" baseline="0" dirty="0" smtClean="0"/>
+              <a:t>는 특징들을 분석하고 활용하려고 합니다</a:t>
+            </a:r>
+            <a:r>
+              <a:rPr lang="en-US" altLang="ko-KR" baseline="0" dirty="0" smtClean="0"/>
               <a:t>.</a:t>
             </a:r>
           </a:p>
           <a:p>
             <a:r>
-              <a:rPr lang="ko-KR" altLang="en-US" dirty="0"/>
-              <a:t>이번 </a:t>
-            </a:r>
-            <a:r>
-              <a:rPr lang="en-US" altLang="ko-KR" dirty="0"/>
-              <a:t>Development </a:t>
-            </a:r>
-            <a:r>
-              <a:rPr lang="ko-KR" altLang="en-US" dirty="0"/>
-              <a:t>섹션에서는 이 서비스를 구현하기 위해 어떠한 프레임워크 및 </a:t>
-            </a:r>
-            <a:r>
-              <a:rPr lang="en-US" altLang="ko-KR" dirty="0"/>
-              <a:t>API</a:t>
-            </a:r>
-            <a:r>
-              <a:rPr lang="ko-KR" altLang="en-US" dirty="0"/>
-              <a:t>를 사용할 것인지를 간략하게 </a:t>
-            </a:r>
-            <a:r>
-              <a:rPr lang="ko-KR" altLang="en-US" dirty="0" err="1"/>
-              <a:t>설명드리겠습니다</a:t>
-            </a:r>
-            <a:r>
-              <a:rPr lang="en-US" altLang="ko-KR" dirty="0"/>
+              <a:rPr lang="ko-KR" altLang="en-US" baseline="0" dirty="0" smtClean="0"/>
+              <a:t>소비자에게 만족스러운 서비스를 제공하는 것으로 알려진 위 사이트들의 리뷰들의 특징과 요소들을 분석해서 저희 리뷰 서비스 디자인을 발전시키는 것에 활용했습니다</a:t>
+            </a:r>
+            <a:r>
+              <a:rPr lang="en-US" altLang="ko-KR" baseline="0" dirty="0" smtClean="0"/>
               <a:t>.</a:t>
             </a:r>
-            <a:endParaRPr lang="ko-KR" altLang="en-US" dirty="0"/>
+            <a:endParaRPr lang="en-US" altLang="ko-KR" dirty="0"/>
           </a:p>
         </p:txBody>
       </p:sp>
@@ -1726,26 +1717,17 @@
           <a:lstStyle/>
           <a:p>
             <a:fld id="{D898AB71-339F-426E-BE4F-BA0247DB15F5}" type="slidenum">
-              <a:rPr lang="ko-KR" altLang="en-US" smtClean="0">
-                <a:solidFill>
-                  <a:prstClr val="black"/>
-                </a:solidFill>
-              </a:rPr>
-              <a:pPr/>
+              <a:rPr lang="ko-KR" altLang="en-US" smtClean="0"/>
               <a:t>19</a:t>
             </a:fld>
-            <a:endParaRPr lang="ko-KR" altLang="en-US">
-              <a:solidFill>
-                <a:prstClr val="black"/>
-              </a:solidFill>
-            </a:endParaRPr>
+            <a:endParaRPr lang="ko-KR" altLang="en-US"/>
           </a:p>
         </p:txBody>
       </p:sp>
     </p:spTree>
     <p:extLst>
       <p:ext uri="{BB962C8B-B14F-4D97-AF65-F5344CB8AC3E}">
-        <p14:creationId xmlns:p14="http://schemas.microsoft.com/office/powerpoint/2010/main" val="1907757849"/>
+        <p14:creationId xmlns:p14="http://schemas.microsoft.com/office/powerpoint/2010/main" val="1237672814"/>
       </p:ext>
     </p:extLst>
   </p:cSld>
@@ -1945,26 +1927,7 @@
           <a:bodyPr/>
           <a:lstStyle/>
           <a:p>
-            <a:r>
-              <a:rPr lang="ko-KR" altLang="en-US" dirty="0"/>
-              <a:t>소비자가 직접 마주하게 되는 웹 </a:t>
-            </a:r>
-            <a:r>
-              <a:rPr lang="ko-KR" altLang="en-US" dirty="0" err="1"/>
-              <a:t>프론트엔드는</a:t>
-            </a:r>
-            <a:r>
-              <a:rPr lang="ko-KR" altLang="en-US" dirty="0"/>
-              <a:t> </a:t>
-            </a:r>
-            <a:r>
-              <a:rPr lang="en-US" altLang="ko-KR" dirty="0"/>
-              <a:t>Vue.js</a:t>
-            </a:r>
-            <a:r>
-              <a:rPr lang="ko-KR" altLang="en-US" dirty="0"/>
-              <a:t>를 사용하여 구현할 계획이며</a:t>
-            </a:r>
+            <a:endParaRPr lang="en-US" altLang="ko-KR" dirty="0"/>
           </a:p>
         </p:txBody>
       </p:sp>
@@ -1984,26 +1947,17 @@
           <a:lstStyle/>
           <a:p>
             <a:fld id="{D898AB71-339F-426E-BE4F-BA0247DB15F5}" type="slidenum">
-              <a:rPr lang="ko-KR" altLang="en-US" smtClean="0">
-                <a:solidFill>
-                  <a:prstClr val="black"/>
-                </a:solidFill>
-              </a:rPr>
-              <a:pPr/>
+              <a:rPr lang="ko-KR" altLang="en-US" smtClean="0"/>
               <a:t>20</a:t>
             </a:fld>
-            <a:endParaRPr lang="ko-KR" altLang="en-US">
-              <a:solidFill>
-                <a:prstClr val="black"/>
-              </a:solidFill>
-            </a:endParaRPr>
+            <a:endParaRPr lang="ko-KR" altLang="en-US"/>
           </a:p>
         </p:txBody>
       </p:sp>
     </p:spTree>
     <p:extLst>
       <p:ext uri="{BB962C8B-B14F-4D97-AF65-F5344CB8AC3E}">
-        <p14:creationId xmlns:p14="http://schemas.microsoft.com/office/powerpoint/2010/main" val="2073122656"/>
+        <p14:creationId xmlns:p14="http://schemas.microsoft.com/office/powerpoint/2010/main" val="1665225405"/>
       </p:ext>
     </p:extLst>
   </p:cSld>
@@ -2040,12 +1994,7 @@
             <p:ph type="sldImg"/>
           </p:nvPr>
         </p:nvSpPr>
-        <p:spPr>
-          <a:xfrm>
-            <a:off x="685800" y="1143000"/>
-            <a:ext cx="5486400" cy="3086100"/>
-          </a:xfrm>
-        </p:spPr>
+        <p:spPr/>
       </p:sp>
       <p:sp>
         <p:nvSpPr>
@@ -2057,48 +2006,12 @@
             <p:ph type="body" idx="1"/>
           </p:nvPr>
         </p:nvSpPr>
-        <p:spPr>
-          <a:xfrm>
-            <a:off x="685800" y="4400550"/>
-            <a:ext cx="5487035" cy="3601085"/>
-          </a:xfrm>
-        </p:spPr>
-        <p:txBody>
-          <a:bodyPr vert="horz" wrap="square" lIns="91440" tIns="45720" rIns="91440" bIns="45720" numCol="1" anchor="t">
-            <a:noAutofit/>
-          </a:bodyPr>
-          <a:lstStyle/>
-          <a:p>
-            <a:pPr marL="0" indent="0" algn="just" defTabSz="508000" fontAlgn="auto">
-              <a:lnSpc>
-                <a:spcPct val="100000"/>
-              </a:lnSpc>
-              <a:spcBef>
-                <a:spcPts val="0"/>
-              </a:spcBef>
-              <a:spcAft>
-                <a:spcPts val="0"/>
-              </a:spcAft>
-              <a:buFontTx/>
-              <a:buNone/>
-            </a:pPr>
-            <a:r>
-              <a:rPr lang="en-US" altLang="ko-KR" sz="1200" b="0" strike="noStrike" cap="none" dirty="0" smtClean="0">
-                <a:solidFill>
-                  <a:schemeClr val="tx1"/>
-                </a:solidFill>
-                <a:latin typeface="맑은 고딕" charset="0"/>
-                <a:ea typeface="맑은 고딕" charset="0"/>
-              </a:rPr>
-              <a:t>서버 백엔드는 node.js상에서 동작하는 Express로 만들 계획입니다. 프로젝트의 중심이 되는 데이터베이스는 Firebase를 통해 만들 계획입니다.</a:t>
-            </a:r>
-            <a:endParaRPr lang="ko-KR" altLang="en-US" sz="1200" b="0" strike="noStrike" cap="none" dirty="0" smtClean="0">
-              <a:solidFill>
-                <a:schemeClr val="tx1"/>
-              </a:solidFill>
-              <a:latin typeface="맑은 고딕" charset="0"/>
-              <a:ea typeface="맑은 고딕" charset="0"/>
-            </a:endParaRPr>
+        <p:spPr/>
+        <p:txBody>
+          <a:bodyPr/>
+          <a:lstStyle/>
+          <a:p>
+            <a:endParaRPr lang="en-US" altLang="ko-KR" dirty="0"/>
           </a:p>
         </p:txBody>
       </p:sp>
@@ -2112,37 +2025,23 @@
             <p:ph type="sldNum" sz="quarter" idx="5"/>
           </p:nvPr>
         </p:nvSpPr>
-        <p:spPr>
-          <a:xfrm>
-            <a:off x="3884930" y="8685530"/>
-            <a:ext cx="2972435" cy="459105"/>
-          </a:xfrm>
-        </p:spPr>
+        <p:spPr/>
         <p:txBody>
           <a:bodyPr/>
           <a:lstStyle/>
           <a:p>
             <a:fld id="{D898AB71-339F-426E-BE4F-BA0247DB15F5}" type="slidenum">
-              <a:rPr lang="ko-KR" altLang="en-US" smtClean="0">
-                <a:solidFill>
-                  <a:prstClr val="black"/>
-                </a:solidFill>
-              </a:rPr>
-              <a:pPr/>
+              <a:rPr lang="ko-KR" altLang="en-US" smtClean="0"/>
               <a:t>21</a:t>
             </a:fld>
-            <a:endParaRPr lang="ko-KR" altLang="en-US">
-              <a:solidFill>
-                <a:prstClr val="black"/>
-              </a:solidFill>
-            </a:endParaRPr>
+            <a:endParaRPr lang="ko-KR" altLang="en-US"/>
           </a:p>
         </p:txBody>
       </p:sp>
     </p:spTree>
     <p:extLst>
       <p:ext uri="{BB962C8B-B14F-4D97-AF65-F5344CB8AC3E}">
-        <p14:creationId xmlns:p14="http://schemas.microsoft.com/office/powerpoint/2010/main" val="1044123102"/>
+        <p14:creationId xmlns:p14="http://schemas.microsoft.com/office/powerpoint/2010/main" val="2829283951"/>
       </p:ext>
     </p:extLst>
   </p:cSld>
@@ -2179,12 +2078,7 @@
             <p:ph type="sldImg"/>
           </p:nvPr>
         </p:nvSpPr>
-        <p:spPr>
-          <a:xfrm>
-            <a:off x="685800" y="1143000"/>
-            <a:ext cx="5486400" cy="3086100"/>
-          </a:xfrm>
-        </p:spPr>
+        <p:spPr/>
       </p:sp>
       <p:sp>
         <p:nvSpPr>
@@ -2196,70 +2090,12 @@
             <p:ph type="body" idx="1"/>
           </p:nvPr>
         </p:nvSpPr>
-        <p:spPr>
-          <a:xfrm>
-            <a:off x="685800" y="4400550"/>
-            <a:ext cx="5487035" cy="3601085"/>
-          </a:xfrm>
-        </p:spPr>
-        <p:txBody>
-          <a:bodyPr vert="horz" wrap="square" lIns="91440" tIns="45720" rIns="91440" bIns="45720" numCol="1" anchor="t">
-            <a:noAutofit/>
-          </a:bodyPr>
-          <a:lstStyle/>
-          <a:p>
-            <a:pPr marL="0" indent="0" algn="just" defTabSz="508000" fontAlgn="auto">
-              <a:lnSpc>
-                <a:spcPct val="100000"/>
-              </a:lnSpc>
-              <a:spcBef>
-                <a:spcPts val="0"/>
-              </a:spcBef>
-              <a:spcAft>
-                <a:spcPts val="0"/>
-              </a:spcAft>
-              <a:buFontTx/>
-              <a:buNone/>
-            </a:pPr>
-            <a:r>
-              <a:rPr lang="en-US" altLang="ko-KR" sz="1200" b="0" strike="noStrike" cap="none" dirty="0" smtClean="0">
-                <a:solidFill>
-                  <a:schemeClr val="tx1"/>
-                </a:solidFill>
-                <a:latin typeface="맑은 고딕" charset="0"/>
-                <a:ea typeface="맑은 고딕" charset="0"/>
-              </a:rPr>
-              <a:t>그리고 keyword 추출 부분은 케라스 또는 구글의 자연어 처리 서비스 API를 이용할 예정입니다.</a:t>
-            </a:r>
-            <a:endParaRPr lang="ko-KR" altLang="en-US" sz="1200" b="0" strike="noStrike" cap="none" dirty="0" smtClean="0">
-              <a:solidFill>
-                <a:schemeClr val="tx1"/>
-              </a:solidFill>
-              <a:latin typeface="맑은 고딕" charset="0"/>
-              <a:ea typeface="맑은 고딕" charset="0"/>
-            </a:endParaRPr>
-          </a:p>
-          <a:p>
-            <a:pPr marL="0" indent="0" algn="just" defTabSz="508000" fontAlgn="auto">
-              <a:lnSpc>
-                <a:spcPct val="100000"/>
-              </a:lnSpc>
-              <a:spcBef>
-                <a:spcPts val="0"/>
-              </a:spcBef>
-              <a:spcAft>
-                <a:spcPts val="0"/>
-              </a:spcAft>
-              <a:buFontTx/>
-              <a:buNone/>
-            </a:pPr>
-            <a:endParaRPr lang="ko-KR" altLang="en-US" sz="1200" b="0" strike="noStrike" cap="none" dirty="0" smtClean="0">
-              <a:solidFill>
-                <a:schemeClr val="tx1"/>
-              </a:solidFill>
-              <a:latin typeface="맑은 고딕" charset="0"/>
-              <a:ea typeface="맑은 고딕" charset="0"/>
-            </a:endParaRPr>
+        <p:spPr/>
+        <p:txBody>
+          <a:bodyPr/>
+          <a:lstStyle/>
+          <a:p>
+            <a:endParaRPr lang="en-US" altLang="ko-KR" dirty="0"/>
           </a:p>
         </p:txBody>
       </p:sp>
@@ -2273,37 +2109,23 @@
             <p:ph type="sldNum" sz="quarter" idx="5"/>
           </p:nvPr>
         </p:nvSpPr>
-        <p:spPr>
-          <a:xfrm>
-            <a:off x="3884930" y="8685530"/>
-            <a:ext cx="2972435" cy="459105"/>
-          </a:xfrm>
-        </p:spPr>
+        <p:spPr/>
         <p:txBody>
           <a:bodyPr/>
           <a:lstStyle/>
           <a:p>
             <a:fld id="{D898AB71-339F-426E-BE4F-BA0247DB15F5}" type="slidenum">
-              <a:rPr lang="ko-KR" altLang="en-US" smtClean="0">
-                <a:solidFill>
-                  <a:prstClr val="black"/>
-                </a:solidFill>
-              </a:rPr>
-              <a:pPr/>
+              <a:rPr lang="ko-KR" altLang="en-US" smtClean="0"/>
               <a:t>22</a:t>
             </a:fld>
-            <a:endParaRPr lang="ko-KR" altLang="en-US">
-              <a:solidFill>
-                <a:prstClr val="black"/>
-              </a:solidFill>
-            </a:endParaRPr>
+            <a:endParaRPr lang="ko-KR" altLang="en-US"/>
           </a:p>
         </p:txBody>
       </p:sp>
     </p:spTree>
     <p:extLst>
       <p:ext uri="{BB962C8B-B14F-4D97-AF65-F5344CB8AC3E}">
-        <p14:creationId xmlns:p14="http://schemas.microsoft.com/office/powerpoint/2010/main" val="2435337971"/>
+        <p14:creationId xmlns:p14="http://schemas.microsoft.com/office/powerpoint/2010/main" val="425172024"/>
       </p:ext>
     </p:extLst>
   </p:cSld>
@@ -2332,529 +2154,62 @@
       </p:grpSpPr>
       <p:sp>
         <p:nvSpPr>
-          <p:cNvPr id="2" name="머리글 갤체 틀 1"/>
-          <p:cNvSpPr txBox="1">
-            <a:spLocks noGrp="1"/>
-          </p:cNvSpPr>
-          <p:nvPr>
-            <p:ph type="hdr"/>
-          </p:nvPr>
-        </p:nvSpPr>
-        <p:spPr>
-          <a:xfrm>
-            <a:off x="0" y="0"/>
-            <a:ext cx="2972435" cy="459740"/>
-          </a:xfrm>
-          <a:prstGeom prst="rect">
-            <a:avLst/>
-          </a:prstGeom>
-        </p:spPr>
-        <p:txBody>
-          <a:bodyPr vert="horz" wrap="square" lIns="91440" tIns="45720" rIns="91440" bIns="45720" numCol="1" anchor="t">
-            <a:noAutofit/>
-          </a:bodyPr>
-          <a:lstStyle/>
-          <a:p>
-            <a:endParaRPr>
-              <a:solidFill>
-                <a:prstClr val="black"/>
-              </a:solidFill>
-            </a:endParaRPr>
-          </a:p>
-        </p:txBody>
-      </p:sp>
-      <p:sp>
-        <p:nvSpPr>
-          <p:cNvPr id="3" name="날짜 개체 틀 2"/>
-          <p:cNvSpPr txBox="1">
-            <a:spLocks noGrp="1"/>
-          </p:cNvSpPr>
-          <p:nvPr>
-            <p:ph type="dt" idx="1"/>
-          </p:nvPr>
-        </p:nvSpPr>
-        <p:spPr>
-          <a:xfrm>
-            <a:off x="3884930" y="0"/>
-            <a:ext cx="2972435" cy="459740"/>
-          </a:xfrm>
-          <a:prstGeom prst="rect">
-            <a:avLst/>
-          </a:prstGeom>
-        </p:spPr>
-        <p:txBody>
-          <a:bodyPr vert="horz" wrap="square" lIns="91440" tIns="45720" rIns="91440" bIns="45720" numCol="1" anchor="t">
-            <a:noAutofit/>
-          </a:bodyPr>
-          <a:lstStyle/>
-          <a:p>
-            <a:fld id="{B9320F77-B9A0-41C5-862A-B4B631284C64}" type="datetime1">
-              <a:rPr lang="ko-KR" altLang="en-US" dirty="0" smtClean="0">
-                <a:solidFill>
-                  <a:prstClr val="black"/>
-                </a:solidFill>
-              </a:rPr>
-              <a:pPr/>
-              <a:t>2019-10-11</a:t>
-            </a:fld>
-            <a:endParaRPr lang="ko-KR" altLang="en-US" dirty="0" smtClean="0">
-              <a:solidFill>
-                <a:prstClr val="black"/>
-              </a:solidFill>
-            </a:endParaRPr>
-          </a:p>
-        </p:txBody>
-      </p:sp>
-      <p:sp>
-        <p:nvSpPr>
-          <p:cNvPr id="4" name="온라인 이미지 개체 틀 3"/>
+          <p:cNvPr id="2" name="슬라이드 이미지 개체 틀 1"/>
           <p:cNvSpPr>
             <a:spLocks noGrp="1" noRot="1" noChangeAspect="1"/>
           </p:cNvSpPr>
           <p:nvPr>
-            <p:ph type="sldImg" idx="2"/>
-          </p:nvPr>
-        </p:nvSpPr>
-        <p:spPr>
-          <a:xfrm>
-            <a:off x="685800" y="1143000"/>
-            <a:ext cx="5486400" cy="3086100"/>
-          </a:xfrm>
-          <a:prstGeom prst="rect">
-            <a:avLst/>
-          </a:prstGeom>
-          <a:noFill/>
-          <a:ln w="12700" cap="flat" cmpd="sng">
-            <a:solidFill>
-              <a:srgbClr val="000000">
-                <a:alpha val="100000"/>
-              </a:srgbClr>
-            </a:solidFill>
-            <a:prstDash val="solid"/>
-          </a:ln>
-        </p:spPr>
-        <p:txBody>
-          <a:bodyPr vert="horz" wrap="square" lIns="91440" tIns="45720" rIns="91440" bIns="45720" numCol="1" anchor="ctr">
-            <a:noAutofit/>
-          </a:bodyPr>
-          <a:lstStyle/>
-          <a:p>
-            <a:pPr marL="0" indent="0" algn="l" defTabSz="914400" fontAlgn="auto">
-              <a:lnSpc>
-                <a:spcPct val="100000"/>
-              </a:lnSpc>
-              <a:spcBef>
-                <a:spcPts val="0"/>
-              </a:spcBef>
-              <a:spcAft>
-                <a:spcPts val="0"/>
-              </a:spcAft>
-              <a:buFontTx/>
-              <a:buNone/>
-            </a:pPr>
-            <a:endParaRPr lang="ko-KR" altLang="en-US" sz="1800" b="0" strike="noStrike" cap="none" dirty="0" smtClean="0">
-              <a:solidFill>
-                <a:schemeClr val="tx1"/>
-              </a:solidFill>
-              <a:latin typeface="맑은 고딕" charset="0"/>
-              <a:ea typeface="맑은 고딕" charset="0"/>
-            </a:endParaRPr>
-          </a:p>
-        </p:txBody>
-      </p:sp>
-      <p:sp>
-        <p:nvSpPr>
-          <p:cNvPr id="5" name="텍스트 개체 틀 4"/>
-          <p:cNvSpPr txBox="1">
+            <p:ph type="sldImg"/>
+          </p:nvPr>
+        </p:nvSpPr>
+        <p:spPr/>
+      </p:sp>
+      <p:sp>
+        <p:nvSpPr>
+          <p:cNvPr id="3" name="슬라이드 노트 개체 틀 2"/>
+          <p:cNvSpPr>
             <a:spLocks noGrp="1"/>
           </p:cNvSpPr>
           <p:nvPr>
-            <p:ph type="body" idx="3"/>
-          </p:nvPr>
-        </p:nvSpPr>
-        <p:spPr>
-          <a:xfrm>
-            <a:off x="685800" y="4400550"/>
-            <a:ext cx="5487035" cy="3601085"/>
-          </a:xfrm>
-          <a:prstGeom prst="rect">
-            <a:avLst/>
-          </a:prstGeom>
-        </p:spPr>
-        <p:txBody>
-          <a:bodyPr vert="horz" wrap="square" lIns="91440" tIns="45720" rIns="91440" bIns="45720" numCol="1" anchor="t">
-            <a:noAutofit/>
-          </a:bodyPr>
-          <a:lstStyle/>
-          <a:p>
-            <a:pPr marL="0" indent="0" algn="just" defTabSz="508000" fontAlgn="auto">
-              <a:lnSpc>
-                <a:spcPct val="100000"/>
-              </a:lnSpc>
-              <a:spcBef>
-                <a:spcPts val="0"/>
-              </a:spcBef>
-              <a:spcAft>
-                <a:spcPts val="0"/>
-              </a:spcAft>
-              <a:buFontTx/>
-              <a:buNone/>
-            </a:pPr>
-            <a:r>
-              <a:rPr lang="en-US" altLang="ko-KR" sz="1200" b="0" strike="noStrike" cap="none" dirty="0" smtClean="0">
-                <a:solidFill>
-                  <a:schemeClr val="tx1"/>
-                </a:solidFill>
-                <a:latin typeface="맑은 고딕" charset="0"/>
-                <a:ea typeface="맑은 고딕" charset="0"/>
-              </a:rPr>
-              <a:t>개발에 주의를 기울여야 할 부분이 있습니다.</a:t>
-            </a:r>
-            <a:endParaRPr lang="ko-KR" altLang="en-US" sz="1200" b="0" strike="noStrike" cap="none" dirty="0" smtClean="0">
-              <a:solidFill>
-                <a:schemeClr val="tx1"/>
-              </a:solidFill>
-              <a:latin typeface="맑은 고딕" charset="0"/>
-              <a:ea typeface="맑은 고딕" charset="0"/>
-            </a:endParaRPr>
-          </a:p>
-          <a:p>
-            <a:pPr marL="0" indent="0" algn="just" defTabSz="508000" fontAlgn="auto">
-              <a:lnSpc>
-                <a:spcPct val="100000"/>
-              </a:lnSpc>
-              <a:spcBef>
-                <a:spcPts val="0"/>
-              </a:spcBef>
-              <a:spcAft>
-                <a:spcPts val="0"/>
-              </a:spcAft>
-              <a:buFontTx/>
-              <a:buNone/>
-            </a:pPr>
-            <a:r>
-              <a:rPr lang="en-US" altLang="ko-KR" sz="1200" b="0" strike="noStrike" cap="none" dirty="0" smtClean="0">
-                <a:solidFill>
-                  <a:schemeClr val="tx1"/>
-                </a:solidFill>
-                <a:latin typeface="맑은 고딕" charset="0"/>
-                <a:ea typeface="맑은 고딕" charset="0"/>
-              </a:rPr>
-              <a:t>첫번째로. </a:t>
-            </a:r>
-            <a:r>
-              <a:rPr lang="en-US" altLang="ko-KR" sz="1200" b="0" strike="noStrike" cap="none" dirty="0" err="1" smtClean="0">
-                <a:solidFill>
-                  <a:schemeClr val="tx1"/>
-                </a:solidFill>
-                <a:latin typeface="맑은 고딕" charset="0"/>
-                <a:ea typeface="맑은 고딕" charset="0"/>
-              </a:rPr>
-              <a:t>여러가지</a:t>
-            </a:r>
-            <a:r>
-              <a:rPr lang="en-US" altLang="ko-KR" sz="1200" b="0" strike="noStrike" cap="none" dirty="0" smtClean="0">
-                <a:solidFill>
-                  <a:schemeClr val="tx1"/>
-                </a:solidFill>
-                <a:latin typeface="맑은 고딕" charset="0"/>
-                <a:ea typeface="맑은 고딕" charset="0"/>
-              </a:rPr>
-              <a:t> </a:t>
-            </a:r>
-            <a:r>
-              <a:rPr lang="en-US" altLang="ko-KR" sz="1200" b="0" strike="noStrike" cap="none" dirty="0" err="1" smtClean="0">
-                <a:solidFill>
-                  <a:schemeClr val="tx1"/>
-                </a:solidFill>
-                <a:latin typeface="맑은 고딕" charset="0"/>
-                <a:ea typeface="맑은 고딕" charset="0"/>
-              </a:rPr>
-              <a:t>Framework들</a:t>
-            </a:r>
-            <a:r>
-              <a:rPr lang="ko-KR" altLang="en-US" sz="1200" b="0" strike="noStrike" cap="none" dirty="0" smtClean="0">
-                <a:solidFill>
-                  <a:schemeClr val="tx1"/>
-                </a:solidFill>
-                <a:latin typeface="맑은 고딕" charset="0"/>
-                <a:ea typeface="맑은 고딕" charset="0"/>
-              </a:rPr>
-              <a:t>이</a:t>
-            </a:r>
-            <a:r>
-              <a:rPr lang="en-US" altLang="ko-KR" sz="1200" b="0" strike="noStrike" cap="none" baseline="0" dirty="0" smtClean="0">
-                <a:solidFill>
-                  <a:schemeClr val="tx1"/>
-                </a:solidFill>
-                <a:latin typeface="맑은 고딕" charset="0"/>
-                <a:ea typeface="맑은 고딕" charset="0"/>
-              </a:rPr>
-              <a:t> </a:t>
-            </a:r>
-            <a:r>
-              <a:rPr lang="en-US" altLang="ko-KR" sz="1200" b="0" strike="noStrike" cap="none" dirty="0" err="1" smtClean="0">
-                <a:solidFill>
-                  <a:schemeClr val="tx1"/>
-                </a:solidFill>
-                <a:latin typeface="맑은 고딕" charset="0"/>
-                <a:ea typeface="맑은 고딕" charset="0"/>
-              </a:rPr>
-              <a:t>유기적으로</a:t>
-            </a:r>
-            <a:r>
-              <a:rPr lang="en-US" altLang="ko-KR" sz="1200" b="0" strike="noStrike" cap="none" dirty="0" smtClean="0">
-                <a:solidFill>
-                  <a:schemeClr val="tx1"/>
-                </a:solidFill>
-                <a:latin typeface="맑은 고딕" charset="0"/>
-                <a:ea typeface="맑은 고딕" charset="0"/>
-              </a:rPr>
-              <a:t> </a:t>
-            </a:r>
-            <a:r>
-              <a:rPr lang="en-US" altLang="ko-KR" sz="1200" b="0" strike="noStrike" cap="none" err="1" smtClean="0">
-                <a:solidFill>
-                  <a:schemeClr val="tx1"/>
-                </a:solidFill>
-                <a:latin typeface="맑은 고딕" charset="0"/>
-                <a:ea typeface="맑은 고딕" charset="0"/>
-              </a:rPr>
-              <a:t>작동하도록</a:t>
-            </a:r>
-            <a:r>
-              <a:rPr lang="en-US" altLang="ko-KR" sz="1200" b="0" strike="noStrike" cap="none" smtClean="0">
-                <a:solidFill>
-                  <a:schemeClr val="tx1"/>
-                </a:solidFill>
-                <a:latin typeface="맑은 고딕" charset="0"/>
-                <a:ea typeface="맑은 고딕" charset="0"/>
-              </a:rPr>
-              <a:t> </a:t>
-            </a:r>
-            <a:r>
-              <a:rPr lang="en-US" altLang="ko-KR" sz="1200" b="0" strike="noStrike" cap="none" smtClean="0">
-                <a:solidFill>
-                  <a:schemeClr val="tx1"/>
-                </a:solidFill>
-                <a:latin typeface="맑은 고딕" charset="0"/>
-                <a:ea typeface="맑은 고딕" charset="0"/>
-              </a:rPr>
-              <a:t>API</a:t>
-            </a:r>
-            <a:r>
-              <a:rPr lang="ko-KR" altLang="en-US" sz="1200" b="0" strike="noStrike" cap="none" smtClean="0">
-                <a:solidFill>
-                  <a:schemeClr val="tx1"/>
-                </a:solidFill>
-                <a:latin typeface="맑은 고딕" charset="0"/>
-                <a:ea typeface="맑은 고딕" charset="0"/>
-              </a:rPr>
-              <a:t>에 </a:t>
-            </a:r>
-            <a:r>
-              <a:rPr lang="ko-KR" altLang="en-US" sz="1200" b="0" strike="noStrike" cap="none" dirty="0" err="1" smtClean="0">
-                <a:solidFill>
-                  <a:schemeClr val="tx1"/>
-                </a:solidFill>
-                <a:latin typeface="맑은 고딕" charset="0"/>
-                <a:ea typeface="맑은 고딕" charset="0"/>
-              </a:rPr>
-              <a:t>신경써서</a:t>
-            </a:r>
-            <a:r>
-              <a:rPr lang="ko-KR" altLang="en-US" sz="1200" b="0" strike="noStrike" cap="none" dirty="0" smtClean="0">
-                <a:solidFill>
-                  <a:schemeClr val="tx1"/>
-                </a:solidFill>
-                <a:latin typeface="맑은 고딕" charset="0"/>
-                <a:ea typeface="맑은 고딕" charset="0"/>
-              </a:rPr>
-              <a:t> </a:t>
-            </a:r>
-            <a:r>
-              <a:rPr lang="en-US" altLang="ko-KR" sz="1200" b="0" strike="noStrike" cap="none" dirty="0" err="1" smtClean="0">
-                <a:solidFill>
-                  <a:schemeClr val="tx1"/>
-                </a:solidFill>
-                <a:latin typeface="맑은 고딕" charset="0"/>
-                <a:ea typeface="맑은 고딕" charset="0"/>
-              </a:rPr>
-              <a:t>통합하는</a:t>
-            </a:r>
-            <a:r>
-              <a:rPr lang="en-US" altLang="ko-KR" sz="1200" b="0" strike="noStrike" cap="none" dirty="0" smtClean="0">
-                <a:solidFill>
-                  <a:schemeClr val="tx1"/>
-                </a:solidFill>
-                <a:latin typeface="맑은 고딕" charset="0"/>
-                <a:ea typeface="맑은 고딕" charset="0"/>
-              </a:rPr>
-              <a:t> </a:t>
-            </a:r>
-            <a:r>
-              <a:rPr lang="en-US" altLang="ko-KR" sz="1200" b="0" strike="noStrike" cap="none" dirty="0" smtClean="0">
-                <a:solidFill>
-                  <a:schemeClr val="tx1"/>
-                </a:solidFill>
-                <a:latin typeface="맑은 고딕" charset="0"/>
-                <a:ea typeface="맑은 고딕" charset="0"/>
-              </a:rPr>
-              <a:t>것</a:t>
-            </a:r>
-            <a:endParaRPr lang="ko-KR" altLang="en-US" sz="1200" b="0" strike="noStrike" cap="none" dirty="0" smtClean="0">
-              <a:solidFill>
-                <a:schemeClr val="tx1"/>
-              </a:solidFill>
-              <a:latin typeface="맑은 고딕" charset="0"/>
-              <a:ea typeface="맑은 고딕" charset="0"/>
-            </a:endParaRPr>
-          </a:p>
-          <a:p>
-            <a:pPr marL="0" indent="0" algn="just" defTabSz="508000" fontAlgn="auto">
-              <a:lnSpc>
-                <a:spcPct val="100000"/>
-              </a:lnSpc>
-              <a:spcBef>
-                <a:spcPts val="0"/>
-              </a:spcBef>
-              <a:spcAft>
-                <a:spcPts val="0"/>
-              </a:spcAft>
-              <a:buFontTx/>
-              <a:buNone/>
-            </a:pPr>
-            <a:r>
-              <a:rPr lang="en-US" altLang="ko-KR" sz="1200" b="0" strike="noStrike" cap="none" dirty="0" smtClean="0">
-                <a:solidFill>
-                  <a:schemeClr val="tx1"/>
-                </a:solidFill>
-                <a:latin typeface="맑은 고딕" charset="0"/>
-                <a:ea typeface="맑은 고딕" charset="0"/>
-              </a:rPr>
-              <a:t>두번째. 리뷰에서 keyword가 잘 추출되도록 하는 것</a:t>
-            </a:r>
-            <a:endParaRPr lang="ko-KR" altLang="en-US" sz="1200" b="0" strike="noStrike" cap="none" dirty="0" smtClean="0">
-              <a:solidFill>
-                <a:schemeClr val="tx1"/>
-              </a:solidFill>
-              <a:latin typeface="맑은 고딕" charset="0"/>
-              <a:ea typeface="맑은 고딕" charset="0"/>
-            </a:endParaRPr>
-          </a:p>
-          <a:p>
-            <a:pPr marL="0" indent="0" algn="just" defTabSz="508000" fontAlgn="auto">
-              <a:lnSpc>
-                <a:spcPct val="100000"/>
-              </a:lnSpc>
-              <a:spcBef>
-                <a:spcPts val="0"/>
-              </a:spcBef>
-              <a:spcAft>
-                <a:spcPts val="0"/>
-              </a:spcAft>
-              <a:buFontTx/>
-              <a:buNone/>
-            </a:pPr>
-            <a:r>
-              <a:rPr lang="en-US" altLang="ko-KR" sz="1200" b="0" strike="noStrike" cap="none" dirty="0" smtClean="0">
-                <a:solidFill>
-                  <a:schemeClr val="tx1"/>
-                </a:solidFill>
-                <a:latin typeface="맑은 고딕" charset="0"/>
-                <a:ea typeface="맑은 고딕" charset="0"/>
-              </a:rPr>
-              <a:t>이 두 가지에 주의해서 개발을 진행할 예정입니다.</a:t>
-            </a:r>
-            <a:endParaRPr lang="ko-KR" altLang="en-US" sz="1200" b="0" strike="noStrike" cap="none" dirty="0" smtClean="0">
-              <a:solidFill>
-                <a:schemeClr val="tx1"/>
-              </a:solidFill>
-              <a:latin typeface="맑은 고딕" charset="0"/>
-              <a:ea typeface="맑은 고딕" charset="0"/>
-            </a:endParaRPr>
-          </a:p>
-        </p:txBody>
-      </p:sp>
-      <p:sp>
-        <p:nvSpPr>
-          <p:cNvPr id="6" name="바닥글 개체 틀 5"/>
-          <p:cNvSpPr txBox="1">
+            <p:ph type="body" idx="1"/>
+          </p:nvPr>
+        </p:nvSpPr>
+        <p:spPr/>
+        <p:txBody>
+          <a:bodyPr/>
+          <a:lstStyle/>
+          <a:p>
+            <a:endParaRPr lang="en-US" altLang="ko-KR" dirty="0"/>
+          </a:p>
+        </p:txBody>
+      </p:sp>
+      <p:sp>
+        <p:nvSpPr>
+          <p:cNvPr id="4" name="슬라이드 번호 개체 틀 3"/>
+          <p:cNvSpPr>
             <a:spLocks noGrp="1"/>
           </p:cNvSpPr>
           <p:nvPr>
-            <p:ph type="ftr" idx="4"/>
-          </p:nvPr>
-        </p:nvSpPr>
-        <p:spPr>
-          <a:xfrm>
-            <a:off x="0" y="8685530"/>
-            <a:ext cx="2972435" cy="459105"/>
-          </a:xfrm>
-          <a:prstGeom prst="rect">
-            <a:avLst/>
-          </a:prstGeom>
-        </p:spPr>
-        <p:txBody>
-          <a:bodyPr vert="horz" wrap="square" lIns="91440" tIns="45720" rIns="91440" bIns="45720" numCol="1" anchor="b">
-            <a:noAutofit/>
-          </a:bodyPr>
-          <a:lstStyle/>
-          <a:p>
-            <a:endParaRPr>
-              <a:solidFill>
-                <a:prstClr val="black"/>
-              </a:solidFill>
-            </a:endParaRPr>
-          </a:p>
-        </p:txBody>
-      </p:sp>
-      <p:sp>
-        <p:nvSpPr>
-          <p:cNvPr id="7" name="슬라이드 번호 개체 틀 6"/>
-          <p:cNvSpPr txBox="1">
-            <a:spLocks noGrp="1"/>
-          </p:cNvSpPr>
-          <p:nvPr>
-            <p:ph type="sldNum" idx="5"/>
-          </p:nvPr>
-        </p:nvSpPr>
-        <p:spPr>
-          <a:xfrm>
-            <a:off x="3884930" y="8685530"/>
-            <a:ext cx="2972435" cy="459105"/>
-          </a:xfrm>
-          <a:prstGeom prst="rect">
-            <a:avLst/>
-          </a:prstGeom>
-        </p:spPr>
-        <p:txBody>
-          <a:bodyPr vert="horz" wrap="square" lIns="91440" tIns="45720" rIns="91440" bIns="45720" numCol="1" anchor="b">
-            <a:noAutofit/>
-          </a:bodyPr>
-          <a:lstStyle/>
-          <a:p>
-            <a:fld id="{B9320F77-B9A0-41C5-862A-B4B631284C64}" type="slidenum">
-              <a:rPr lang="en-US" altLang="ko-KR" dirty="0" smtClean="0">
-                <a:solidFill>
-                  <a:prstClr val="black"/>
-                </a:solidFill>
-              </a:rPr>
-              <a:pPr/>
+            <p:ph type="sldNum" sz="quarter" idx="5"/>
+          </p:nvPr>
+        </p:nvSpPr>
+        <p:spPr/>
+        <p:txBody>
+          <a:bodyPr/>
+          <a:lstStyle/>
+          <a:p>
+            <a:fld id="{D898AB71-339F-426E-BE4F-BA0247DB15F5}" type="slidenum">
+              <a:rPr lang="ko-KR" altLang="en-US" smtClean="0"/>
               <a:t>23</a:t>
             </a:fld>
-            <a:endParaRPr lang="en-US" altLang="ko-KR" dirty="0" smtClean="0">
-              <a:solidFill>
-                <a:prstClr val="black"/>
-              </a:solidFill>
-            </a:endParaRPr>
+            <a:endParaRPr lang="ko-KR" altLang="en-US"/>
           </a:p>
         </p:txBody>
       </p:sp>
     </p:spTree>
     <p:extLst>
       <p:ext uri="{BB962C8B-B14F-4D97-AF65-F5344CB8AC3E}">
-        <p14:creationId xmlns:p14="http://schemas.microsoft.com/office/powerpoint/2010/main" val="1999410404"/>
+        <p14:creationId xmlns:p14="http://schemas.microsoft.com/office/powerpoint/2010/main" val="2903125383"/>
       </p:ext>
     </p:extLst>
   </p:cSld>
@@ -2883,273 +2238,62 @@
       </p:grpSpPr>
       <p:sp>
         <p:nvSpPr>
-          <p:cNvPr id="2" name="머리글 갤체 틀 1"/>
-          <p:cNvSpPr txBox="1">
-            <a:spLocks noGrp="1"/>
-          </p:cNvSpPr>
-          <p:nvPr>
-            <p:ph type="hdr"/>
-          </p:nvPr>
-        </p:nvSpPr>
-        <p:spPr>
-          <a:xfrm>
-            <a:off x="0" y="0"/>
-            <a:ext cx="2972435" cy="459740"/>
-          </a:xfrm>
-          <a:prstGeom prst="rect">
-            <a:avLst/>
-          </a:prstGeom>
-        </p:spPr>
-        <p:txBody>
-          <a:bodyPr vert="horz" wrap="square" lIns="91440" tIns="45720" rIns="91440" bIns="45720" numCol="1" anchor="t">
-            <a:noAutofit/>
-          </a:bodyPr>
-          <a:lstStyle/>
-          <a:p>
-            <a:endParaRPr>
-              <a:solidFill>
-                <a:prstClr val="black"/>
-              </a:solidFill>
-            </a:endParaRPr>
-          </a:p>
-        </p:txBody>
-      </p:sp>
-      <p:sp>
-        <p:nvSpPr>
-          <p:cNvPr id="3" name="날짜 개체 틀 2"/>
-          <p:cNvSpPr txBox="1">
-            <a:spLocks noGrp="1"/>
-          </p:cNvSpPr>
-          <p:nvPr>
-            <p:ph type="dt" idx="1"/>
-          </p:nvPr>
-        </p:nvSpPr>
-        <p:spPr>
-          <a:xfrm>
-            <a:off x="3884930" y="0"/>
-            <a:ext cx="2972435" cy="459740"/>
-          </a:xfrm>
-          <a:prstGeom prst="rect">
-            <a:avLst/>
-          </a:prstGeom>
-        </p:spPr>
-        <p:txBody>
-          <a:bodyPr vert="horz" wrap="square" lIns="91440" tIns="45720" rIns="91440" bIns="45720" numCol="1" anchor="t">
-            <a:noAutofit/>
-          </a:bodyPr>
-          <a:lstStyle/>
-          <a:p>
-            <a:fld id="{B9320F77-B9A0-41C5-862A-B4B631284C64}" type="datetime1">
-              <a:rPr lang="ko-KR" altLang="en-US" dirty="0" smtClean="0">
-                <a:solidFill>
-                  <a:prstClr val="black"/>
-                </a:solidFill>
-              </a:rPr>
-              <a:pPr/>
-              <a:t>2019-10-11</a:t>
-            </a:fld>
-            <a:endParaRPr lang="ko-KR" altLang="en-US" dirty="0" smtClean="0">
-              <a:solidFill>
-                <a:prstClr val="black"/>
-              </a:solidFill>
-            </a:endParaRPr>
-          </a:p>
-        </p:txBody>
-      </p:sp>
-      <p:sp>
-        <p:nvSpPr>
-          <p:cNvPr id="4" name="온라인 이미지 개체 틀 3"/>
+          <p:cNvPr id="2" name="슬라이드 이미지 개체 틀 1"/>
           <p:cNvSpPr>
             <a:spLocks noGrp="1" noRot="1" noChangeAspect="1"/>
           </p:cNvSpPr>
           <p:nvPr>
-            <p:ph type="sldImg" idx="2"/>
-          </p:nvPr>
-        </p:nvSpPr>
-        <p:spPr>
-          <a:xfrm>
-            <a:off x="685800" y="1143000"/>
-            <a:ext cx="5486400" cy="3086100"/>
-          </a:xfrm>
-          <a:prstGeom prst="rect">
-            <a:avLst/>
-          </a:prstGeom>
-          <a:noFill/>
-          <a:ln w="12700" cap="flat" cmpd="sng">
-            <a:solidFill>
-              <a:srgbClr val="000000">
-                <a:alpha val="100000"/>
-              </a:srgbClr>
-            </a:solidFill>
-            <a:prstDash val="solid"/>
-          </a:ln>
-        </p:spPr>
-        <p:txBody>
-          <a:bodyPr vert="horz" wrap="square" lIns="91440" tIns="45720" rIns="91440" bIns="45720" numCol="1" anchor="ctr">
-            <a:noAutofit/>
-          </a:bodyPr>
-          <a:lstStyle/>
-          <a:p>
-            <a:pPr marL="0" indent="0" algn="l" defTabSz="914400" fontAlgn="auto">
-              <a:lnSpc>
-                <a:spcPct val="100000"/>
-              </a:lnSpc>
-              <a:spcBef>
-                <a:spcPts val="0"/>
-              </a:spcBef>
-              <a:spcAft>
-                <a:spcPts val="0"/>
-              </a:spcAft>
-              <a:buFontTx/>
-              <a:buNone/>
-            </a:pPr>
-            <a:endParaRPr lang="ko-KR" altLang="en-US" sz="1800" b="0" strike="noStrike" cap="none" dirty="0" smtClean="0">
-              <a:solidFill>
-                <a:schemeClr val="tx1"/>
-              </a:solidFill>
-              <a:latin typeface="맑은 고딕" charset="0"/>
-              <a:ea typeface="맑은 고딕" charset="0"/>
-            </a:endParaRPr>
-          </a:p>
-        </p:txBody>
-      </p:sp>
-      <p:sp>
-        <p:nvSpPr>
-          <p:cNvPr id="5" name="텍스트 개체 틀 4"/>
-          <p:cNvSpPr txBox="1">
+            <p:ph type="sldImg"/>
+          </p:nvPr>
+        </p:nvSpPr>
+        <p:spPr/>
+      </p:sp>
+      <p:sp>
+        <p:nvSpPr>
+          <p:cNvPr id="3" name="슬라이드 노트 개체 틀 2"/>
+          <p:cNvSpPr>
             <a:spLocks noGrp="1"/>
           </p:cNvSpPr>
           <p:nvPr>
-            <p:ph type="body" idx="3"/>
-          </p:nvPr>
-        </p:nvSpPr>
-        <p:spPr>
-          <a:xfrm>
-            <a:off x="685800" y="4400550"/>
-            <a:ext cx="5487035" cy="3601085"/>
-          </a:xfrm>
-          <a:prstGeom prst="rect">
-            <a:avLst/>
-          </a:prstGeom>
-        </p:spPr>
-        <p:txBody>
-          <a:bodyPr vert="horz" wrap="square" lIns="91440" tIns="45720" rIns="91440" bIns="45720" numCol="1" anchor="t">
-            <a:noAutofit/>
-          </a:bodyPr>
-          <a:lstStyle/>
-          <a:p>
-            <a:pPr marL="0" indent="0" algn="just" defTabSz="508000" fontAlgn="auto">
-              <a:lnSpc>
-                <a:spcPct val="100000"/>
-              </a:lnSpc>
-              <a:spcBef>
-                <a:spcPts val="0"/>
-              </a:spcBef>
-              <a:spcAft>
-                <a:spcPts val="0"/>
-              </a:spcAft>
-              <a:buFontTx/>
-              <a:buNone/>
-            </a:pPr>
-            <a:r>
-              <a:rPr lang="en-US" altLang="ko-KR" sz="1200" b="0" strike="noStrike" cap="none" dirty="0" smtClean="0">
-                <a:solidFill>
-                  <a:schemeClr val="tx1"/>
-                </a:solidFill>
-                <a:latin typeface="맑은 고딕" charset="0"/>
-                <a:ea typeface="맑은 고딕" charset="0"/>
-              </a:rPr>
-              <a:t>개발 프로세스입니다. 개발 과정에서는 각자 개발한 것을 주기적으로 합치면서 진행하도록 하겠습니다.</a:t>
-            </a:r>
-            <a:endParaRPr lang="ko-KR" altLang="en-US" sz="1200" b="0" strike="noStrike" cap="none" dirty="0" smtClean="0">
-              <a:solidFill>
-                <a:schemeClr val="tx1"/>
-              </a:solidFill>
-              <a:latin typeface="맑은 고딕" charset="0"/>
-              <a:ea typeface="맑은 고딕" charset="0"/>
-            </a:endParaRPr>
-          </a:p>
-        </p:txBody>
-      </p:sp>
-      <p:sp>
-        <p:nvSpPr>
-          <p:cNvPr id="6" name="바닥글 개체 틀 5"/>
-          <p:cNvSpPr txBox="1">
+            <p:ph type="body" idx="1"/>
+          </p:nvPr>
+        </p:nvSpPr>
+        <p:spPr/>
+        <p:txBody>
+          <a:bodyPr/>
+          <a:lstStyle/>
+          <a:p>
+            <a:endParaRPr lang="en-US" altLang="ko-KR" dirty="0"/>
+          </a:p>
+        </p:txBody>
+      </p:sp>
+      <p:sp>
+        <p:nvSpPr>
+          <p:cNvPr id="4" name="슬라이드 번호 개체 틀 3"/>
+          <p:cNvSpPr>
             <a:spLocks noGrp="1"/>
           </p:cNvSpPr>
           <p:nvPr>
-            <p:ph type="ftr" idx="4"/>
-          </p:nvPr>
-        </p:nvSpPr>
-        <p:spPr>
-          <a:xfrm>
-            <a:off x="0" y="8685530"/>
-            <a:ext cx="2972435" cy="459105"/>
-          </a:xfrm>
-          <a:prstGeom prst="rect">
-            <a:avLst/>
-          </a:prstGeom>
-        </p:spPr>
-        <p:txBody>
-          <a:bodyPr vert="horz" wrap="square" lIns="91440" tIns="45720" rIns="91440" bIns="45720" numCol="1" anchor="b">
-            <a:noAutofit/>
-          </a:bodyPr>
-          <a:lstStyle/>
-          <a:p>
-            <a:endParaRPr>
-              <a:solidFill>
-                <a:prstClr val="black"/>
-              </a:solidFill>
-            </a:endParaRPr>
-          </a:p>
-        </p:txBody>
-      </p:sp>
-      <p:sp>
-        <p:nvSpPr>
-          <p:cNvPr id="7" name="슬라이드 번호 개체 틀 6"/>
-          <p:cNvSpPr txBox="1">
-            <a:spLocks noGrp="1"/>
-          </p:cNvSpPr>
-          <p:nvPr>
-            <p:ph type="sldNum" idx="5"/>
-          </p:nvPr>
-        </p:nvSpPr>
-        <p:spPr>
-          <a:xfrm>
-            <a:off x="3884930" y="8685530"/>
-            <a:ext cx="2972435" cy="459105"/>
-          </a:xfrm>
-          <a:prstGeom prst="rect">
-            <a:avLst/>
-          </a:prstGeom>
-        </p:spPr>
-        <p:txBody>
-          <a:bodyPr vert="horz" wrap="square" lIns="91440" tIns="45720" rIns="91440" bIns="45720" numCol="1" anchor="b">
-            <a:noAutofit/>
-          </a:bodyPr>
-          <a:lstStyle/>
-          <a:p>
-            <a:fld id="{B9320F77-B9A0-41C5-862A-B4B631284C64}" type="slidenum">
-              <a:rPr lang="en-US" altLang="ko-KR" dirty="0" smtClean="0">
-                <a:solidFill>
-                  <a:prstClr val="black"/>
-                </a:solidFill>
-              </a:rPr>
-              <a:pPr/>
+            <p:ph type="sldNum" sz="quarter" idx="5"/>
+          </p:nvPr>
+        </p:nvSpPr>
+        <p:spPr/>
+        <p:txBody>
+          <a:bodyPr/>
+          <a:lstStyle/>
+          <a:p>
+            <a:fld id="{D898AB71-339F-426E-BE4F-BA0247DB15F5}" type="slidenum">
+              <a:rPr lang="ko-KR" altLang="en-US" smtClean="0"/>
               <a:t>24</a:t>
             </a:fld>
-            <a:endParaRPr lang="en-US" altLang="ko-KR" dirty="0" smtClean="0">
-              <a:solidFill>
-                <a:prstClr val="black"/>
-              </a:solidFill>
-            </a:endParaRPr>
+            <a:endParaRPr lang="ko-KR" altLang="en-US"/>
           </a:p>
         </p:txBody>
       </p:sp>
     </p:spTree>
     <p:extLst>
       <p:ext uri="{BB962C8B-B14F-4D97-AF65-F5344CB8AC3E}">
-        <p14:creationId xmlns:p14="http://schemas.microsoft.com/office/powerpoint/2010/main" val="358285477"/>
+        <p14:creationId xmlns:p14="http://schemas.microsoft.com/office/powerpoint/2010/main" val="227475016"/>
       </p:ext>
     </p:extLst>
   </p:cSld>
@@ -3205,11 +2349,37 @@
           <a:p>
             <a:r>
               <a:rPr lang="ko-KR" altLang="en-US" dirty="0"/>
-              <a:t>저희 프로젝트의 기대 효과에 대해 </a:t>
+              <a:t>지금까지 대략적으로 이런 서비스를 구현하겠다는 그림을 보여드렸습니다</a:t>
+            </a:r>
+            <a:r>
+              <a:rPr lang="en-US" altLang="ko-KR" dirty="0"/>
+              <a:t>.</a:t>
+            </a:r>
+          </a:p>
+          <a:p>
+            <a:r>
+              <a:rPr lang="ko-KR" altLang="en-US" dirty="0"/>
+              <a:t>이번 </a:t>
+            </a:r>
+            <a:r>
+              <a:rPr lang="en-US" altLang="ko-KR" dirty="0"/>
+              <a:t>Development </a:t>
+            </a:r>
+            <a:r>
+              <a:rPr lang="ko-KR" altLang="en-US" dirty="0"/>
+              <a:t>섹션에서는 이 서비스를 구현하기 위해 어떠한 프레임워크 및 </a:t>
+            </a:r>
+            <a:r>
+              <a:rPr lang="en-US" altLang="ko-KR" dirty="0"/>
+              <a:t>API</a:t>
+            </a:r>
+            <a:r>
+              <a:rPr lang="ko-KR" altLang="en-US" dirty="0"/>
+              <a:t>를 사용할 것인지를 간략하게 </a:t>
             </a:r>
             <a:r>
               <a:rPr lang="ko-KR" altLang="en-US" dirty="0" err="1"/>
-              <a:t>말씀드리겠습니다</a:t>
+              <a:t>설명드리겠습니다</a:t>
             </a:r>
             <a:r>
               <a:rPr lang="en-US" altLang="ko-KR" dirty="0"/>
@@ -3226,7 +2396,7 @@
             <a:spLocks noGrp="1"/>
           </p:cNvSpPr>
           <p:nvPr>
-            <p:ph type="sldNum" sz="quarter" idx="10"/>
+            <p:ph type="sldNum" sz="quarter" idx="5"/>
           </p:nvPr>
         </p:nvSpPr>
         <p:spPr/>
@@ -3235,17 +2405,26 @@
           <a:lstStyle/>
           <a:p>
             <a:fld id="{D898AB71-339F-426E-BE4F-BA0247DB15F5}" type="slidenum">
-              <a:rPr lang="ko-KR" altLang="en-US" smtClean="0"/>
+              <a:rPr lang="ko-KR" altLang="en-US" smtClean="0">
+                <a:solidFill>
+                  <a:prstClr val="black"/>
+                </a:solidFill>
+              </a:rPr>
+              <a:pPr/>
               <a:t>25</a:t>
             </a:fld>
-            <a:endParaRPr lang="ko-KR" altLang="en-US"/>
+            <a:endParaRPr lang="ko-KR" altLang="en-US">
+              <a:solidFill>
+                <a:prstClr val="black"/>
+              </a:solidFill>
+            </a:endParaRPr>
           </a:p>
         </p:txBody>
       </p:sp>
     </p:spTree>
     <p:extLst>
       <p:ext uri="{BB962C8B-B14F-4D97-AF65-F5344CB8AC3E}">
-        <p14:creationId xmlns:p14="http://schemas.microsoft.com/office/powerpoint/2010/main" val="1352523260"/>
+        <p14:creationId xmlns:p14="http://schemas.microsoft.com/office/powerpoint/2010/main" val="1907757849"/>
       </p:ext>
     </p:extLst>
   </p:cSld>
@@ -3301,63 +2480,24 @@
           <a:p>
             <a:r>
               <a:rPr lang="ko-KR" altLang="en-US" dirty="0"/>
-              <a:t>저희 프로젝트를 통해 고객은 한 눈에 여러 상품을 파악할 수 있고</a:t>
+              <a:t>소비자가 직접 마주하게 되는 웹 </a:t>
+            </a:r>
+            <a:r>
+              <a:rPr lang="ko-KR" altLang="en-US" dirty="0" err="1"/>
+              <a:t>프론트엔드는</a:t>
+            </a:r>
+            <a:r>
+              <a:rPr lang="ko-KR" altLang="en-US" dirty="0"/>
+              <a:t> </a:t>
             </a:r>
             <a:r>
               <a:rPr lang="en-US" altLang="ko-KR" dirty="0"/>
-              <a:t>, </a:t>
+              <a:t>Vue.js</a:t>
             </a:r>
             <a:r>
               <a:rPr lang="ko-KR" altLang="en-US" dirty="0"/>
-              <a:t>사용자 기반 제품 </a:t>
-            </a:r>
-            <a:r>
-              <a:rPr lang="en-US" altLang="ko-KR" dirty="0"/>
-              <a:t>keyword</a:t>
-            </a:r>
-            <a:r>
-              <a:rPr lang="ko-KR" altLang="en-US" dirty="0"/>
-              <a:t>를 통해 원하는 제품을 더 빠르게 찾을 수 있습니다</a:t>
-            </a:r>
-            <a:r>
-              <a:rPr lang="en-US" altLang="ko-KR" dirty="0"/>
-              <a:t>. </a:t>
-            </a:r>
-            <a:r>
-              <a:rPr lang="ko-KR" altLang="en-US" dirty="0"/>
-              <a:t>또한 </a:t>
-            </a:r>
-            <a:r>
-              <a:rPr lang="en-US" altLang="ko-KR" dirty="0"/>
-              <a:t>review </a:t>
-            </a:r>
-            <a:r>
-              <a:rPr lang="ko-KR" altLang="en-US" dirty="0"/>
-              <a:t>감정 분석을 통해 어떤 </a:t>
-            </a:r>
-            <a:r>
-              <a:rPr lang="en-US" altLang="ko-KR" dirty="0"/>
-              <a:t>review</a:t>
-            </a:r>
-            <a:r>
-              <a:rPr lang="ko-KR" altLang="en-US" dirty="0"/>
-              <a:t>를 봐야 하는지 더 쉽게 알 수 있습니다</a:t>
-            </a:r>
-            <a:r>
-              <a:rPr lang="en-US" altLang="ko-KR" dirty="0"/>
-              <a:t>.</a:t>
-            </a:r>
-          </a:p>
-          <a:p>
-            <a:r>
-              <a:rPr lang="ko-KR" altLang="en-US" dirty="0"/>
-              <a:t>이는 쇼핑 시간이 줄어드는 효과를 가져오게 됩니다</a:t>
-            </a:r>
-            <a:r>
-              <a:rPr lang="en-US" altLang="ko-KR" dirty="0"/>
-              <a:t>.</a:t>
-            </a:r>
-            <a:endParaRPr lang="ko-KR" altLang="en-US" dirty="0"/>
+              <a:t>를 사용하여 구현할 계획이며</a:t>
+            </a:r>
           </a:p>
         </p:txBody>
       </p:sp>
@@ -3368,7 +2508,7 @@
             <a:spLocks noGrp="1"/>
           </p:cNvSpPr>
           <p:nvPr>
-            <p:ph type="sldNum" sz="quarter" idx="10"/>
+            <p:ph type="sldNum" sz="quarter" idx="5"/>
           </p:nvPr>
         </p:nvSpPr>
         <p:spPr/>
@@ -3377,17 +2517,26 @@
           <a:lstStyle/>
           <a:p>
             <a:fld id="{D898AB71-339F-426E-BE4F-BA0247DB15F5}" type="slidenum">
-              <a:rPr lang="ko-KR" altLang="en-US" smtClean="0"/>
+              <a:rPr lang="ko-KR" altLang="en-US" smtClean="0">
+                <a:solidFill>
+                  <a:prstClr val="black"/>
+                </a:solidFill>
+              </a:rPr>
+              <a:pPr/>
               <a:t>26</a:t>
             </a:fld>
-            <a:endParaRPr lang="ko-KR" altLang="en-US"/>
+            <a:endParaRPr lang="ko-KR" altLang="en-US">
+              <a:solidFill>
+                <a:prstClr val="black"/>
+              </a:solidFill>
+            </a:endParaRPr>
           </a:p>
         </p:txBody>
       </p:sp>
     </p:spTree>
     <p:extLst>
       <p:ext uri="{BB962C8B-B14F-4D97-AF65-F5344CB8AC3E}">
-        <p14:creationId xmlns:p14="http://schemas.microsoft.com/office/powerpoint/2010/main" val="1314285583"/>
+        <p14:creationId xmlns:p14="http://schemas.microsoft.com/office/powerpoint/2010/main" val="2073122656"/>
       </p:ext>
     </p:extLst>
   </p:cSld>
@@ -3424,7 +2573,12 @@
             <p:ph type="sldImg"/>
           </p:nvPr>
         </p:nvSpPr>
-        <p:spPr/>
+        <p:spPr>
+          <a:xfrm>
+            <a:off x="685800" y="1143000"/>
+            <a:ext cx="5486400" cy="3086100"/>
+          </a:xfrm>
+        </p:spPr>
       </p:sp>
       <p:sp>
         <p:nvSpPr>
@@ -3436,52 +2590,48 @@
             <p:ph type="body" idx="1"/>
           </p:nvPr>
         </p:nvSpPr>
-        <p:spPr/>
-        <p:txBody>
-          <a:bodyPr/>
-          <a:lstStyle/>
-          <a:p>
-            <a:r>
-              <a:rPr lang="ko-KR" altLang="en-US" dirty="0"/>
-              <a:t>또한 </a:t>
-            </a:r>
-            <a:r>
-              <a:rPr lang="en-US" altLang="ko-KR" dirty="0"/>
-              <a:t>review</a:t>
-            </a:r>
-            <a:r>
-              <a:rPr lang="ko-KR" altLang="en-US" dirty="0"/>
-              <a:t>를 모아서 한 번에 보는 방식으로 인해 앞선 </a:t>
-            </a:r>
-            <a:r>
-              <a:rPr lang="ko-KR" altLang="en-US"/>
-              <a:t>배경에서 말씀 드린 </a:t>
-            </a:r>
-            <a:r>
-              <a:rPr lang="ko-KR" altLang="en-US" dirty="0"/>
-              <a:t>리뷰를 보기 위해 여러 상품을 번거롭게 살펴봐야 하는 것을 한 눈에 살펴볼 수 있기 때문에</a:t>
-            </a:r>
-            <a:r>
-              <a:rPr lang="en-US" altLang="ko-KR" dirty="0"/>
-              <a:t>, </a:t>
-            </a:r>
-            <a:r>
-              <a:rPr lang="ko-KR" altLang="en-US" dirty="0"/>
-              <a:t>이에 매력을 느낀 많은 고객을 유치할 수 있을 것이고</a:t>
-            </a:r>
-            <a:r>
-              <a:rPr lang="en-US" altLang="ko-KR" dirty="0"/>
-              <a:t>, </a:t>
-            </a:r>
-            <a:r>
-              <a:rPr lang="ko-KR" altLang="en-US" dirty="0"/>
-              <a:t>이로 인해 수익이 증대할 것이라고 기대합니다</a:t>
-            </a:r>
-            <a:r>
-              <a:rPr lang="en-US" altLang="ko-KR" dirty="0"/>
-              <a:t>.</a:t>
-            </a:r>
-            <a:endParaRPr lang="ko-KR" altLang="en-US" dirty="0"/>
+        <p:spPr>
+          <a:xfrm>
+            <a:off x="685800" y="4400550"/>
+            <a:ext cx="5487035" cy="3601085"/>
+          </a:xfrm>
+        </p:spPr>
+        <p:txBody>
+          <a:bodyPr vert="horz" wrap="square" lIns="91440" tIns="45720" rIns="91440" bIns="45720" numCol="1" anchor="t">
+            <a:noAutofit/>
+          </a:bodyPr>
+          <a:lstStyle/>
+          <a:p>
+            <a:pPr marL="0" indent="0" algn="just" defTabSz="508000" fontAlgn="auto">
+              <a:lnSpc>
+                <a:spcPct val="100000"/>
+              </a:lnSpc>
+              <a:spcBef>
+                <a:spcPts val="0"/>
+              </a:spcBef>
+              <a:spcAft>
+                <a:spcPts val="0"/>
+              </a:spcAft>
+              <a:buFontTx/>
+              <a:buNone/>
+            </a:pPr>
+            <a:r>
+              <a:rPr lang="en-US" altLang="ko-KR" sz="1200" b="0" strike="noStrike" cap="none" dirty="0" smtClean="0">
+                <a:solidFill>
+                  <a:schemeClr val="tx1"/>
+                </a:solidFill>
+                <a:latin typeface="맑은 고딕" charset="0"/>
+                <a:ea typeface="맑은 고딕" charset="0"/>
+              </a:rPr>
+              <a:t>서버 백엔드는 node.js상에서 동작하는 Express로 만들 계획입니다. 프로젝트의 중심이 되는 데이터베이스는 Firebase를 통해 만들 계획입니다.</a:t>
+            </a:r>
+            <a:endParaRPr lang="ko-KR" altLang="en-US" sz="1200" b="0" strike="noStrike" cap="none" dirty="0" smtClean="0">
+              <a:solidFill>
+                <a:schemeClr val="tx1"/>
+              </a:solidFill>
+              <a:latin typeface="맑은 고딕" charset="0"/>
+              <a:ea typeface="맑은 고딕" charset="0"/>
+            </a:endParaRPr>
           </a:p>
         </p:txBody>
       </p:sp>
@@ -3492,26 +2642,732 @@
             <a:spLocks noGrp="1"/>
           </p:cNvSpPr>
           <p:nvPr>
-            <p:ph type="sldNum" sz="quarter" idx="10"/>
-          </p:nvPr>
-        </p:nvSpPr>
-        <p:spPr/>
+            <p:ph type="sldNum" sz="quarter" idx="5"/>
+          </p:nvPr>
+        </p:nvSpPr>
+        <p:spPr>
+          <a:xfrm>
+            <a:off x="3884930" y="8685530"/>
+            <a:ext cx="2972435" cy="459105"/>
+          </a:xfrm>
+        </p:spPr>
         <p:txBody>
           <a:bodyPr/>
           <a:lstStyle/>
           <a:p>
             <a:fld id="{D898AB71-339F-426E-BE4F-BA0247DB15F5}" type="slidenum">
-              <a:rPr lang="ko-KR" altLang="en-US" smtClean="0"/>
+              <a:rPr lang="ko-KR" altLang="en-US" smtClean="0">
+                <a:solidFill>
+                  <a:prstClr val="black"/>
+                </a:solidFill>
+              </a:rPr>
+              <a:pPr/>
               <a:t>27</a:t>
             </a:fld>
-            <a:endParaRPr lang="ko-KR" altLang="en-US"/>
+            <a:endParaRPr lang="ko-KR" altLang="en-US">
+              <a:solidFill>
+                <a:prstClr val="black"/>
+              </a:solidFill>
+            </a:endParaRPr>
           </a:p>
         </p:txBody>
       </p:sp>
     </p:spTree>
     <p:extLst>
       <p:ext uri="{BB962C8B-B14F-4D97-AF65-F5344CB8AC3E}">
-        <p14:creationId xmlns:p14="http://schemas.microsoft.com/office/powerpoint/2010/main" val="3100420209"/>
+        <p14:creationId xmlns:p14="http://schemas.microsoft.com/office/powerpoint/2010/main" val="1044123102"/>
+      </p:ext>
+    </p:extLst>
+  </p:cSld>
+  <p:clrMapOvr>
+    <a:masterClrMapping/>
+  </p:clrMapOvr>
+</p:notes>
+</file>
+
+<file path=ppt/notesSlides/notesSlide28.xml><?xml version="1.0" encoding="utf-8"?>
+<p:notes xmlns:a="http://schemas.openxmlformats.org/drawingml/2006/main" xmlns:r="http://schemas.openxmlformats.org/officeDocument/2006/relationships" xmlns:p="http://schemas.openxmlformats.org/presentationml/2006/main">
+  <p:cSld>
+    <p:spTree>
+      <p:nvGrpSpPr>
+        <p:cNvPr id="1" name=""/>
+        <p:cNvGrpSpPr/>
+        <p:nvPr/>
+      </p:nvGrpSpPr>
+      <p:grpSpPr>
+        <a:xfrm>
+          <a:off x="0" y="0"/>
+          <a:ext cx="0" cy="0"/>
+          <a:chOff x="0" y="0"/>
+          <a:chExt cx="0" cy="0"/>
+        </a:xfrm>
+      </p:grpSpPr>
+      <p:sp>
+        <p:nvSpPr>
+          <p:cNvPr id="2" name="슬라이드 이미지 개체 틀 1"/>
+          <p:cNvSpPr>
+            <a:spLocks noGrp="1" noRot="1" noChangeAspect="1"/>
+          </p:cNvSpPr>
+          <p:nvPr>
+            <p:ph type="sldImg"/>
+          </p:nvPr>
+        </p:nvSpPr>
+        <p:spPr>
+          <a:xfrm>
+            <a:off x="685800" y="1143000"/>
+            <a:ext cx="5486400" cy="3086100"/>
+          </a:xfrm>
+        </p:spPr>
+      </p:sp>
+      <p:sp>
+        <p:nvSpPr>
+          <p:cNvPr id="3" name="슬라이드 노트 개체 틀 2"/>
+          <p:cNvSpPr>
+            <a:spLocks noGrp="1"/>
+          </p:cNvSpPr>
+          <p:nvPr>
+            <p:ph type="body" idx="1"/>
+          </p:nvPr>
+        </p:nvSpPr>
+        <p:spPr>
+          <a:xfrm>
+            <a:off x="685800" y="4400550"/>
+            <a:ext cx="5487035" cy="3601085"/>
+          </a:xfrm>
+        </p:spPr>
+        <p:txBody>
+          <a:bodyPr vert="horz" wrap="square" lIns="91440" tIns="45720" rIns="91440" bIns="45720" numCol="1" anchor="t">
+            <a:noAutofit/>
+          </a:bodyPr>
+          <a:lstStyle/>
+          <a:p>
+            <a:pPr marL="0" indent="0" algn="just" defTabSz="508000" fontAlgn="auto">
+              <a:lnSpc>
+                <a:spcPct val="100000"/>
+              </a:lnSpc>
+              <a:spcBef>
+                <a:spcPts val="0"/>
+              </a:spcBef>
+              <a:spcAft>
+                <a:spcPts val="0"/>
+              </a:spcAft>
+              <a:buFontTx/>
+              <a:buNone/>
+            </a:pPr>
+            <a:r>
+              <a:rPr lang="en-US" altLang="ko-KR" sz="1200" b="0" strike="noStrike" cap="none" dirty="0" smtClean="0">
+                <a:solidFill>
+                  <a:schemeClr val="tx1"/>
+                </a:solidFill>
+                <a:latin typeface="맑은 고딕" charset="0"/>
+                <a:ea typeface="맑은 고딕" charset="0"/>
+              </a:rPr>
+              <a:t>그리고 keyword 추출 부분은 케라스 또는 구글의 자연어 처리 서비스 API를 이용할 예정입니다.</a:t>
+            </a:r>
+            <a:endParaRPr lang="ko-KR" altLang="en-US" sz="1200" b="0" strike="noStrike" cap="none" dirty="0" smtClean="0">
+              <a:solidFill>
+                <a:schemeClr val="tx1"/>
+              </a:solidFill>
+              <a:latin typeface="맑은 고딕" charset="0"/>
+              <a:ea typeface="맑은 고딕" charset="0"/>
+            </a:endParaRPr>
+          </a:p>
+          <a:p>
+            <a:pPr marL="0" indent="0" algn="just" defTabSz="508000" fontAlgn="auto">
+              <a:lnSpc>
+                <a:spcPct val="100000"/>
+              </a:lnSpc>
+              <a:spcBef>
+                <a:spcPts val="0"/>
+              </a:spcBef>
+              <a:spcAft>
+                <a:spcPts val="0"/>
+              </a:spcAft>
+              <a:buFontTx/>
+              <a:buNone/>
+            </a:pPr>
+            <a:endParaRPr lang="ko-KR" altLang="en-US" sz="1200" b="0" strike="noStrike" cap="none" dirty="0" smtClean="0">
+              <a:solidFill>
+                <a:schemeClr val="tx1"/>
+              </a:solidFill>
+              <a:latin typeface="맑은 고딕" charset="0"/>
+              <a:ea typeface="맑은 고딕" charset="0"/>
+            </a:endParaRPr>
+          </a:p>
+        </p:txBody>
+      </p:sp>
+      <p:sp>
+        <p:nvSpPr>
+          <p:cNvPr id="4" name="슬라이드 번호 개체 틀 3"/>
+          <p:cNvSpPr>
+            <a:spLocks noGrp="1"/>
+          </p:cNvSpPr>
+          <p:nvPr>
+            <p:ph type="sldNum" sz="quarter" idx="5"/>
+          </p:nvPr>
+        </p:nvSpPr>
+        <p:spPr>
+          <a:xfrm>
+            <a:off x="3884930" y="8685530"/>
+            <a:ext cx="2972435" cy="459105"/>
+          </a:xfrm>
+        </p:spPr>
+        <p:txBody>
+          <a:bodyPr/>
+          <a:lstStyle/>
+          <a:p>
+            <a:fld id="{D898AB71-339F-426E-BE4F-BA0247DB15F5}" type="slidenum">
+              <a:rPr lang="ko-KR" altLang="en-US" smtClean="0">
+                <a:solidFill>
+                  <a:prstClr val="black"/>
+                </a:solidFill>
+              </a:rPr>
+              <a:pPr/>
+              <a:t>28</a:t>
+            </a:fld>
+            <a:endParaRPr lang="ko-KR" altLang="en-US">
+              <a:solidFill>
+                <a:prstClr val="black"/>
+              </a:solidFill>
+            </a:endParaRPr>
+          </a:p>
+        </p:txBody>
+      </p:sp>
+    </p:spTree>
+    <p:extLst>
+      <p:ext uri="{BB962C8B-B14F-4D97-AF65-F5344CB8AC3E}">
+        <p14:creationId xmlns:p14="http://schemas.microsoft.com/office/powerpoint/2010/main" val="2435337971"/>
+      </p:ext>
+    </p:extLst>
+  </p:cSld>
+  <p:clrMapOvr>
+    <a:masterClrMapping/>
+  </p:clrMapOvr>
+</p:notes>
+</file>
+
+<file path=ppt/notesSlides/notesSlide29.xml><?xml version="1.0" encoding="utf-8"?>
+<p:notes xmlns:a="http://schemas.openxmlformats.org/drawingml/2006/main" xmlns:r="http://schemas.openxmlformats.org/officeDocument/2006/relationships" xmlns:p="http://schemas.openxmlformats.org/presentationml/2006/main">
+  <p:cSld>
+    <p:spTree>
+      <p:nvGrpSpPr>
+        <p:cNvPr id="1" name=""/>
+        <p:cNvGrpSpPr/>
+        <p:nvPr/>
+      </p:nvGrpSpPr>
+      <p:grpSpPr>
+        <a:xfrm>
+          <a:off x="0" y="0"/>
+          <a:ext cx="0" cy="0"/>
+          <a:chOff x="0" y="0"/>
+          <a:chExt cx="0" cy="0"/>
+        </a:xfrm>
+      </p:grpSpPr>
+      <p:sp>
+        <p:nvSpPr>
+          <p:cNvPr id="2" name="머리글 갤체 틀 1"/>
+          <p:cNvSpPr txBox="1">
+            <a:spLocks noGrp="1"/>
+          </p:cNvSpPr>
+          <p:nvPr>
+            <p:ph type="hdr"/>
+          </p:nvPr>
+        </p:nvSpPr>
+        <p:spPr>
+          <a:xfrm>
+            <a:off x="0" y="0"/>
+            <a:ext cx="2972435" cy="459740"/>
+          </a:xfrm>
+          <a:prstGeom prst="rect">
+            <a:avLst/>
+          </a:prstGeom>
+        </p:spPr>
+        <p:txBody>
+          <a:bodyPr vert="horz" wrap="square" lIns="91440" tIns="45720" rIns="91440" bIns="45720" numCol="1" anchor="t">
+            <a:noAutofit/>
+          </a:bodyPr>
+          <a:lstStyle/>
+          <a:p>
+            <a:endParaRPr>
+              <a:solidFill>
+                <a:prstClr val="black"/>
+              </a:solidFill>
+            </a:endParaRPr>
+          </a:p>
+        </p:txBody>
+      </p:sp>
+      <p:sp>
+        <p:nvSpPr>
+          <p:cNvPr id="3" name="날짜 개체 틀 2"/>
+          <p:cNvSpPr txBox="1">
+            <a:spLocks noGrp="1"/>
+          </p:cNvSpPr>
+          <p:nvPr>
+            <p:ph type="dt" idx="1"/>
+          </p:nvPr>
+        </p:nvSpPr>
+        <p:spPr>
+          <a:xfrm>
+            <a:off x="3884930" y="0"/>
+            <a:ext cx="2972435" cy="459740"/>
+          </a:xfrm>
+          <a:prstGeom prst="rect">
+            <a:avLst/>
+          </a:prstGeom>
+        </p:spPr>
+        <p:txBody>
+          <a:bodyPr vert="horz" wrap="square" lIns="91440" tIns="45720" rIns="91440" bIns="45720" numCol="1" anchor="t">
+            <a:noAutofit/>
+          </a:bodyPr>
+          <a:lstStyle/>
+          <a:p>
+            <a:fld id="{B9320F77-B9A0-41C5-862A-B4B631284C64}" type="datetime1">
+              <a:rPr lang="ko-KR" altLang="en-US" dirty="0" smtClean="0">
+                <a:solidFill>
+                  <a:prstClr val="black"/>
+                </a:solidFill>
+              </a:rPr>
+              <a:pPr/>
+              <a:t>2019-10-19</a:t>
+            </a:fld>
+            <a:endParaRPr lang="ko-KR" altLang="en-US" dirty="0" smtClean="0">
+              <a:solidFill>
+                <a:prstClr val="black"/>
+              </a:solidFill>
+            </a:endParaRPr>
+          </a:p>
+        </p:txBody>
+      </p:sp>
+      <p:sp>
+        <p:nvSpPr>
+          <p:cNvPr id="4" name="온라인 이미지 개체 틀 3"/>
+          <p:cNvSpPr>
+            <a:spLocks noGrp="1" noRot="1" noChangeAspect="1"/>
+          </p:cNvSpPr>
+          <p:nvPr>
+            <p:ph type="sldImg" idx="2"/>
+          </p:nvPr>
+        </p:nvSpPr>
+        <p:spPr>
+          <a:xfrm>
+            <a:off x="685800" y="1143000"/>
+            <a:ext cx="5486400" cy="3086100"/>
+          </a:xfrm>
+          <a:prstGeom prst="rect">
+            <a:avLst/>
+          </a:prstGeom>
+          <a:noFill/>
+          <a:ln w="12700" cap="flat" cmpd="sng">
+            <a:solidFill>
+              <a:srgbClr val="000000">
+                <a:alpha val="100000"/>
+              </a:srgbClr>
+            </a:solidFill>
+            <a:prstDash val="solid"/>
+          </a:ln>
+        </p:spPr>
+        <p:txBody>
+          <a:bodyPr vert="horz" wrap="square" lIns="91440" tIns="45720" rIns="91440" bIns="45720" numCol="1" anchor="ctr">
+            <a:noAutofit/>
+          </a:bodyPr>
+          <a:lstStyle/>
+          <a:p>
+            <a:pPr marL="0" indent="0" algn="l" defTabSz="914400" fontAlgn="auto">
+              <a:lnSpc>
+                <a:spcPct val="100000"/>
+              </a:lnSpc>
+              <a:spcBef>
+                <a:spcPts val="0"/>
+              </a:spcBef>
+              <a:spcAft>
+                <a:spcPts val="0"/>
+              </a:spcAft>
+              <a:buFontTx/>
+              <a:buNone/>
+            </a:pPr>
+            <a:endParaRPr lang="ko-KR" altLang="en-US" sz="1800" b="0" strike="noStrike" cap="none" dirty="0" smtClean="0">
+              <a:solidFill>
+                <a:schemeClr val="tx1"/>
+              </a:solidFill>
+              <a:latin typeface="맑은 고딕" charset="0"/>
+              <a:ea typeface="맑은 고딕" charset="0"/>
+            </a:endParaRPr>
+          </a:p>
+        </p:txBody>
+      </p:sp>
+      <p:sp>
+        <p:nvSpPr>
+          <p:cNvPr id="5" name="텍스트 개체 틀 4"/>
+          <p:cNvSpPr txBox="1">
+            <a:spLocks noGrp="1"/>
+          </p:cNvSpPr>
+          <p:nvPr>
+            <p:ph type="body" idx="3"/>
+          </p:nvPr>
+        </p:nvSpPr>
+        <p:spPr>
+          <a:xfrm>
+            <a:off x="685800" y="4400550"/>
+            <a:ext cx="5487035" cy="3601085"/>
+          </a:xfrm>
+          <a:prstGeom prst="rect">
+            <a:avLst/>
+          </a:prstGeom>
+        </p:spPr>
+        <p:txBody>
+          <a:bodyPr vert="horz" wrap="square" lIns="91440" tIns="45720" rIns="91440" bIns="45720" numCol="1" anchor="t">
+            <a:noAutofit/>
+          </a:bodyPr>
+          <a:lstStyle/>
+          <a:p>
+            <a:pPr marL="0" indent="0" algn="just" defTabSz="508000" fontAlgn="auto">
+              <a:lnSpc>
+                <a:spcPct val="100000"/>
+              </a:lnSpc>
+              <a:spcBef>
+                <a:spcPts val="0"/>
+              </a:spcBef>
+              <a:spcAft>
+                <a:spcPts val="0"/>
+              </a:spcAft>
+              <a:buFontTx/>
+              <a:buNone/>
+            </a:pPr>
+            <a:r>
+              <a:rPr lang="en-US" altLang="ko-KR" sz="1200" b="0" strike="noStrike" cap="none" dirty="0" smtClean="0">
+                <a:solidFill>
+                  <a:schemeClr val="tx1"/>
+                </a:solidFill>
+                <a:latin typeface="맑은 고딕" charset="0"/>
+                <a:ea typeface="맑은 고딕" charset="0"/>
+              </a:rPr>
+              <a:t>개발에 주의를 기울여야 할 부분이 있습니다.</a:t>
+            </a:r>
+            <a:endParaRPr lang="ko-KR" altLang="en-US" sz="1200" b="0" strike="noStrike" cap="none" dirty="0" smtClean="0">
+              <a:solidFill>
+                <a:schemeClr val="tx1"/>
+              </a:solidFill>
+              <a:latin typeface="맑은 고딕" charset="0"/>
+              <a:ea typeface="맑은 고딕" charset="0"/>
+            </a:endParaRPr>
+          </a:p>
+          <a:p>
+            <a:pPr marL="0" indent="0" algn="just" defTabSz="508000" fontAlgn="auto">
+              <a:lnSpc>
+                <a:spcPct val="100000"/>
+              </a:lnSpc>
+              <a:spcBef>
+                <a:spcPts val="0"/>
+              </a:spcBef>
+              <a:spcAft>
+                <a:spcPts val="0"/>
+              </a:spcAft>
+              <a:buFontTx/>
+              <a:buNone/>
+            </a:pPr>
+            <a:r>
+              <a:rPr lang="en-US" altLang="ko-KR" sz="1200" b="0" strike="noStrike" cap="none" dirty="0" smtClean="0">
+                <a:solidFill>
+                  <a:schemeClr val="tx1"/>
+                </a:solidFill>
+                <a:latin typeface="맑은 고딕" charset="0"/>
+                <a:ea typeface="맑은 고딕" charset="0"/>
+              </a:rPr>
+              <a:t>첫번째로. </a:t>
+            </a:r>
+            <a:r>
+              <a:rPr lang="en-US" altLang="ko-KR" sz="1200" b="0" strike="noStrike" cap="none" dirty="0" err="1" smtClean="0">
+                <a:solidFill>
+                  <a:schemeClr val="tx1"/>
+                </a:solidFill>
+                <a:latin typeface="맑은 고딕" charset="0"/>
+                <a:ea typeface="맑은 고딕" charset="0"/>
+              </a:rPr>
+              <a:t>여러가지</a:t>
+            </a:r>
+            <a:r>
+              <a:rPr lang="en-US" altLang="ko-KR" sz="1200" b="0" strike="noStrike" cap="none" dirty="0" smtClean="0">
+                <a:solidFill>
+                  <a:schemeClr val="tx1"/>
+                </a:solidFill>
+                <a:latin typeface="맑은 고딕" charset="0"/>
+                <a:ea typeface="맑은 고딕" charset="0"/>
+              </a:rPr>
+              <a:t> </a:t>
+            </a:r>
+            <a:r>
+              <a:rPr lang="en-US" altLang="ko-KR" sz="1200" b="0" strike="noStrike" cap="none" dirty="0" err="1" smtClean="0">
+                <a:solidFill>
+                  <a:schemeClr val="tx1"/>
+                </a:solidFill>
+                <a:latin typeface="맑은 고딕" charset="0"/>
+                <a:ea typeface="맑은 고딕" charset="0"/>
+              </a:rPr>
+              <a:t>Framework들</a:t>
+            </a:r>
+            <a:r>
+              <a:rPr lang="ko-KR" altLang="en-US" sz="1200" b="0" strike="noStrike" cap="none" dirty="0" smtClean="0">
+                <a:solidFill>
+                  <a:schemeClr val="tx1"/>
+                </a:solidFill>
+                <a:latin typeface="맑은 고딕" charset="0"/>
+                <a:ea typeface="맑은 고딕" charset="0"/>
+              </a:rPr>
+              <a:t>이</a:t>
+            </a:r>
+            <a:r>
+              <a:rPr lang="en-US" altLang="ko-KR" sz="1200" b="0" strike="noStrike" cap="none" baseline="0" dirty="0" smtClean="0">
+                <a:solidFill>
+                  <a:schemeClr val="tx1"/>
+                </a:solidFill>
+                <a:latin typeface="맑은 고딕" charset="0"/>
+                <a:ea typeface="맑은 고딕" charset="0"/>
+              </a:rPr>
+              <a:t> </a:t>
+            </a:r>
+            <a:r>
+              <a:rPr lang="en-US" altLang="ko-KR" sz="1200" b="0" strike="noStrike" cap="none" dirty="0" err="1" smtClean="0">
+                <a:solidFill>
+                  <a:schemeClr val="tx1"/>
+                </a:solidFill>
+                <a:latin typeface="맑은 고딕" charset="0"/>
+                <a:ea typeface="맑은 고딕" charset="0"/>
+              </a:rPr>
+              <a:t>유기적으로</a:t>
+            </a:r>
+            <a:r>
+              <a:rPr lang="en-US" altLang="ko-KR" sz="1200" b="0" strike="noStrike" cap="none" dirty="0" smtClean="0">
+                <a:solidFill>
+                  <a:schemeClr val="tx1"/>
+                </a:solidFill>
+                <a:latin typeface="맑은 고딕" charset="0"/>
+                <a:ea typeface="맑은 고딕" charset="0"/>
+              </a:rPr>
+              <a:t> </a:t>
+            </a:r>
+            <a:r>
+              <a:rPr lang="en-US" altLang="ko-KR" sz="1200" b="0" strike="noStrike" cap="none" err="1" smtClean="0">
+                <a:solidFill>
+                  <a:schemeClr val="tx1"/>
+                </a:solidFill>
+                <a:latin typeface="맑은 고딕" charset="0"/>
+                <a:ea typeface="맑은 고딕" charset="0"/>
+              </a:rPr>
+              <a:t>작동하도록</a:t>
+            </a:r>
+            <a:r>
+              <a:rPr lang="en-US" altLang="ko-KR" sz="1200" b="0" strike="noStrike" cap="none" smtClean="0">
+                <a:solidFill>
+                  <a:schemeClr val="tx1"/>
+                </a:solidFill>
+                <a:latin typeface="맑은 고딕" charset="0"/>
+                <a:ea typeface="맑은 고딕" charset="0"/>
+              </a:rPr>
+              <a:t> API</a:t>
+            </a:r>
+            <a:r>
+              <a:rPr lang="ko-KR" altLang="en-US" sz="1200" b="0" strike="noStrike" cap="none" smtClean="0">
+                <a:solidFill>
+                  <a:schemeClr val="tx1"/>
+                </a:solidFill>
+                <a:latin typeface="맑은 고딕" charset="0"/>
+                <a:ea typeface="맑은 고딕" charset="0"/>
+              </a:rPr>
+              <a:t>에 </a:t>
+            </a:r>
+            <a:r>
+              <a:rPr lang="ko-KR" altLang="en-US" sz="1200" b="0" strike="noStrike" cap="none" dirty="0" err="1" smtClean="0">
+                <a:solidFill>
+                  <a:schemeClr val="tx1"/>
+                </a:solidFill>
+                <a:latin typeface="맑은 고딕" charset="0"/>
+                <a:ea typeface="맑은 고딕" charset="0"/>
+              </a:rPr>
+              <a:t>신경써서</a:t>
+            </a:r>
+            <a:r>
+              <a:rPr lang="ko-KR" altLang="en-US" sz="1200" b="0" strike="noStrike" cap="none" dirty="0" smtClean="0">
+                <a:solidFill>
+                  <a:schemeClr val="tx1"/>
+                </a:solidFill>
+                <a:latin typeface="맑은 고딕" charset="0"/>
+                <a:ea typeface="맑은 고딕" charset="0"/>
+              </a:rPr>
+              <a:t> </a:t>
+            </a:r>
+            <a:r>
+              <a:rPr lang="en-US" altLang="ko-KR" sz="1200" b="0" strike="noStrike" cap="none" dirty="0" err="1" smtClean="0">
+                <a:solidFill>
+                  <a:schemeClr val="tx1"/>
+                </a:solidFill>
+                <a:latin typeface="맑은 고딕" charset="0"/>
+                <a:ea typeface="맑은 고딕" charset="0"/>
+              </a:rPr>
+              <a:t>통합하는</a:t>
+            </a:r>
+            <a:r>
+              <a:rPr lang="en-US" altLang="ko-KR" sz="1200" b="0" strike="noStrike" cap="none" dirty="0" smtClean="0">
+                <a:solidFill>
+                  <a:schemeClr val="tx1"/>
+                </a:solidFill>
+                <a:latin typeface="맑은 고딕" charset="0"/>
+                <a:ea typeface="맑은 고딕" charset="0"/>
+              </a:rPr>
+              <a:t> 것</a:t>
+            </a:r>
+            <a:endParaRPr lang="ko-KR" altLang="en-US" sz="1200" b="0" strike="noStrike" cap="none" dirty="0" smtClean="0">
+              <a:solidFill>
+                <a:schemeClr val="tx1"/>
+              </a:solidFill>
+              <a:latin typeface="맑은 고딕" charset="0"/>
+              <a:ea typeface="맑은 고딕" charset="0"/>
+            </a:endParaRPr>
+          </a:p>
+          <a:p>
+            <a:pPr marL="0" indent="0" algn="just" defTabSz="508000" fontAlgn="auto">
+              <a:lnSpc>
+                <a:spcPct val="100000"/>
+              </a:lnSpc>
+              <a:spcBef>
+                <a:spcPts val="0"/>
+              </a:spcBef>
+              <a:spcAft>
+                <a:spcPts val="0"/>
+              </a:spcAft>
+              <a:buFontTx/>
+              <a:buNone/>
+            </a:pPr>
+            <a:r>
+              <a:rPr lang="en-US" altLang="ko-KR" sz="1200" b="0" strike="noStrike" cap="none" dirty="0" smtClean="0">
+                <a:solidFill>
+                  <a:schemeClr val="tx1"/>
+                </a:solidFill>
+                <a:latin typeface="맑은 고딕" charset="0"/>
+                <a:ea typeface="맑은 고딕" charset="0"/>
+              </a:rPr>
+              <a:t>두번째. 리뷰에서 keyword가 잘 추출되도록 하는 것</a:t>
+            </a:r>
+            <a:endParaRPr lang="ko-KR" altLang="en-US" sz="1200" b="0" strike="noStrike" cap="none" dirty="0" smtClean="0">
+              <a:solidFill>
+                <a:schemeClr val="tx1"/>
+              </a:solidFill>
+              <a:latin typeface="맑은 고딕" charset="0"/>
+              <a:ea typeface="맑은 고딕" charset="0"/>
+            </a:endParaRPr>
+          </a:p>
+          <a:p>
+            <a:pPr marL="0" indent="0" algn="just" defTabSz="508000" fontAlgn="auto">
+              <a:lnSpc>
+                <a:spcPct val="100000"/>
+              </a:lnSpc>
+              <a:spcBef>
+                <a:spcPts val="0"/>
+              </a:spcBef>
+              <a:spcAft>
+                <a:spcPts val="0"/>
+              </a:spcAft>
+              <a:buFontTx/>
+              <a:buNone/>
+            </a:pPr>
+            <a:r>
+              <a:rPr lang="en-US" altLang="ko-KR" sz="1200" b="0" strike="noStrike" cap="none" dirty="0" smtClean="0">
+                <a:solidFill>
+                  <a:schemeClr val="tx1"/>
+                </a:solidFill>
+                <a:latin typeface="맑은 고딕" charset="0"/>
+                <a:ea typeface="맑은 고딕" charset="0"/>
+              </a:rPr>
+              <a:t>이 두 가지에 주의해서 개발을 진행할 예정입니다.</a:t>
+            </a:r>
+            <a:endParaRPr lang="ko-KR" altLang="en-US" sz="1200" b="0" strike="noStrike" cap="none" dirty="0" smtClean="0">
+              <a:solidFill>
+                <a:schemeClr val="tx1"/>
+              </a:solidFill>
+              <a:latin typeface="맑은 고딕" charset="0"/>
+              <a:ea typeface="맑은 고딕" charset="0"/>
+            </a:endParaRPr>
+          </a:p>
+        </p:txBody>
+      </p:sp>
+      <p:sp>
+        <p:nvSpPr>
+          <p:cNvPr id="6" name="바닥글 개체 틀 5"/>
+          <p:cNvSpPr txBox="1">
+            <a:spLocks noGrp="1"/>
+          </p:cNvSpPr>
+          <p:nvPr>
+            <p:ph type="ftr" idx="4"/>
+          </p:nvPr>
+        </p:nvSpPr>
+        <p:spPr>
+          <a:xfrm>
+            <a:off x="0" y="8685530"/>
+            <a:ext cx="2972435" cy="459105"/>
+          </a:xfrm>
+          <a:prstGeom prst="rect">
+            <a:avLst/>
+          </a:prstGeom>
+        </p:spPr>
+        <p:txBody>
+          <a:bodyPr vert="horz" wrap="square" lIns="91440" tIns="45720" rIns="91440" bIns="45720" numCol="1" anchor="b">
+            <a:noAutofit/>
+          </a:bodyPr>
+          <a:lstStyle/>
+          <a:p>
+            <a:endParaRPr>
+              <a:solidFill>
+                <a:prstClr val="black"/>
+              </a:solidFill>
+            </a:endParaRPr>
+          </a:p>
+        </p:txBody>
+      </p:sp>
+      <p:sp>
+        <p:nvSpPr>
+          <p:cNvPr id="7" name="슬라이드 번호 개체 틀 6"/>
+          <p:cNvSpPr txBox="1">
+            <a:spLocks noGrp="1"/>
+          </p:cNvSpPr>
+          <p:nvPr>
+            <p:ph type="sldNum" idx="5"/>
+          </p:nvPr>
+        </p:nvSpPr>
+        <p:spPr>
+          <a:xfrm>
+            <a:off x="3884930" y="8685530"/>
+            <a:ext cx="2972435" cy="459105"/>
+          </a:xfrm>
+          <a:prstGeom prst="rect">
+            <a:avLst/>
+          </a:prstGeom>
+        </p:spPr>
+        <p:txBody>
+          <a:bodyPr vert="horz" wrap="square" lIns="91440" tIns="45720" rIns="91440" bIns="45720" numCol="1" anchor="b">
+            <a:noAutofit/>
+          </a:bodyPr>
+          <a:lstStyle/>
+          <a:p>
+            <a:fld id="{B9320F77-B9A0-41C5-862A-B4B631284C64}" type="slidenum">
+              <a:rPr lang="en-US" altLang="ko-KR" dirty="0" smtClean="0">
+                <a:solidFill>
+                  <a:prstClr val="black"/>
+                </a:solidFill>
+              </a:rPr>
+              <a:pPr/>
+              <a:t>29</a:t>
+            </a:fld>
+            <a:endParaRPr lang="en-US" altLang="ko-KR" dirty="0" smtClean="0">
+              <a:solidFill>
+                <a:prstClr val="black"/>
+              </a:solidFill>
+            </a:endParaRPr>
+          </a:p>
+        </p:txBody>
+      </p:sp>
+    </p:spTree>
+    <p:extLst>
+      <p:ext uri="{BB962C8B-B14F-4D97-AF65-F5344CB8AC3E}">
+        <p14:creationId xmlns:p14="http://schemas.microsoft.com/office/powerpoint/2010/main" val="1999410404"/>
       </p:ext>
     </p:extLst>
   </p:cSld>
@@ -3604,6 +3460,663 @@
     <p:extLst>
       <p:ext uri="{BB962C8B-B14F-4D97-AF65-F5344CB8AC3E}">
         <p14:creationId xmlns:p14="http://schemas.microsoft.com/office/powerpoint/2010/main" val="4057616461"/>
+      </p:ext>
+    </p:extLst>
+  </p:cSld>
+  <p:clrMapOvr>
+    <a:masterClrMapping/>
+  </p:clrMapOvr>
+</p:notes>
+</file>
+
+<file path=ppt/notesSlides/notesSlide30.xml><?xml version="1.0" encoding="utf-8"?>
+<p:notes xmlns:a="http://schemas.openxmlformats.org/drawingml/2006/main" xmlns:r="http://schemas.openxmlformats.org/officeDocument/2006/relationships" xmlns:p="http://schemas.openxmlformats.org/presentationml/2006/main">
+  <p:cSld>
+    <p:spTree>
+      <p:nvGrpSpPr>
+        <p:cNvPr id="1" name=""/>
+        <p:cNvGrpSpPr/>
+        <p:nvPr/>
+      </p:nvGrpSpPr>
+      <p:grpSpPr>
+        <a:xfrm>
+          <a:off x="0" y="0"/>
+          <a:ext cx="0" cy="0"/>
+          <a:chOff x="0" y="0"/>
+          <a:chExt cx="0" cy="0"/>
+        </a:xfrm>
+      </p:grpSpPr>
+      <p:sp>
+        <p:nvSpPr>
+          <p:cNvPr id="2" name="머리글 갤체 틀 1"/>
+          <p:cNvSpPr txBox="1">
+            <a:spLocks noGrp="1"/>
+          </p:cNvSpPr>
+          <p:nvPr>
+            <p:ph type="hdr"/>
+          </p:nvPr>
+        </p:nvSpPr>
+        <p:spPr>
+          <a:xfrm>
+            <a:off x="0" y="0"/>
+            <a:ext cx="2972435" cy="459740"/>
+          </a:xfrm>
+          <a:prstGeom prst="rect">
+            <a:avLst/>
+          </a:prstGeom>
+        </p:spPr>
+        <p:txBody>
+          <a:bodyPr vert="horz" wrap="square" lIns="91440" tIns="45720" rIns="91440" bIns="45720" numCol="1" anchor="t">
+            <a:noAutofit/>
+          </a:bodyPr>
+          <a:lstStyle/>
+          <a:p>
+            <a:endParaRPr>
+              <a:solidFill>
+                <a:prstClr val="black"/>
+              </a:solidFill>
+            </a:endParaRPr>
+          </a:p>
+        </p:txBody>
+      </p:sp>
+      <p:sp>
+        <p:nvSpPr>
+          <p:cNvPr id="3" name="날짜 개체 틀 2"/>
+          <p:cNvSpPr txBox="1">
+            <a:spLocks noGrp="1"/>
+          </p:cNvSpPr>
+          <p:nvPr>
+            <p:ph type="dt" idx="1"/>
+          </p:nvPr>
+        </p:nvSpPr>
+        <p:spPr>
+          <a:xfrm>
+            <a:off x="3884930" y="0"/>
+            <a:ext cx="2972435" cy="459740"/>
+          </a:xfrm>
+          <a:prstGeom prst="rect">
+            <a:avLst/>
+          </a:prstGeom>
+        </p:spPr>
+        <p:txBody>
+          <a:bodyPr vert="horz" wrap="square" lIns="91440" tIns="45720" rIns="91440" bIns="45720" numCol="1" anchor="t">
+            <a:noAutofit/>
+          </a:bodyPr>
+          <a:lstStyle/>
+          <a:p>
+            <a:fld id="{B9320F77-B9A0-41C5-862A-B4B631284C64}" type="datetime1">
+              <a:rPr lang="ko-KR" altLang="en-US" dirty="0" smtClean="0">
+                <a:solidFill>
+                  <a:prstClr val="black"/>
+                </a:solidFill>
+              </a:rPr>
+              <a:pPr/>
+              <a:t>2019-10-19</a:t>
+            </a:fld>
+            <a:endParaRPr lang="ko-KR" altLang="en-US" dirty="0" smtClean="0">
+              <a:solidFill>
+                <a:prstClr val="black"/>
+              </a:solidFill>
+            </a:endParaRPr>
+          </a:p>
+        </p:txBody>
+      </p:sp>
+      <p:sp>
+        <p:nvSpPr>
+          <p:cNvPr id="4" name="온라인 이미지 개체 틀 3"/>
+          <p:cNvSpPr>
+            <a:spLocks noGrp="1" noRot="1" noChangeAspect="1"/>
+          </p:cNvSpPr>
+          <p:nvPr>
+            <p:ph type="sldImg" idx="2"/>
+          </p:nvPr>
+        </p:nvSpPr>
+        <p:spPr>
+          <a:xfrm>
+            <a:off x="685800" y="1143000"/>
+            <a:ext cx="5486400" cy="3086100"/>
+          </a:xfrm>
+          <a:prstGeom prst="rect">
+            <a:avLst/>
+          </a:prstGeom>
+          <a:noFill/>
+          <a:ln w="12700" cap="flat" cmpd="sng">
+            <a:solidFill>
+              <a:srgbClr val="000000">
+                <a:alpha val="100000"/>
+              </a:srgbClr>
+            </a:solidFill>
+            <a:prstDash val="solid"/>
+          </a:ln>
+        </p:spPr>
+        <p:txBody>
+          <a:bodyPr vert="horz" wrap="square" lIns="91440" tIns="45720" rIns="91440" bIns="45720" numCol="1" anchor="ctr">
+            <a:noAutofit/>
+          </a:bodyPr>
+          <a:lstStyle/>
+          <a:p>
+            <a:pPr marL="0" indent="0" algn="l" defTabSz="914400" fontAlgn="auto">
+              <a:lnSpc>
+                <a:spcPct val="100000"/>
+              </a:lnSpc>
+              <a:spcBef>
+                <a:spcPts val="0"/>
+              </a:spcBef>
+              <a:spcAft>
+                <a:spcPts val="0"/>
+              </a:spcAft>
+              <a:buFontTx/>
+              <a:buNone/>
+            </a:pPr>
+            <a:endParaRPr lang="ko-KR" altLang="en-US" sz="1800" b="0" strike="noStrike" cap="none" dirty="0" smtClean="0">
+              <a:solidFill>
+                <a:schemeClr val="tx1"/>
+              </a:solidFill>
+              <a:latin typeface="맑은 고딕" charset="0"/>
+              <a:ea typeface="맑은 고딕" charset="0"/>
+            </a:endParaRPr>
+          </a:p>
+        </p:txBody>
+      </p:sp>
+      <p:sp>
+        <p:nvSpPr>
+          <p:cNvPr id="5" name="텍스트 개체 틀 4"/>
+          <p:cNvSpPr txBox="1">
+            <a:spLocks noGrp="1"/>
+          </p:cNvSpPr>
+          <p:nvPr>
+            <p:ph type="body" idx="3"/>
+          </p:nvPr>
+        </p:nvSpPr>
+        <p:spPr>
+          <a:xfrm>
+            <a:off x="685800" y="4400550"/>
+            <a:ext cx="5487035" cy="3601085"/>
+          </a:xfrm>
+          <a:prstGeom prst="rect">
+            <a:avLst/>
+          </a:prstGeom>
+        </p:spPr>
+        <p:txBody>
+          <a:bodyPr vert="horz" wrap="square" lIns="91440" tIns="45720" rIns="91440" bIns="45720" numCol="1" anchor="t">
+            <a:noAutofit/>
+          </a:bodyPr>
+          <a:lstStyle/>
+          <a:p>
+            <a:pPr marL="0" indent="0" algn="just" defTabSz="508000" fontAlgn="auto">
+              <a:lnSpc>
+                <a:spcPct val="100000"/>
+              </a:lnSpc>
+              <a:spcBef>
+                <a:spcPts val="0"/>
+              </a:spcBef>
+              <a:spcAft>
+                <a:spcPts val="0"/>
+              </a:spcAft>
+              <a:buFontTx/>
+              <a:buNone/>
+            </a:pPr>
+            <a:r>
+              <a:rPr lang="en-US" altLang="ko-KR" sz="1200" b="0" strike="noStrike" cap="none" dirty="0" smtClean="0">
+                <a:solidFill>
+                  <a:schemeClr val="tx1"/>
+                </a:solidFill>
+                <a:latin typeface="맑은 고딕" charset="0"/>
+                <a:ea typeface="맑은 고딕" charset="0"/>
+              </a:rPr>
+              <a:t>개발 프로세스입니다. 개발 과정에서는 각자 개발한 것을 주기적으로 합치면서 진행하도록 하겠습니다.</a:t>
+            </a:r>
+            <a:endParaRPr lang="ko-KR" altLang="en-US" sz="1200" b="0" strike="noStrike" cap="none" dirty="0" smtClean="0">
+              <a:solidFill>
+                <a:schemeClr val="tx1"/>
+              </a:solidFill>
+              <a:latin typeface="맑은 고딕" charset="0"/>
+              <a:ea typeface="맑은 고딕" charset="0"/>
+            </a:endParaRPr>
+          </a:p>
+        </p:txBody>
+      </p:sp>
+      <p:sp>
+        <p:nvSpPr>
+          <p:cNvPr id="6" name="바닥글 개체 틀 5"/>
+          <p:cNvSpPr txBox="1">
+            <a:spLocks noGrp="1"/>
+          </p:cNvSpPr>
+          <p:nvPr>
+            <p:ph type="ftr" idx="4"/>
+          </p:nvPr>
+        </p:nvSpPr>
+        <p:spPr>
+          <a:xfrm>
+            <a:off x="0" y="8685530"/>
+            <a:ext cx="2972435" cy="459105"/>
+          </a:xfrm>
+          <a:prstGeom prst="rect">
+            <a:avLst/>
+          </a:prstGeom>
+        </p:spPr>
+        <p:txBody>
+          <a:bodyPr vert="horz" wrap="square" lIns="91440" tIns="45720" rIns="91440" bIns="45720" numCol="1" anchor="b">
+            <a:noAutofit/>
+          </a:bodyPr>
+          <a:lstStyle/>
+          <a:p>
+            <a:endParaRPr>
+              <a:solidFill>
+                <a:prstClr val="black"/>
+              </a:solidFill>
+            </a:endParaRPr>
+          </a:p>
+        </p:txBody>
+      </p:sp>
+      <p:sp>
+        <p:nvSpPr>
+          <p:cNvPr id="7" name="슬라이드 번호 개체 틀 6"/>
+          <p:cNvSpPr txBox="1">
+            <a:spLocks noGrp="1"/>
+          </p:cNvSpPr>
+          <p:nvPr>
+            <p:ph type="sldNum" idx="5"/>
+          </p:nvPr>
+        </p:nvSpPr>
+        <p:spPr>
+          <a:xfrm>
+            <a:off x="3884930" y="8685530"/>
+            <a:ext cx="2972435" cy="459105"/>
+          </a:xfrm>
+          <a:prstGeom prst="rect">
+            <a:avLst/>
+          </a:prstGeom>
+        </p:spPr>
+        <p:txBody>
+          <a:bodyPr vert="horz" wrap="square" lIns="91440" tIns="45720" rIns="91440" bIns="45720" numCol="1" anchor="b">
+            <a:noAutofit/>
+          </a:bodyPr>
+          <a:lstStyle/>
+          <a:p>
+            <a:fld id="{B9320F77-B9A0-41C5-862A-B4B631284C64}" type="slidenum">
+              <a:rPr lang="en-US" altLang="ko-KR" dirty="0" smtClean="0">
+                <a:solidFill>
+                  <a:prstClr val="black"/>
+                </a:solidFill>
+              </a:rPr>
+              <a:pPr/>
+              <a:t>30</a:t>
+            </a:fld>
+            <a:endParaRPr lang="en-US" altLang="ko-KR" dirty="0" smtClean="0">
+              <a:solidFill>
+                <a:prstClr val="black"/>
+              </a:solidFill>
+            </a:endParaRPr>
+          </a:p>
+        </p:txBody>
+      </p:sp>
+    </p:spTree>
+    <p:extLst>
+      <p:ext uri="{BB962C8B-B14F-4D97-AF65-F5344CB8AC3E}">
+        <p14:creationId xmlns:p14="http://schemas.microsoft.com/office/powerpoint/2010/main" val="358285477"/>
+      </p:ext>
+    </p:extLst>
+  </p:cSld>
+  <p:clrMapOvr>
+    <a:masterClrMapping/>
+  </p:clrMapOvr>
+</p:notes>
+</file>
+
+<file path=ppt/notesSlides/notesSlide31.xml><?xml version="1.0" encoding="utf-8"?>
+<p:notes xmlns:a="http://schemas.openxmlformats.org/drawingml/2006/main" xmlns:r="http://schemas.openxmlformats.org/officeDocument/2006/relationships" xmlns:p="http://schemas.openxmlformats.org/presentationml/2006/main">
+  <p:cSld>
+    <p:spTree>
+      <p:nvGrpSpPr>
+        <p:cNvPr id="1" name=""/>
+        <p:cNvGrpSpPr/>
+        <p:nvPr/>
+      </p:nvGrpSpPr>
+      <p:grpSpPr>
+        <a:xfrm>
+          <a:off x="0" y="0"/>
+          <a:ext cx="0" cy="0"/>
+          <a:chOff x="0" y="0"/>
+          <a:chExt cx="0" cy="0"/>
+        </a:xfrm>
+      </p:grpSpPr>
+      <p:sp>
+        <p:nvSpPr>
+          <p:cNvPr id="2" name="슬라이드 이미지 개체 틀 1"/>
+          <p:cNvSpPr>
+            <a:spLocks noGrp="1" noRot="1" noChangeAspect="1"/>
+          </p:cNvSpPr>
+          <p:nvPr>
+            <p:ph type="sldImg"/>
+          </p:nvPr>
+        </p:nvSpPr>
+        <p:spPr/>
+      </p:sp>
+      <p:sp>
+        <p:nvSpPr>
+          <p:cNvPr id="3" name="슬라이드 노트 개체 틀 2"/>
+          <p:cNvSpPr>
+            <a:spLocks noGrp="1"/>
+          </p:cNvSpPr>
+          <p:nvPr>
+            <p:ph type="body" idx="1"/>
+          </p:nvPr>
+        </p:nvSpPr>
+        <p:spPr/>
+        <p:txBody>
+          <a:bodyPr/>
+          <a:lstStyle/>
+          <a:p>
+            <a:r>
+              <a:rPr lang="ko-KR" altLang="en-US" dirty="0"/>
+              <a:t>저희 프로젝트의 기대 효과에 대해 </a:t>
+            </a:r>
+            <a:r>
+              <a:rPr lang="ko-KR" altLang="en-US" dirty="0" err="1"/>
+              <a:t>말씀드리겠습니다</a:t>
+            </a:r>
+            <a:r>
+              <a:rPr lang="en-US" altLang="ko-KR" dirty="0"/>
+              <a:t>.</a:t>
+            </a:r>
+            <a:endParaRPr lang="ko-KR" altLang="en-US" dirty="0"/>
+          </a:p>
+        </p:txBody>
+      </p:sp>
+      <p:sp>
+        <p:nvSpPr>
+          <p:cNvPr id="4" name="슬라이드 번호 개체 틀 3"/>
+          <p:cNvSpPr>
+            <a:spLocks noGrp="1"/>
+          </p:cNvSpPr>
+          <p:nvPr>
+            <p:ph type="sldNum" sz="quarter" idx="10"/>
+          </p:nvPr>
+        </p:nvSpPr>
+        <p:spPr/>
+        <p:txBody>
+          <a:bodyPr/>
+          <a:lstStyle/>
+          <a:p>
+            <a:fld id="{D898AB71-339F-426E-BE4F-BA0247DB15F5}" type="slidenum">
+              <a:rPr lang="ko-KR" altLang="en-US" smtClean="0"/>
+              <a:t>31</a:t>
+            </a:fld>
+            <a:endParaRPr lang="ko-KR" altLang="en-US"/>
+          </a:p>
+        </p:txBody>
+      </p:sp>
+    </p:spTree>
+    <p:extLst>
+      <p:ext uri="{BB962C8B-B14F-4D97-AF65-F5344CB8AC3E}">
+        <p14:creationId xmlns:p14="http://schemas.microsoft.com/office/powerpoint/2010/main" val="1352523260"/>
+      </p:ext>
+    </p:extLst>
+  </p:cSld>
+  <p:clrMapOvr>
+    <a:masterClrMapping/>
+  </p:clrMapOvr>
+</p:notes>
+</file>
+
+<file path=ppt/notesSlides/notesSlide32.xml><?xml version="1.0" encoding="utf-8"?>
+<p:notes xmlns:a="http://schemas.openxmlformats.org/drawingml/2006/main" xmlns:r="http://schemas.openxmlformats.org/officeDocument/2006/relationships" xmlns:p="http://schemas.openxmlformats.org/presentationml/2006/main">
+  <p:cSld>
+    <p:spTree>
+      <p:nvGrpSpPr>
+        <p:cNvPr id="1" name=""/>
+        <p:cNvGrpSpPr/>
+        <p:nvPr/>
+      </p:nvGrpSpPr>
+      <p:grpSpPr>
+        <a:xfrm>
+          <a:off x="0" y="0"/>
+          <a:ext cx="0" cy="0"/>
+          <a:chOff x="0" y="0"/>
+          <a:chExt cx="0" cy="0"/>
+        </a:xfrm>
+      </p:grpSpPr>
+      <p:sp>
+        <p:nvSpPr>
+          <p:cNvPr id="2" name="슬라이드 이미지 개체 틀 1"/>
+          <p:cNvSpPr>
+            <a:spLocks noGrp="1" noRot="1" noChangeAspect="1"/>
+          </p:cNvSpPr>
+          <p:nvPr>
+            <p:ph type="sldImg"/>
+          </p:nvPr>
+        </p:nvSpPr>
+        <p:spPr/>
+      </p:sp>
+      <p:sp>
+        <p:nvSpPr>
+          <p:cNvPr id="3" name="슬라이드 노트 개체 틀 2"/>
+          <p:cNvSpPr>
+            <a:spLocks noGrp="1"/>
+          </p:cNvSpPr>
+          <p:nvPr>
+            <p:ph type="body" idx="1"/>
+          </p:nvPr>
+        </p:nvSpPr>
+        <p:spPr/>
+        <p:txBody>
+          <a:bodyPr/>
+          <a:lstStyle/>
+          <a:p>
+            <a:r>
+              <a:rPr lang="ko-KR" altLang="en-US" dirty="0"/>
+              <a:t>저희 프로젝트를 통해 고객은 한 눈에 여러 상품을 파악할 수 있고</a:t>
+            </a:r>
+            <a:r>
+              <a:rPr lang="en-US" altLang="ko-KR" dirty="0"/>
+              <a:t>, </a:t>
+            </a:r>
+            <a:r>
+              <a:rPr lang="ko-KR" altLang="en-US" dirty="0"/>
+              <a:t>사용자 기반 제품 </a:t>
+            </a:r>
+            <a:r>
+              <a:rPr lang="en-US" altLang="ko-KR" dirty="0"/>
+              <a:t>keyword</a:t>
+            </a:r>
+            <a:r>
+              <a:rPr lang="ko-KR" altLang="en-US" dirty="0"/>
+              <a:t>를 통해 원하는 제품을 더 빠르게 찾을 수 있습니다</a:t>
+            </a:r>
+            <a:r>
+              <a:rPr lang="en-US" altLang="ko-KR" dirty="0"/>
+              <a:t>. </a:t>
+            </a:r>
+            <a:r>
+              <a:rPr lang="ko-KR" altLang="en-US" dirty="0"/>
+              <a:t>또한 </a:t>
+            </a:r>
+            <a:r>
+              <a:rPr lang="en-US" altLang="ko-KR" dirty="0"/>
+              <a:t>review </a:t>
+            </a:r>
+            <a:r>
+              <a:rPr lang="ko-KR" altLang="en-US" dirty="0"/>
+              <a:t>감정 분석을 통해 어떤 </a:t>
+            </a:r>
+            <a:r>
+              <a:rPr lang="en-US" altLang="ko-KR" dirty="0"/>
+              <a:t>review</a:t>
+            </a:r>
+            <a:r>
+              <a:rPr lang="ko-KR" altLang="en-US" dirty="0"/>
+              <a:t>를 봐야 하는지 더 쉽게 알 수 있습니다</a:t>
+            </a:r>
+            <a:r>
+              <a:rPr lang="en-US" altLang="ko-KR" dirty="0"/>
+              <a:t>.</a:t>
+            </a:r>
+          </a:p>
+          <a:p>
+            <a:r>
+              <a:rPr lang="ko-KR" altLang="en-US" dirty="0"/>
+              <a:t>이는 쇼핑 시간이 줄어드는 효과를 가져오게 됩니다</a:t>
+            </a:r>
+            <a:r>
+              <a:rPr lang="en-US" altLang="ko-KR" dirty="0"/>
+              <a:t>.</a:t>
+            </a:r>
+            <a:endParaRPr lang="ko-KR" altLang="en-US" dirty="0"/>
+          </a:p>
+        </p:txBody>
+      </p:sp>
+      <p:sp>
+        <p:nvSpPr>
+          <p:cNvPr id="4" name="슬라이드 번호 개체 틀 3"/>
+          <p:cNvSpPr>
+            <a:spLocks noGrp="1"/>
+          </p:cNvSpPr>
+          <p:nvPr>
+            <p:ph type="sldNum" sz="quarter" idx="10"/>
+          </p:nvPr>
+        </p:nvSpPr>
+        <p:spPr/>
+        <p:txBody>
+          <a:bodyPr/>
+          <a:lstStyle/>
+          <a:p>
+            <a:fld id="{D898AB71-339F-426E-BE4F-BA0247DB15F5}" type="slidenum">
+              <a:rPr lang="ko-KR" altLang="en-US" smtClean="0"/>
+              <a:t>32</a:t>
+            </a:fld>
+            <a:endParaRPr lang="ko-KR" altLang="en-US"/>
+          </a:p>
+        </p:txBody>
+      </p:sp>
+    </p:spTree>
+    <p:extLst>
+      <p:ext uri="{BB962C8B-B14F-4D97-AF65-F5344CB8AC3E}">
+        <p14:creationId xmlns:p14="http://schemas.microsoft.com/office/powerpoint/2010/main" val="1314285583"/>
+      </p:ext>
+    </p:extLst>
+  </p:cSld>
+  <p:clrMapOvr>
+    <a:masterClrMapping/>
+  </p:clrMapOvr>
+</p:notes>
+</file>
+
+<file path=ppt/notesSlides/notesSlide33.xml><?xml version="1.0" encoding="utf-8"?>
+<p:notes xmlns:a="http://schemas.openxmlformats.org/drawingml/2006/main" xmlns:r="http://schemas.openxmlformats.org/officeDocument/2006/relationships" xmlns:p="http://schemas.openxmlformats.org/presentationml/2006/main">
+  <p:cSld>
+    <p:spTree>
+      <p:nvGrpSpPr>
+        <p:cNvPr id="1" name=""/>
+        <p:cNvGrpSpPr/>
+        <p:nvPr/>
+      </p:nvGrpSpPr>
+      <p:grpSpPr>
+        <a:xfrm>
+          <a:off x="0" y="0"/>
+          <a:ext cx="0" cy="0"/>
+          <a:chOff x="0" y="0"/>
+          <a:chExt cx="0" cy="0"/>
+        </a:xfrm>
+      </p:grpSpPr>
+      <p:sp>
+        <p:nvSpPr>
+          <p:cNvPr id="2" name="슬라이드 이미지 개체 틀 1"/>
+          <p:cNvSpPr>
+            <a:spLocks noGrp="1" noRot="1" noChangeAspect="1"/>
+          </p:cNvSpPr>
+          <p:nvPr>
+            <p:ph type="sldImg"/>
+          </p:nvPr>
+        </p:nvSpPr>
+        <p:spPr/>
+      </p:sp>
+      <p:sp>
+        <p:nvSpPr>
+          <p:cNvPr id="3" name="슬라이드 노트 개체 틀 2"/>
+          <p:cNvSpPr>
+            <a:spLocks noGrp="1"/>
+          </p:cNvSpPr>
+          <p:nvPr>
+            <p:ph type="body" idx="1"/>
+          </p:nvPr>
+        </p:nvSpPr>
+        <p:spPr/>
+        <p:txBody>
+          <a:bodyPr/>
+          <a:lstStyle/>
+          <a:p>
+            <a:r>
+              <a:rPr lang="ko-KR" altLang="en-US" dirty="0"/>
+              <a:t>또한 </a:t>
+            </a:r>
+            <a:r>
+              <a:rPr lang="en-US" altLang="ko-KR" dirty="0"/>
+              <a:t>review</a:t>
+            </a:r>
+            <a:r>
+              <a:rPr lang="ko-KR" altLang="en-US" dirty="0"/>
+              <a:t>를 모아서 한 번에 보는 방식으로 인해 앞선 </a:t>
+            </a:r>
+            <a:r>
+              <a:rPr lang="ko-KR" altLang="en-US"/>
+              <a:t>배경에서 말씀 드린 </a:t>
+            </a:r>
+            <a:r>
+              <a:rPr lang="ko-KR" altLang="en-US" dirty="0"/>
+              <a:t>리뷰를 보기 위해 여러 상품을 번거롭게 살펴봐야 하는 것을 한 눈에 살펴볼 수 있기 때문에</a:t>
+            </a:r>
+            <a:r>
+              <a:rPr lang="en-US" altLang="ko-KR" dirty="0"/>
+              <a:t>, </a:t>
+            </a:r>
+            <a:r>
+              <a:rPr lang="ko-KR" altLang="en-US" dirty="0"/>
+              <a:t>이에 매력을 느낀 많은 고객을 유치할 수 있을 것이고</a:t>
+            </a:r>
+            <a:r>
+              <a:rPr lang="en-US" altLang="ko-KR" dirty="0"/>
+              <a:t>, </a:t>
+            </a:r>
+            <a:r>
+              <a:rPr lang="ko-KR" altLang="en-US" dirty="0"/>
+              <a:t>이로 인해 수익이 증대할 것이라고 기대합니다</a:t>
+            </a:r>
+            <a:r>
+              <a:rPr lang="en-US" altLang="ko-KR" dirty="0"/>
+              <a:t>.</a:t>
+            </a:r>
+            <a:endParaRPr lang="ko-KR" altLang="en-US" dirty="0"/>
+          </a:p>
+        </p:txBody>
+      </p:sp>
+      <p:sp>
+        <p:nvSpPr>
+          <p:cNvPr id="4" name="슬라이드 번호 개체 틀 3"/>
+          <p:cNvSpPr>
+            <a:spLocks noGrp="1"/>
+          </p:cNvSpPr>
+          <p:nvPr>
+            <p:ph type="sldNum" sz="quarter" idx="10"/>
+          </p:nvPr>
+        </p:nvSpPr>
+        <p:spPr/>
+        <p:txBody>
+          <a:bodyPr/>
+          <a:lstStyle/>
+          <a:p>
+            <a:fld id="{D898AB71-339F-426E-BE4F-BA0247DB15F5}" type="slidenum">
+              <a:rPr lang="ko-KR" altLang="en-US" smtClean="0"/>
+              <a:t>33</a:t>
+            </a:fld>
+            <a:endParaRPr lang="ko-KR" altLang="en-US"/>
+          </a:p>
+        </p:txBody>
+      </p:sp>
+    </p:spTree>
+    <p:extLst>
+      <p:ext uri="{BB962C8B-B14F-4D97-AF65-F5344CB8AC3E}">
+        <p14:creationId xmlns:p14="http://schemas.microsoft.com/office/powerpoint/2010/main" val="3100420209"/>
       </p:ext>
     </p:extLst>
   </p:cSld>
@@ -4476,7 +4989,7 @@
           <a:p>
             <a:fld id="{1938F8E9-179D-454D-91B6-5BA7F5CDE889}" type="datetimeFigureOut">
               <a:rPr lang="ko-KR" altLang="en-US" smtClean="0"/>
-              <a:t>2019-10-11</a:t>
+              <a:t>2019-10-19</a:t>
             </a:fld>
             <a:endParaRPr lang="ko-KR" altLang="en-US"/>
           </a:p>
@@ -4644,7 +5157,7 @@
           <a:p>
             <a:fld id="{1938F8E9-179D-454D-91B6-5BA7F5CDE889}" type="datetimeFigureOut">
               <a:rPr lang="ko-KR" altLang="en-US" smtClean="0"/>
-              <a:t>2019-10-11</a:t>
+              <a:t>2019-10-19</a:t>
             </a:fld>
             <a:endParaRPr lang="ko-KR" altLang="en-US"/>
           </a:p>
@@ -4822,7 +5335,7 @@
           <a:p>
             <a:fld id="{1938F8E9-179D-454D-91B6-5BA7F5CDE889}" type="datetimeFigureOut">
               <a:rPr lang="ko-KR" altLang="en-US" smtClean="0"/>
-              <a:t>2019-10-11</a:t>
+              <a:t>2019-10-19</a:t>
             </a:fld>
             <a:endParaRPr lang="ko-KR" altLang="en-US"/>
           </a:p>
@@ -4990,7 +5503,7 @@
           <a:p>
             <a:fld id="{1938F8E9-179D-454D-91B6-5BA7F5CDE889}" type="datetimeFigureOut">
               <a:rPr lang="ko-KR" altLang="en-US" smtClean="0"/>
-              <a:t>2019-10-11</a:t>
+              <a:t>2019-10-19</a:t>
             </a:fld>
             <a:endParaRPr lang="ko-KR" altLang="en-US"/>
           </a:p>
@@ -5235,7 +5748,7 @@
           <a:p>
             <a:fld id="{1938F8E9-179D-454D-91B6-5BA7F5CDE889}" type="datetimeFigureOut">
               <a:rPr lang="ko-KR" altLang="en-US" smtClean="0"/>
-              <a:t>2019-10-11</a:t>
+              <a:t>2019-10-19</a:t>
             </a:fld>
             <a:endParaRPr lang="ko-KR" altLang="en-US"/>
           </a:p>
@@ -5464,7 +5977,7 @@
           <a:p>
             <a:fld id="{1938F8E9-179D-454D-91B6-5BA7F5CDE889}" type="datetimeFigureOut">
               <a:rPr lang="ko-KR" altLang="en-US" smtClean="0"/>
-              <a:t>2019-10-11</a:t>
+              <a:t>2019-10-19</a:t>
             </a:fld>
             <a:endParaRPr lang="ko-KR" altLang="en-US"/>
           </a:p>
@@ -5828,7 +6341,7 @@
           <a:p>
             <a:fld id="{1938F8E9-179D-454D-91B6-5BA7F5CDE889}" type="datetimeFigureOut">
               <a:rPr lang="ko-KR" altLang="en-US" smtClean="0"/>
-              <a:t>2019-10-11</a:t>
+              <a:t>2019-10-19</a:t>
             </a:fld>
             <a:endParaRPr lang="ko-KR" altLang="en-US"/>
           </a:p>
@@ -5945,7 +6458,7 @@
           <a:p>
             <a:fld id="{1938F8E9-179D-454D-91B6-5BA7F5CDE889}" type="datetimeFigureOut">
               <a:rPr lang="ko-KR" altLang="en-US" smtClean="0"/>
-              <a:t>2019-10-11</a:t>
+              <a:t>2019-10-19</a:t>
             </a:fld>
             <a:endParaRPr lang="ko-KR" altLang="en-US"/>
           </a:p>
@@ -6040,7 +6553,7 @@
           <a:p>
             <a:fld id="{1938F8E9-179D-454D-91B6-5BA7F5CDE889}" type="datetimeFigureOut">
               <a:rPr lang="ko-KR" altLang="en-US" smtClean="0"/>
-              <a:t>2019-10-11</a:t>
+              <a:t>2019-10-19</a:t>
             </a:fld>
             <a:endParaRPr lang="ko-KR" altLang="en-US"/>
           </a:p>
@@ -6315,7 +6828,7 @@
           <a:p>
             <a:fld id="{1938F8E9-179D-454D-91B6-5BA7F5CDE889}" type="datetimeFigureOut">
               <a:rPr lang="ko-KR" altLang="en-US" smtClean="0"/>
-              <a:t>2019-10-11</a:t>
+              <a:t>2019-10-19</a:t>
             </a:fld>
             <a:endParaRPr lang="ko-KR" altLang="en-US"/>
           </a:p>
@@ -6567,7 +7080,7 @@
           <a:p>
             <a:fld id="{1938F8E9-179D-454D-91B6-5BA7F5CDE889}" type="datetimeFigureOut">
               <a:rPr lang="ko-KR" altLang="en-US" smtClean="0"/>
-              <a:t>2019-10-11</a:t>
+              <a:t>2019-10-19</a:t>
             </a:fld>
             <a:endParaRPr lang="ko-KR" altLang="en-US"/>
           </a:p>
@@ -6778,7 +7291,7 @@
           <a:p>
             <a:fld id="{1938F8E9-179D-454D-91B6-5BA7F5CDE889}" type="datetimeFigureOut">
               <a:rPr lang="ko-KR" altLang="en-US" smtClean="0"/>
-              <a:t>2019-10-11</a:t>
+              <a:t>2019-10-19</a:t>
             </a:fld>
             <a:endParaRPr lang="ko-KR" altLang="en-US"/>
           </a:p>
@@ -9078,7 +9591,7 @@
           <p:cNvPr id="5" name="그림 4">
             <a:extLst>
               <a:ext uri="{FF2B5EF4-FFF2-40B4-BE49-F238E27FC236}">
-                <a16:creationId xmlns:a16="http://schemas.microsoft.com/office/drawing/2014/main" xmlns="" id="{E165B1AE-BF47-40FE-AE3B-15828B09B7AC}"/>
+                <a16:creationId xmlns="" xmlns:a16="http://schemas.microsoft.com/office/drawing/2014/main" id="{E165B1AE-BF47-40FE-AE3B-15828B09B7AC}"/>
               </a:ext>
             </a:extLst>
           </p:cNvPr>
@@ -9108,7 +9621,7 @@
           <p:cNvPr id="47" name="TextBox 46">
             <a:extLst>
               <a:ext uri="{FF2B5EF4-FFF2-40B4-BE49-F238E27FC236}">
-                <a16:creationId xmlns:a16="http://schemas.microsoft.com/office/drawing/2014/main" xmlns="" id="{5287645A-AD08-4D89-ACAD-4E65858A2EB7}"/>
+                <a16:creationId xmlns="" xmlns:a16="http://schemas.microsoft.com/office/drawing/2014/main" id="{5287645A-AD08-4D89-ACAD-4E65858A2EB7}"/>
               </a:ext>
             </a:extLst>
           </p:cNvPr>
@@ -9210,7 +9723,7 @@
           <p:cNvPr id="4" name="TextBox 3">
             <a:extLst>
               <a:ext uri="{FF2B5EF4-FFF2-40B4-BE49-F238E27FC236}">
-                <a16:creationId xmlns:a16="http://schemas.microsoft.com/office/drawing/2014/main" xmlns="" id="{267AE12C-1B5F-48C0-BF76-E286466756B0}"/>
+                <a16:creationId xmlns="" xmlns:a16="http://schemas.microsoft.com/office/drawing/2014/main" id="{267AE12C-1B5F-48C0-BF76-E286466756B0}"/>
               </a:ext>
             </a:extLst>
           </p:cNvPr>
@@ -9258,7 +9771,7 @@
           <p:cNvPr id="7" name="직선 연결선 6">
             <a:extLst>
               <a:ext uri="{FF2B5EF4-FFF2-40B4-BE49-F238E27FC236}">
-                <a16:creationId xmlns:a16="http://schemas.microsoft.com/office/drawing/2014/main" xmlns="" id="{B4A2FC86-5D2F-478B-9203-C49486360FA1}"/>
+                <a16:creationId xmlns="" xmlns:a16="http://schemas.microsoft.com/office/drawing/2014/main" id="{B4A2FC86-5D2F-478B-9203-C49486360FA1}"/>
               </a:ext>
             </a:extLst>
           </p:cNvPr>
@@ -9302,7 +9815,7 @@
           <p:cNvPr id="22" name="TextBox 21">
             <a:extLst>
               <a:ext uri="{FF2B5EF4-FFF2-40B4-BE49-F238E27FC236}">
-                <a16:creationId xmlns:a16="http://schemas.microsoft.com/office/drawing/2014/main" xmlns="" id="{1E19F2AC-D62D-4EA6-9C91-66BEED52CE9A}"/>
+                <a16:creationId xmlns="" xmlns:a16="http://schemas.microsoft.com/office/drawing/2014/main" id="{1E19F2AC-D62D-4EA6-9C91-66BEED52CE9A}"/>
               </a:ext>
             </a:extLst>
           </p:cNvPr>
@@ -9350,7 +9863,7 @@
           <p:cNvPr id="24" name="연결선: 꺾임 23">
             <a:extLst>
               <a:ext uri="{FF2B5EF4-FFF2-40B4-BE49-F238E27FC236}">
-                <a16:creationId xmlns:a16="http://schemas.microsoft.com/office/drawing/2014/main" xmlns="" id="{B7F0FF46-B257-4077-B3AD-4C11337CDBF1}"/>
+                <a16:creationId xmlns="" xmlns:a16="http://schemas.microsoft.com/office/drawing/2014/main" id="{B7F0FF46-B257-4077-B3AD-4C11337CDBF1}"/>
               </a:ext>
             </a:extLst>
           </p:cNvPr>
@@ -9394,7 +9907,7 @@
           <p:cNvPr id="15" name="TextBox 14">
             <a:extLst>
               <a:ext uri="{FF2B5EF4-FFF2-40B4-BE49-F238E27FC236}">
-                <a16:creationId xmlns:a16="http://schemas.microsoft.com/office/drawing/2014/main" xmlns="" id="{9C1E3425-69F6-471F-9286-9B8DF16A462E}"/>
+                <a16:creationId xmlns="" xmlns:a16="http://schemas.microsoft.com/office/drawing/2014/main" id="{9C1E3425-69F6-471F-9286-9B8DF16A462E}"/>
               </a:ext>
             </a:extLst>
           </p:cNvPr>
@@ -9461,7 +9974,7 @@
           <p:cNvPr id="27" name="직선 연결선 26">
             <a:extLst>
               <a:ext uri="{FF2B5EF4-FFF2-40B4-BE49-F238E27FC236}">
-                <a16:creationId xmlns:a16="http://schemas.microsoft.com/office/drawing/2014/main" xmlns="" id="{DE26473E-9EDB-49E4-9B02-9857FBA99B07}"/>
+                <a16:creationId xmlns="" xmlns:a16="http://schemas.microsoft.com/office/drawing/2014/main" id="{DE26473E-9EDB-49E4-9B02-9857FBA99B07}"/>
               </a:ext>
             </a:extLst>
           </p:cNvPr>
@@ -9505,7 +10018,7 @@
           <p:cNvPr id="45" name="TextBox 44">
             <a:extLst>
               <a:ext uri="{FF2B5EF4-FFF2-40B4-BE49-F238E27FC236}">
-                <a16:creationId xmlns:a16="http://schemas.microsoft.com/office/drawing/2014/main" xmlns="" id="{7476ECDD-44B5-4D31-A147-36ED8F9DD4BD}"/>
+                <a16:creationId xmlns="" xmlns:a16="http://schemas.microsoft.com/office/drawing/2014/main" id="{7476ECDD-44B5-4D31-A147-36ED8F9DD4BD}"/>
               </a:ext>
             </a:extLst>
           </p:cNvPr>
@@ -9551,7 +10064,7 @@
           <p:cNvPr id="46" name="직선 연결선 45">
             <a:extLst>
               <a:ext uri="{FF2B5EF4-FFF2-40B4-BE49-F238E27FC236}">
-                <a16:creationId xmlns:a16="http://schemas.microsoft.com/office/drawing/2014/main" xmlns="" id="{61497355-6ABE-424D-9D60-34358521956A}"/>
+                <a16:creationId xmlns="" xmlns:a16="http://schemas.microsoft.com/office/drawing/2014/main" id="{61497355-6ABE-424D-9D60-34358521956A}"/>
               </a:ext>
             </a:extLst>
           </p:cNvPr>
@@ -9595,7 +10108,7 @@
           <p:cNvPr id="6" name="그림 5">
             <a:extLst>
               <a:ext uri="{FF2B5EF4-FFF2-40B4-BE49-F238E27FC236}">
-                <a16:creationId xmlns:a16="http://schemas.microsoft.com/office/drawing/2014/main" xmlns="" id="{A24311C0-0C98-44FB-9C3F-7CEB3314ECE4}"/>
+                <a16:creationId xmlns="" xmlns:a16="http://schemas.microsoft.com/office/drawing/2014/main" id="{A24311C0-0C98-44FB-9C3F-7CEB3314ECE4}"/>
               </a:ext>
             </a:extLst>
           </p:cNvPr>
@@ -9663,7 +10176,7 @@
           <p:cNvPr id="10" name="그림 9">
             <a:extLst>
               <a:ext uri="{FF2B5EF4-FFF2-40B4-BE49-F238E27FC236}">
-                <a16:creationId xmlns:a16="http://schemas.microsoft.com/office/drawing/2014/main" xmlns="" id="{819ECA88-A708-4D08-847F-163C0133D40B}"/>
+                <a16:creationId xmlns="" xmlns:a16="http://schemas.microsoft.com/office/drawing/2014/main" id="{819ECA88-A708-4D08-847F-163C0133D40B}"/>
               </a:ext>
             </a:extLst>
           </p:cNvPr>
@@ -9693,7 +10206,7 @@
           <p:cNvPr id="99" name="TextBox 98">
             <a:extLst>
               <a:ext uri="{FF2B5EF4-FFF2-40B4-BE49-F238E27FC236}">
-                <a16:creationId xmlns:a16="http://schemas.microsoft.com/office/drawing/2014/main" xmlns="" id="{A1453190-BD29-4BBE-8374-3D69BD575279}"/>
+                <a16:creationId xmlns="" xmlns:a16="http://schemas.microsoft.com/office/drawing/2014/main" id="{A1453190-BD29-4BBE-8374-3D69BD575279}"/>
               </a:ext>
             </a:extLst>
           </p:cNvPr>
@@ -9788,7 +10301,7 @@
           <p:cNvPr id="15" name="TextBox 14">
             <a:extLst>
               <a:ext uri="{FF2B5EF4-FFF2-40B4-BE49-F238E27FC236}">
-                <a16:creationId xmlns:a16="http://schemas.microsoft.com/office/drawing/2014/main" xmlns="" id="{9C1E3425-69F6-471F-9286-9B8DF16A462E}"/>
+                <a16:creationId xmlns="" xmlns:a16="http://schemas.microsoft.com/office/drawing/2014/main" id="{9C1E3425-69F6-471F-9286-9B8DF16A462E}"/>
               </a:ext>
             </a:extLst>
           </p:cNvPr>
@@ -9836,7 +10349,7 @@
           <p:cNvPr id="45" name="TextBox 44">
             <a:extLst>
               <a:ext uri="{FF2B5EF4-FFF2-40B4-BE49-F238E27FC236}">
-                <a16:creationId xmlns:a16="http://schemas.microsoft.com/office/drawing/2014/main" xmlns="" id="{7476ECDD-44B5-4D31-A147-36ED8F9DD4BD}"/>
+                <a16:creationId xmlns="" xmlns:a16="http://schemas.microsoft.com/office/drawing/2014/main" id="{7476ECDD-44B5-4D31-A147-36ED8F9DD4BD}"/>
               </a:ext>
             </a:extLst>
           </p:cNvPr>
@@ -9882,7 +10395,7 @@
           <p:cNvPr id="27" name="직선 연결선 26">
             <a:extLst>
               <a:ext uri="{FF2B5EF4-FFF2-40B4-BE49-F238E27FC236}">
-                <a16:creationId xmlns:a16="http://schemas.microsoft.com/office/drawing/2014/main" xmlns="" id="{DE26473E-9EDB-49E4-9B02-9857FBA99B07}"/>
+                <a16:creationId xmlns="" xmlns:a16="http://schemas.microsoft.com/office/drawing/2014/main" id="{DE26473E-9EDB-49E4-9B02-9857FBA99B07}"/>
               </a:ext>
             </a:extLst>
           </p:cNvPr>
@@ -9926,7 +10439,7 @@
           <p:cNvPr id="46" name="직선 연결선 45">
             <a:extLst>
               <a:ext uri="{FF2B5EF4-FFF2-40B4-BE49-F238E27FC236}">
-                <a16:creationId xmlns:a16="http://schemas.microsoft.com/office/drawing/2014/main" xmlns="" id="{61497355-6ABE-424D-9D60-34358521956A}"/>
+                <a16:creationId xmlns="" xmlns:a16="http://schemas.microsoft.com/office/drawing/2014/main" id="{61497355-6ABE-424D-9D60-34358521956A}"/>
               </a:ext>
             </a:extLst>
           </p:cNvPr>
@@ -9970,7 +10483,7 @@
           <p:cNvPr id="71" name="TextBox 70">
             <a:extLst>
               <a:ext uri="{FF2B5EF4-FFF2-40B4-BE49-F238E27FC236}">
-                <a16:creationId xmlns:a16="http://schemas.microsoft.com/office/drawing/2014/main" xmlns="" id="{7CA55682-9B75-43CA-822F-E5469FDFC7DF}"/>
+                <a16:creationId xmlns="" xmlns:a16="http://schemas.microsoft.com/office/drawing/2014/main" id="{7CA55682-9B75-43CA-822F-E5469FDFC7DF}"/>
               </a:ext>
             </a:extLst>
           </p:cNvPr>
@@ -10016,7 +10529,7 @@
           <p:cNvPr id="77" name="직선 연결선 76">
             <a:extLst>
               <a:ext uri="{FF2B5EF4-FFF2-40B4-BE49-F238E27FC236}">
-                <a16:creationId xmlns:a16="http://schemas.microsoft.com/office/drawing/2014/main" xmlns="" id="{66E706C1-E2FA-4C31-8BCA-29863D507250}"/>
+                <a16:creationId xmlns="" xmlns:a16="http://schemas.microsoft.com/office/drawing/2014/main" id="{66E706C1-E2FA-4C31-8BCA-29863D507250}"/>
               </a:ext>
             </a:extLst>
           </p:cNvPr>
@@ -10060,7 +10573,7 @@
           <p:cNvPr id="95" name="TextBox 94">
             <a:extLst>
               <a:ext uri="{FF2B5EF4-FFF2-40B4-BE49-F238E27FC236}">
-                <a16:creationId xmlns:a16="http://schemas.microsoft.com/office/drawing/2014/main" xmlns="" id="{FD3BD2E6-745F-4DB1-B707-37CBA7701266}"/>
+                <a16:creationId xmlns="" xmlns:a16="http://schemas.microsoft.com/office/drawing/2014/main" id="{FD3BD2E6-745F-4DB1-B707-37CBA7701266}"/>
               </a:ext>
             </a:extLst>
           </p:cNvPr>
@@ -10106,7 +10619,7 @@
           <p:cNvPr id="96" name="TextBox 95">
             <a:extLst>
               <a:ext uri="{FF2B5EF4-FFF2-40B4-BE49-F238E27FC236}">
-                <a16:creationId xmlns:a16="http://schemas.microsoft.com/office/drawing/2014/main" xmlns="" id="{C0FCB3DA-1035-46B9-A6D9-188A7E838DBD}"/>
+                <a16:creationId xmlns="" xmlns:a16="http://schemas.microsoft.com/office/drawing/2014/main" id="{C0FCB3DA-1035-46B9-A6D9-188A7E838DBD}"/>
               </a:ext>
             </a:extLst>
           </p:cNvPr>
@@ -10152,7 +10665,7 @@
           <p:cNvPr id="97" name="직선 연결선 96">
             <a:extLst>
               <a:ext uri="{FF2B5EF4-FFF2-40B4-BE49-F238E27FC236}">
-                <a16:creationId xmlns:a16="http://schemas.microsoft.com/office/drawing/2014/main" xmlns="" id="{2F5CA22C-273D-40FB-ACAA-092AAA18A1DD}"/>
+                <a16:creationId xmlns="" xmlns:a16="http://schemas.microsoft.com/office/drawing/2014/main" id="{2F5CA22C-273D-40FB-ACAA-092AAA18A1DD}"/>
               </a:ext>
             </a:extLst>
           </p:cNvPr>
@@ -10196,7 +10709,7 @@
           <p:cNvPr id="98" name="직선 연결선 97">
             <a:extLst>
               <a:ext uri="{FF2B5EF4-FFF2-40B4-BE49-F238E27FC236}">
-                <a16:creationId xmlns:a16="http://schemas.microsoft.com/office/drawing/2014/main" xmlns="" id="{E506D8CE-4F30-424A-9724-F60449C2230F}"/>
+                <a16:creationId xmlns="" xmlns:a16="http://schemas.microsoft.com/office/drawing/2014/main" id="{E506D8CE-4F30-424A-9724-F60449C2230F}"/>
               </a:ext>
             </a:extLst>
           </p:cNvPr>
@@ -10278,7 +10791,7 @@
           <p:cNvPr id="5" name="그림 4">
             <a:extLst>
               <a:ext uri="{FF2B5EF4-FFF2-40B4-BE49-F238E27FC236}">
-                <a16:creationId xmlns:a16="http://schemas.microsoft.com/office/drawing/2014/main" xmlns="" id="{A1784623-9F9E-4432-B15B-CC24B3C8DA7B}"/>
+                <a16:creationId xmlns="" xmlns:a16="http://schemas.microsoft.com/office/drawing/2014/main" id="{A1784623-9F9E-4432-B15B-CC24B3C8DA7B}"/>
               </a:ext>
             </a:extLst>
           </p:cNvPr>
@@ -10349,7 +10862,7 @@
           <p:cNvPr id="45" name="TextBox 44">
             <a:extLst>
               <a:ext uri="{FF2B5EF4-FFF2-40B4-BE49-F238E27FC236}">
-                <a16:creationId xmlns:a16="http://schemas.microsoft.com/office/drawing/2014/main" xmlns="" id="{7476ECDD-44B5-4D31-A147-36ED8F9DD4BD}"/>
+                <a16:creationId xmlns="" xmlns:a16="http://schemas.microsoft.com/office/drawing/2014/main" id="{7476ECDD-44B5-4D31-A147-36ED8F9DD4BD}"/>
               </a:ext>
             </a:extLst>
           </p:cNvPr>
@@ -10395,7 +10908,7 @@
           <p:cNvPr id="46" name="직선 연결선 45">
             <a:extLst>
               <a:ext uri="{FF2B5EF4-FFF2-40B4-BE49-F238E27FC236}">
-                <a16:creationId xmlns:a16="http://schemas.microsoft.com/office/drawing/2014/main" xmlns="" id="{61497355-6ABE-424D-9D60-34358521956A}"/>
+                <a16:creationId xmlns="" xmlns:a16="http://schemas.microsoft.com/office/drawing/2014/main" id="{61497355-6ABE-424D-9D60-34358521956A}"/>
               </a:ext>
             </a:extLst>
           </p:cNvPr>
@@ -10439,7 +10952,7 @@
           <p:cNvPr id="71" name="TextBox 70">
             <a:extLst>
               <a:ext uri="{FF2B5EF4-FFF2-40B4-BE49-F238E27FC236}">
-                <a16:creationId xmlns:a16="http://schemas.microsoft.com/office/drawing/2014/main" xmlns="" id="{7CA55682-9B75-43CA-822F-E5469FDFC7DF}"/>
+                <a16:creationId xmlns="" xmlns:a16="http://schemas.microsoft.com/office/drawing/2014/main" id="{7CA55682-9B75-43CA-822F-E5469FDFC7DF}"/>
               </a:ext>
             </a:extLst>
           </p:cNvPr>
@@ -10485,7 +10998,7 @@
           <p:cNvPr id="74" name="직선 연결선 73">
             <a:extLst>
               <a:ext uri="{FF2B5EF4-FFF2-40B4-BE49-F238E27FC236}">
-                <a16:creationId xmlns:a16="http://schemas.microsoft.com/office/drawing/2014/main" xmlns="" id="{B843DA8F-5A8E-4093-A13B-E3CD6F913EF8}"/>
+                <a16:creationId xmlns="" xmlns:a16="http://schemas.microsoft.com/office/drawing/2014/main" id="{B843DA8F-5A8E-4093-A13B-E3CD6F913EF8}"/>
               </a:ext>
             </a:extLst>
           </p:cNvPr>
@@ -10529,7 +11042,7 @@
           <p:cNvPr id="77" name="직선 연결선 76">
             <a:extLst>
               <a:ext uri="{FF2B5EF4-FFF2-40B4-BE49-F238E27FC236}">
-                <a16:creationId xmlns:a16="http://schemas.microsoft.com/office/drawing/2014/main" xmlns="" id="{66E706C1-E2FA-4C31-8BCA-29863D507250}"/>
+                <a16:creationId xmlns="" xmlns:a16="http://schemas.microsoft.com/office/drawing/2014/main" id="{66E706C1-E2FA-4C31-8BCA-29863D507250}"/>
               </a:ext>
             </a:extLst>
           </p:cNvPr>
@@ -10573,7 +11086,7 @@
           <p:cNvPr id="42" name="TextBox 41">
             <a:extLst>
               <a:ext uri="{FF2B5EF4-FFF2-40B4-BE49-F238E27FC236}">
-                <a16:creationId xmlns:a16="http://schemas.microsoft.com/office/drawing/2014/main" xmlns="" id="{176D7272-AB80-461D-9F78-BCE494853F7E}"/>
+                <a16:creationId xmlns="" xmlns:a16="http://schemas.microsoft.com/office/drawing/2014/main" id="{176D7272-AB80-461D-9F78-BCE494853F7E}"/>
               </a:ext>
             </a:extLst>
           </p:cNvPr>
@@ -10627,7 +11140,7 @@
           <p:cNvPr id="15" name="TextBox 14">
             <a:extLst>
               <a:ext uri="{FF2B5EF4-FFF2-40B4-BE49-F238E27FC236}">
-                <a16:creationId xmlns:a16="http://schemas.microsoft.com/office/drawing/2014/main" xmlns="" id="{9C1E3425-69F6-471F-9286-9B8DF16A462E}"/>
+                <a16:creationId xmlns="" xmlns:a16="http://schemas.microsoft.com/office/drawing/2014/main" id="{9C1E3425-69F6-471F-9286-9B8DF16A462E}"/>
               </a:ext>
             </a:extLst>
           </p:cNvPr>
@@ -10694,7 +11207,7 @@
           <p:cNvPr id="27" name="직선 연결선 26">
             <a:extLst>
               <a:ext uri="{FF2B5EF4-FFF2-40B4-BE49-F238E27FC236}">
-                <a16:creationId xmlns:a16="http://schemas.microsoft.com/office/drawing/2014/main" xmlns="" id="{DE26473E-9EDB-49E4-9B02-9857FBA99B07}"/>
+                <a16:creationId xmlns="" xmlns:a16="http://schemas.microsoft.com/office/drawing/2014/main" id="{DE26473E-9EDB-49E4-9B02-9857FBA99B07}"/>
               </a:ext>
             </a:extLst>
           </p:cNvPr>
@@ -10783,8 +11296,8 @@
         </p:nvSpPr>
         <p:spPr>
           <a:xfrm>
-            <a:off x="1514375" y="2752825"/>
-            <a:ext cx="9144000" cy="2387600"/>
+            <a:off x="10612877" y="6527260"/>
+            <a:ext cx="1579123" cy="330740"/>
           </a:xfrm>
         </p:spPr>
         <p:txBody>
@@ -10799,61 +11312,494 @@
               </a:lnSpc>
             </a:pPr>
             <a:r>
-              <a:rPr lang="en-US" altLang="ko-KR" b="1" dirty="0">
+              <a:rPr lang="en-US" altLang="ko-KR" sz="1600" b="1" dirty="0">
                 <a:solidFill>
                   <a:schemeClr val="accent4">
                     <a:lumMod val="50000"/>
                   </a:schemeClr>
                 </a:solidFill>
               </a:rPr>
-              <a:t>Development</a:t>
-            </a:r>
-            <a:br>
-              <a:rPr lang="en-US" altLang="ko-KR" b="1" dirty="0">
+              <a:t>Design Concept</a:t>
+            </a:r>
+            <a:endParaRPr lang="ko-KR" altLang="en-US" dirty="0"/>
+          </a:p>
+        </p:txBody>
+      </p:sp>
+      <p:sp>
+        <p:nvSpPr>
+          <p:cNvPr id="42" name="TextBox 41">
+            <a:extLst>
+              <a:ext uri="{FF2B5EF4-FFF2-40B4-BE49-F238E27FC236}">
+                <a16:creationId xmlns="" xmlns:a16="http://schemas.microsoft.com/office/drawing/2014/main" id="{176D7272-AB80-461D-9F78-BCE494853F7E}"/>
+              </a:ext>
+            </a:extLst>
+          </p:cNvPr>
+          <p:cNvSpPr txBox="1"/>
+          <p:nvPr/>
+        </p:nvSpPr>
+        <p:spPr>
+          <a:xfrm>
+            <a:off x="621555" y="423792"/>
+            <a:ext cx="6331904" cy="646331"/>
+          </a:xfrm>
+          <a:prstGeom prst="rect">
+            <a:avLst/>
+          </a:prstGeom>
+          <a:solidFill>
+            <a:schemeClr val="accent4"/>
+          </a:solidFill>
+        </p:spPr>
+        <p:txBody>
+          <a:bodyPr wrap="square" rtlCol="0">
+            <a:spAutoFit/>
+          </a:bodyPr>
+          <a:lstStyle/>
+          <a:p>
+            <a:pPr algn="just"/>
+            <a:r>
+              <a:rPr lang="ko-KR" altLang="en-US" sz="3600" b="1" dirty="0" smtClean="0">
                 <a:solidFill>
                   <a:schemeClr val="accent4">
                     <a:lumMod val="50000"/>
                   </a:schemeClr>
                 </a:solidFill>
               </a:rPr>
-            </a:br>
-            <a:r>
-              <a:rPr lang="ko-KR" altLang="en-US" sz="2000" b="1" dirty="0">
+              <a:t>최고의 리뷰 분석 서비스 제</a:t>
+            </a:r>
+            <a:r>
+              <a:rPr lang="ko-KR" altLang="en-US" sz="3600" b="1" dirty="0" smtClean="0">
                 <a:solidFill>
                   <a:schemeClr val="accent4">
                     <a:lumMod val="50000"/>
                   </a:schemeClr>
                 </a:solidFill>
               </a:rPr>
-              <a:t>개발 기술 스택</a:t>
-            </a:r>
-            <a:r>
-              <a:rPr lang="en-US" altLang="ko-KR" b="1" dirty="0">
-                <a:solidFill>
-                  <a:schemeClr val="accent4">
-                    <a:lumMod val="50000"/>
-                  </a:schemeClr>
-                </a:solidFill>
-              </a:rPr>
-              <a:t/>
-            </a:r>
-            <a:br>
-              <a:rPr lang="en-US" altLang="ko-KR" b="1" dirty="0">
-                <a:solidFill>
-                  <a:schemeClr val="accent4">
-                    <a:lumMod val="50000"/>
-                  </a:schemeClr>
-                </a:solidFill>
-              </a:rPr>
-            </a:br>
-            <a:endParaRPr lang="ko-KR" altLang="en-US" dirty="0"/>
-          </a:p>
-        </p:txBody>
-      </p:sp>
+              <a:t>공</a:t>
+            </a:r>
+            <a:endParaRPr lang="ko-KR" altLang="en-US" sz="3600" b="1" dirty="0">
+              <a:solidFill>
+                <a:schemeClr val="accent4">
+                  <a:lumMod val="50000"/>
+                </a:schemeClr>
+              </a:solidFill>
+            </a:endParaRPr>
+          </a:p>
+        </p:txBody>
+      </p:sp>
+      <p:pic>
+        <p:nvPicPr>
+          <p:cNvPr id="1030" name="Picture 6" descr="쿠팡 이미지 검색결과"/>
+          <p:cNvPicPr>
+            <a:picLocks noChangeAspect="1" noChangeArrowheads="1"/>
+          </p:cNvPicPr>
+          <p:nvPr/>
+        </p:nvPicPr>
+        <p:blipFill>
+          <a:blip r:embed="rId3">
+            <a:extLst>
+              <a:ext uri="{28A0092B-C50C-407E-A947-70E740481C1C}">
+                <a14:useLocalDpi xmlns:a14="http://schemas.microsoft.com/office/drawing/2010/main" val="0"/>
+              </a:ext>
+            </a:extLst>
+          </a:blip>
+          <a:srcRect/>
+          <a:stretch>
+            <a:fillRect/>
+          </a:stretch>
+        </p:blipFill>
+        <p:spPr bwMode="auto">
+          <a:xfrm>
+            <a:off x="832570" y="1667555"/>
+            <a:ext cx="3699236" cy="1044422"/>
+          </a:xfrm>
+          <a:prstGeom prst="rect">
+            <a:avLst/>
+          </a:prstGeom>
+          <a:noFill/>
+          <a:extLst>
+            <a:ext uri="{909E8E84-426E-40DD-AFC4-6F175D3DCCD1}">
+              <a14:hiddenFill xmlns:a14="http://schemas.microsoft.com/office/drawing/2010/main">
+                <a:solidFill>
+                  <a:srgbClr val="FFFFFF"/>
+                </a:solidFill>
+              </a14:hiddenFill>
+            </a:ext>
+          </a:extLst>
+        </p:spPr>
+      </p:pic>
+      <p:pic>
+        <p:nvPicPr>
+          <p:cNvPr id="1032" name="Picture 8" descr="위메프 이미지 검색결과"/>
+          <p:cNvPicPr>
+            <a:picLocks noChangeAspect="1" noChangeArrowheads="1"/>
+          </p:cNvPicPr>
+          <p:nvPr/>
+        </p:nvPicPr>
+        <p:blipFill>
+          <a:blip r:embed="rId4" cstate="print">
+            <a:extLst>
+              <a:ext uri="{28A0092B-C50C-407E-A947-70E740481C1C}">
+                <a14:useLocalDpi xmlns:a14="http://schemas.microsoft.com/office/drawing/2010/main" val="0"/>
+              </a:ext>
+            </a:extLst>
+          </a:blip>
+          <a:srcRect/>
+          <a:stretch>
+            <a:fillRect/>
+          </a:stretch>
+        </p:blipFill>
+        <p:spPr bwMode="auto">
+          <a:xfrm>
+            <a:off x="5104563" y="1667556"/>
+            <a:ext cx="2095829" cy="1044422"/>
+          </a:xfrm>
+          <a:prstGeom prst="rect">
+            <a:avLst/>
+          </a:prstGeom>
+          <a:noFill/>
+          <a:extLst>
+            <a:ext uri="{909E8E84-426E-40DD-AFC4-6F175D3DCCD1}">
+              <a14:hiddenFill xmlns:a14="http://schemas.microsoft.com/office/drawing/2010/main">
+                <a:solidFill>
+                  <a:srgbClr val="FFFFFF"/>
+                </a:solidFill>
+              </a14:hiddenFill>
+            </a:ext>
+          </a:extLst>
+        </p:spPr>
+      </p:pic>
+      <p:pic>
+        <p:nvPicPr>
+          <p:cNvPr id="1034" name="Picture 10" descr="인터파크 이미지 검색결과"/>
+          <p:cNvPicPr>
+            <a:picLocks noChangeAspect="1" noChangeArrowheads="1"/>
+          </p:cNvPicPr>
+          <p:nvPr/>
+        </p:nvPicPr>
+        <p:blipFill>
+          <a:blip r:embed="rId5">
+            <a:extLst>
+              <a:ext uri="{28A0092B-C50C-407E-A947-70E740481C1C}">
+                <a14:useLocalDpi xmlns:a14="http://schemas.microsoft.com/office/drawing/2010/main" val="0"/>
+              </a:ext>
+            </a:extLst>
+          </a:blip>
+          <a:srcRect/>
+          <a:stretch>
+            <a:fillRect/>
+          </a:stretch>
+        </p:blipFill>
+        <p:spPr bwMode="auto">
+          <a:xfrm>
+            <a:off x="7773149" y="1667555"/>
+            <a:ext cx="2839728" cy="1022302"/>
+          </a:xfrm>
+          <a:prstGeom prst="rect">
+            <a:avLst/>
+          </a:prstGeom>
+          <a:noFill/>
+          <a:extLst>
+            <a:ext uri="{909E8E84-426E-40DD-AFC4-6F175D3DCCD1}">
+              <a14:hiddenFill xmlns:a14="http://schemas.microsoft.com/office/drawing/2010/main">
+                <a:solidFill>
+                  <a:srgbClr val="FFFFFF"/>
+                </a:solidFill>
+              </a14:hiddenFill>
+            </a:ext>
+          </a:extLst>
+        </p:spPr>
+      </p:pic>
+      <p:pic>
+        <p:nvPicPr>
+          <p:cNvPr id="1036" name="Picture 12" descr="아마존 이미지 검색결과"/>
+          <p:cNvPicPr>
+            <a:picLocks noChangeAspect="1" noChangeArrowheads="1"/>
+          </p:cNvPicPr>
+          <p:nvPr/>
+        </p:nvPicPr>
+        <p:blipFill>
+          <a:blip r:embed="rId6" cstate="print">
+            <a:extLst>
+              <a:ext uri="{28A0092B-C50C-407E-A947-70E740481C1C}">
+                <a14:useLocalDpi xmlns:a14="http://schemas.microsoft.com/office/drawing/2010/main" val="0"/>
+              </a:ext>
+            </a:extLst>
+          </a:blip>
+          <a:srcRect/>
+          <a:stretch>
+            <a:fillRect/>
+          </a:stretch>
+        </p:blipFill>
+        <p:spPr bwMode="auto">
+          <a:xfrm>
+            <a:off x="1247409" y="3309409"/>
+            <a:ext cx="2869557" cy="1044422"/>
+          </a:xfrm>
+          <a:prstGeom prst="rect">
+            <a:avLst/>
+          </a:prstGeom>
+          <a:noFill/>
+          <a:extLst>
+            <a:ext uri="{909E8E84-426E-40DD-AFC4-6F175D3DCCD1}">
+              <a14:hiddenFill xmlns:a14="http://schemas.microsoft.com/office/drawing/2010/main">
+                <a:solidFill>
+                  <a:srgbClr val="FFFFFF"/>
+                </a:solidFill>
+              </a14:hiddenFill>
+            </a:ext>
+          </a:extLst>
+        </p:spPr>
+      </p:pic>
+      <p:pic>
+        <p:nvPicPr>
+          <p:cNvPr id="1038" name="Picture 14" descr="네이버 쇼핑 이미지 검색결과"/>
+          <p:cNvPicPr>
+            <a:picLocks noChangeAspect="1" noChangeArrowheads="1"/>
+          </p:cNvPicPr>
+          <p:nvPr/>
+        </p:nvPicPr>
+        <p:blipFill>
+          <a:blip r:embed="rId7" cstate="print">
+            <a:extLst>
+              <a:ext uri="{28A0092B-C50C-407E-A947-70E740481C1C}">
+                <a14:useLocalDpi xmlns:a14="http://schemas.microsoft.com/office/drawing/2010/main" val="0"/>
+              </a:ext>
+            </a:extLst>
+          </a:blip>
+          <a:srcRect/>
+          <a:stretch>
+            <a:fillRect/>
+          </a:stretch>
+        </p:blipFill>
+        <p:spPr bwMode="auto">
+          <a:xfrm>
+            <a:off x="4755262" y="3287290"/>
+            <a:ext cx="2794430" cy="1066541"/>
+          </a:xfrm>
+          <a:prstGeom prst="rect">
+            <a:avLst/>
+          </a:prstGeom>
+          <a:noFill/>
+          <a:extLst>
+            <a:ext uri="{909E8E84-426E-40DD-AFC4-6F175D3DCCD1}">
+              <a14:hiddenFill xmlns:a14="http://schemas.microsoft.com/office/drawing/2010/main">
+                <a:solidFill>
+                  <a:srgbClr val="FFFFFF"/>
+                </a:solidFill>
+              </a14:hiddenFill>
+            </a:ext>
+          </a:extLst>
+        </p:spPr>
+      </p:pic>
+      <p:pic>
+        <p:nvPicPr>
+          <p:cNvPr id="1040" name="Picture 16" descr="배달의민족 이미지 검색결과"/>
+          <p:cNvPicPr>
+            <a:picLocks noChangeAspect="1" noChangeArrowheads="1"/>
+          </p:cNvPicPr>
+          <p:nvPr/>
+        </p:nvPicPr>
+        <p:blipFill>
+          <a:blip r:embed="rId8" cstate="print">
+            <a:extLst>
+              <a:ext uri="{28A0092B-C50C-407E-A947-70E740481C1C}">
+                <a14:useLocalDpi xmlns:a14="http://schemas.microsoft.com/office/drawing/2010/main" val="0"/>
+              </a:ext>
+            </a:extLst>
+          </a:blip>
+          <a:srcRect/>
+          <a:stretch>
+            <a:fillRect/>
+          </a:stretch>
+        </p:blipFill>
+        <p:spPr bwMode="auto">
+          <a:xfrm>
+            <a:off x="8187988" y="3287290"/>
+            <a:ext cx="2138976" cy="1044422"/>
+          </a:xfrm>
+          <a:prstGeom prst="rect">
+            <a:avLst/>
+          </a:prstGeom>
+          <a:noFill/>
+          <a:extLst>
+            <a:ext uri="{909E8E84-426E-40DD-AFC4-6F175D3DCCD1}">
+              <a14:hiddenFill xmlns:a14="http://schemas.microsoft.com/office/drawing/2010/main">
+                <a:solidFill>
+                  <a:srgbClr val="FFFFFF"/>
+                </a:solidFill>
+              </a14:hiddenFill>
+            </a:ext>
+          </a:extLst>
+        </p:spPr>
+      </p:pic>
+      <p:pic>
+        <p:nvPicPr>
+          <p:cNvPr id="1042" name="Picture 18" descr="네이버 웹툰 이미지 검색결과"/>
+          <p:cNvPicPr>
+            <a:picLocks noChangeAspect="1" noChangeArrowheads="1"/>
+          </p:cNvPicPr>
+          <p:nvPr/>
+        </p:nvPicPr>
+        <p:blipFill>
+          <a:blip r:embed="rId9" cstate="print">
+            <a:extLst>
+              <a:ext uri="{28A0092B-C50C-407E-A947-70E740481C1C}">
+                <a14:useLocalDpi xmlns:a14="http://schemas.microsoft.com/office/drawing/2010/main" val="0"/>
+              </a:ext>
+            </a:extLst>
+          </a:blip>
+          <a:srcRect/>
+          <a:stretch>
+            <a:fillRect/>
+          </a:stretch>
+        </p:blipFill>
+        <p:spPr bwMode="auto">
+          <a:xfrm>
+            <a:off x="1247409" y="4951263"/>
+            <a:ext cx="1826578" cy="1027739"/>
+          </a:xfrm>
+          <a:prstGeom prst="rect">
+            <a:avLst/>
+          </a:prstGeom>
+          <a:noFill/>
+          <a:extLst>
+            <a:ext uri="{909E8E84-426E-40DD-AFC4-6F175D3DCCD1}">
+              <a14:hiddenFill xmlns:a14="http://schemas.microsoft.com/office/drawing/2010/main">
+                <a:solidFill>
+                  <a:srgbClr val="FFFFFF"/>
+                </a:solidFill>
+              </a14:hiddenFill>
+            </a:ext>
+          </a:extLst>
+        </p:spPr>
+      </p:pic>
+      <p:pic>
+        <p:nvPicPr>
+          <p:cNvPr id="1044" name="Picture 20" descr="steam 이미지 검색결과"/>
+          <p:cNvPicPr>
+            <a:picLocks noChangeAspect="1" noChangeArrowheads="1"/>
+          </p:cNvPicPr>
+          <p:nvPr/>
+        </p:nvPicPr>
+        <p:blipFill>
+          <a:blip r:embed="rId10" cstate="print">
+            <a:extLst>
+              <a:ext uri="{28A0092B-C50C-407E-A947-70E740481C1C}">
+                <a14:useLocalDpi xmlns:a14="http://schemas.microsoft.com/office/drawing/2010/main" val="0"/>
+              </a:ext>
+            </a:extLst>
+          </a:blip>
+          <a:srcRect/>
+          <a:stretch>
+            <a:fillRect/>
+          </a:stretch>
+        </p:blipFill>
+        <p:spPr bwMode="auto">
+          <a:xfrm>
+            <a:off x="3797354" y="4951264"/>
+            <a:ext cx="1816714" cy="1022810"/>
+          </a:xfrm>
+          <a:prstGeom prst="rect">
+            <a:avLst/>
+          </a:prstGeom>
+          <a:noFill/>
+          <a:extLst>
+            <a:ext uri="{909E8E84-426E-40DD-AFC4-6F175D3DCCD1}">
+              <a14:hiddenFill xmlns:a14="http://schemas.microsoft.com/office/drawing/2010/main">
+                <a:solidFill>
+                  <a:srgbClr val="FFFFFF"/>
+                </a:solidFill>
+              </a14:hiddenFill>
+            </a:ext>
+          </a:extLst>
+        </p:spPr>
+      </p:pic>
+      <p:pic>
+        <p:nvPicPr>
+          <p:cNvPr id="1046" name="Picture 22" descr="여기어때 이미지 검색결과"/>
+          <p:cNvPicPr>
+            <a:picLocks noChangeAspect="1" noChangeArrowheads="1"/>
+          </p:cNvPicPr>
+          <p:nvPr/>
+        </p:nvPicPr>
+        <p:blipFill>
+          <a:blip r:embed="rId11">
+            <a:extLst>
+              <a:ext uri="{28A0092B-C50C-407E-A947-70E740481C1C}">
+                <a14:useLocalDpi xmlns:a14="http://schemas.microsoft.com/office/drawing/2010/main" val="0"/>
+              </a:ext>
+            </a:extLst>
+          </a:blip>
+          <a:srcRect/>
+          <a:stretch>
+            <a:fillRect/>
+          </a:stretch>
+        </p:blipFill>
+        <p:spPr bwMode="auto">
+          <a:xfrm>
+            <a:off x="6337435" y="4929143"/>
+            <a:ext cx="2218781" cy="1044931"/>
+          </a:xfrm>
+          <a:prstGeom prst="rect">
+            <a:avLst/>
+          </a:prstGeom>
+          <a:noFill/>
+          <a:extLst>
+            <a:ext uri="{909E8E84-426E-40DD-AFC4-6F175D3DCCD1}">
+              <a14:hiddenFill xmlns:a14="http://schemas.microsoft.com/office/drawing/2010/main">
+                <a:solidFill>
+                  <a:srgbClr val="FFFFFF"/>
+                </a:solidFill>
+              </a14:hiddenFill>
+            </a:ext>
+          </a:extLst>
+        </p:spPr>
+      </p:pic>
+      <p:pic>
+        <p:nvPicPr>
+          <p:cNvPr id="1048" name="Picture 24" descr="다나와 이미지 검색결과"/>
+          <p:cNvPicPr>
+            <a:picLocks noChangeAspect="1" noChangeArrowheads="1"/>
+          </p:cNvPicPr>
+          <p:nvPr/>
+        </p:nvPicPr>
+        <p:blipFill>
+          <a:blip r:embed="rId12">
+            <a:extLst>
+              <a:ext uri="{28A0092B-C50C-407E-A947-70E740481C1C}">
+                <a14:useLocalDpi xmlns:a14="http://schemas.microsoft.com/office/drawing/2010/main" val="0"/>
+              </a:ext>
+            </a:extLst>
+          </a:blip>
+          <a:srcRect/>
+          <a:stretch>
+            <a:fillRect/>
+          </a:stretch>
+        </p:blipFill>
+        <p:spPr bwMode="auto">
+          <a:xfrm>
+            <a:off x="9304153" y="4940202"/>
+            <a:ext cx="1022811" cy="1022811"/>
+          </a:xfrm>
+          <a:prstGeom prst="rect">
+            <a:avLst/>
+          </a:prstGeom>
+          <a:noFill/>
+          <a:extLst>
+            <a:ext uri="{909E8E84-426E-40DD-AFC4-6F175D3DCCD1}">
+              <a14:hiddenFill xmlns:a14="http://schemas.microsoft.com/office/drawing/2010/main">
+                <a:solidFill>
+                  <a:srgbClr val="FFFFFF"/>
+                </a:solidFill>
+              </a14:hiddenFill>
+            </a:ext>
+          </a:extLst>
+        </p:spPr>
+      </p:pic>
     </p:spTree>
     <p:extLst>
       <p:ext uri="{BB962C8B-B14F-4D97-AF65-F5344CB8AC3E}">
-        <p14:creationId xmlns:p14="http://schemas.microsoft.com/office/powerpoint/2010/main" val="2898747201"/>
+        <p14:creationId xmlns:p14="http://schemas.microsoft.com/office/powerpoint/2010/main" val="2616931991"/>
       </p:ext>
     </p:extLst>
   </p:cSld>
@@ -11061,44 +12007,25 @@
       </p:grpSpPr>
       <p:sp>
         <p:nvSpPr>
-          <p:cNvPr id="3" name="제목 1"/>
-          <p:cNvSpPr txBox="1">
-            <a:spLocks/>
-          </p:cNvSpPr>
-          <p:nvPr/>
+          <p:cNvPr id="2" name="제목 1"/>
+          <p:cNvSpPr>
+            <a:spLocks noGrp="1"/>
+          </p:cNvSpPr>
+          <p:nvPr>
+            <p:ph type="ctrTitle"/>
+          </p:nvPr>
         </p:nvSpPr>
         <p:spPr>
           <a:xfrm>
-            <a:off x="10700426" y="6420255"/>
-            <a:ext cx="1491574" cy="437745"/>
-          </a:xfrm>
-          <a:prstGeom prst="rect">
-            <a:avLst/>
-          </a:prstGeom>
-        </p:spPr>
-        <p:txBody>
-          <a:bodyPr vert="horz" lIns="91440" tIns="45720" rIns="91440" bIns="45720" rtlCol="0" anchor="b">
-            <a:normAutofit lnSpcReduction="10000"/>
+            <a:off x="10612877" y="6527260"/>
+            <a:ext cx="1579123" cy="330740"/>
+          </a:xfrm>
+        </p:spPr>
+        <p:txBody>
+          <a:bodyPr>
+            <a:normAutofit fontScale="90000"/>
           </a:bodyPr>
-          <a:lstStyle>
-            <a:lvl1pPr algn="ctr" defTabSz="914400" rtl="0" eaLnBrk="1" latinLnBrk="1" hangingPunct="1">
-              <a:lnSpc>
-                <a:spcPct val="90000"/>
-              </a:lnSpc>
-              <a:spcBef>
-                <a:spcPct val="0"/>
-              </a:spcBef>
-              <a:buNone/>
-              <a:defRPr sz="6000" kern="1200">
-                <a:solidFill>
-                  <a:schemeClr val="tx1"/>
-                </a:solidFill>
-                <a:latin typeface="+mj-lt"/>
-                <a:ea typeface="+mj-ea"/>
-                <a:cs typeface="+mj-cs"/>
-              </a:defRPr>
-            </a:lvl1pPr>
-          </a:lstStyle>
+          <a:lstStyle/>
           <a:p>
             <a:pPr>
               <a:lnSpc>
@@ -11108,401 +12035,194 @@
             <a:r>
               <a:rPr lang="en-US" altLang="ko-KR" sz="1600" b="1" dirty="0">
                 <a:solidFill>
-                  <a:srgbClr val="FFC000">
+                  <a:schemeClr val="accent4">
                     <a:lumMod val="50000"/>
-                  </a:srgbClr>
-                </a:solidFill>
-              </a:rPr>
-              <a:t>Development</a:t>
-            </a:r>
+                  </a:schemeClr>
+                </a:solidFill>
+              </a:rPr>
+              <a:t>Design Concept</a:t>
+            </a:r>
+            <a:endParaRPr lang="ko-KR" altLang="en-US" dirty="0"/>
+          </a:p>
+        </p:txBody>
+      </p:sp>
+      <p:sp>
+        <p:nvSpPr>
+          <p:cNvPr id="42" name="TextBox 41">
+            <a:extLst>
+              <a:ext uri="{FF2B5EF4-FFF2-40B4-BE49-F238E27FC236}">
+                <a16:creationId xmlns="" xmlns:a16="http://schemas.microsoft.com/office/drawing/2014/main" id="{176D7272-AB80-461D-9F78-BCE494853F7E}"/>
+              </a:ext>
+            </a:extLst>
+          </p:cNvPr>
+          <p:cNvSpPr txBox="1"/>
+          <p:nvPr/>
+        </p:nvSpPr>
+        <p:spPr>
+          <a:xfrm>
+            <a:off x="621555" y="423792"/>
+            <a:ext cx="6331904" cy="646331"/>
+          </a:xfrm>
+          <a:prstGeom prst="rect">
+            <a:avLst/>
+          </a:prstGeom>
+          <a:solidFill>
+            <a:schemeClr val="accent4"/>
+          </a:solidFill>
+        </p:spPr>
+        <p:txBody>
+          <a:bodyPr wrap="square" rtlCol="0">
+            <a:spAutoFit/>
+          </a:bodyPr>
+          <a:lstStyle/>
+          <a:p>
+            <a:pPr algn="just"/>
+            <a:r>
+              <a:rPr lang="ko-KR" altLang="en-US" sz="3600" b="1" dirty="0" smtClean="0">
+                <a:solidFill>
+                  <a:schemeClr val="accent4">
+                    <a:lumMod val="50000"/>
+                  </a:schemeClr>
+                </a:solidFill>
+              </a:rPr>
+              <a:t>최고의 리뷰 분석 서비스 제</a:t>
+            </a:r>
+            <a:r>
+              <a:rPr lang="ko-KR" altLang="en-US" sz="3600" b="1" dirty="0" smtClean="0">
+                <a:solidFill>
+                  <a:schemeClr val="accent4">
+                    <a:lumMod val="50000"/>
+                  </a:schemeClr>
+                </a:solidFill>
+              </a:rPr>
+              <a:t>공</a:t>
+            </a:r>
+            <a:endParaRPr lang="ko-KR" altLang="en-US" sz="3600" b="1" dirty="0">
+              <a:solidFill>
+                <a:schemeClr val="accent4">
+                  <a:lumMod val="50000"/>
+                </a:schemeClr>
+              </a:solidFill>
+            </a:endParaRPr>
+          </a:p>
+        </p:txBody>
+      </p:sp>
+      <p:sp>
+        <p:nvSpPr>
+          <p:cNvPr id="15" name="TextBox 14">
+            <a:extLst>
+              <a:ext uri="{FF2B5EF4-FFF2-40B4-BE49-F238E27FC236}">
+                <a16:creationId xmlns="" xmlns:a16="http://schemas.microsoft.com/office/drawing/2014/main" id="{9C1E3425-69F6-471F-9286-9B8DF16A462E}"/>
+              </a:ext>
+            </a:extLst>
+          </p:cNvPr>
+          <p:cNvSpPr txBox="1"/>
+          <p:nvPr/>
+        </p:nvSpPr>
+        <p:spPr>
+          <a:xfrm>
+            <a:off x="896072" y="3399473"/>
+            <a:ext cx="3076402" cy="369332"/>
+          </a:xfrm>
+          <a:prstGeom prst="rect">
+            <a:avLst/>
+          </a:prstGeom>
+          <a:solidFill>
+            <a:schemeClr val="accent4"/>
+          </a:solidFill>
+        </p:spPr>
+        <p:txBody>
+          <a:bodyPr wrap="square" rtlCol="0">
+            <a:spAutoFit/>
+          </a:bodyPr>
+          <a:lstStyle/>
+          <a:p>
+            <a:r>
+              <a:rPr lang="ko-KR" altLang="en-US" b="1" dirty="0" smtClean="0">
+                <a:solidFill>
+                  <a:schemeClr val="accent4">
+                    <a:lumMod val="50000"/>
+                  </a:schemeClr>
+                </a:solidFill>
+              </a:rPr>
+              <a:t>긍정</a:t>
+            </a:r>
+            <a:r>
+              <a:rPr lang="en-US" altLang="ko-KR" b="1" dirty="0" smtClean="0">
+                <a:solidFill>
+                  <a:schemeClr val="accent4">
+                    <a:lumMod val="50000"/>
+                  </a:schemeClr>
+                </a:solidFill>
+              </a:rPr>
+              <a:t>/</a:t>
+            </a:r>
+            <a:r>
+              <a:rPr lang="ko-KR" altLang="en-US" b="1" dirty="0" smtClean="0">
+                <a:solidFill>
+                  <a:schemeClr val="accent4">
+                    <a:lumMod val="50000"/>
+                  </a:schemeClr>
+                </a:solidFill>
+              </a:rPr>
+              <a:t>부정 </a:t>
+            </a:r>
+            <a:r>
+              <a:rPr lang="en-US" altLang="ko-KR" b="1" dirty="0" smtClean="0">
+                <a:solidFill>
+                  <a:schemeClr val="accent4">
+                    <a:lumMod val="50000"/>
+                  </a:schemeClr>
+                </a:solidFill>
+              </a:rPr>
+              <a:t>BEST </a:t>
+            </a:r>
+            <a:r>
+              <a:rPr lang="ko-KR" altLang="en-US" b="1" dirty="0" smtClean="0">
+                <a:solidFill>
+                  <a:schemeClr val="accent4">
+                    <a:lumMod val="50000"/>
+                  </a:schemeClr>
+                </a:solidFill>
+              </a:rPr>
+              <a:t>리뷰 제공</a:t>
+            </a:r>
+            <a:endParaRPr lang="en-US" altLang="ko-KR" b="1" dirty="0">
+              <a:solidFill>
+                <a:srgbClr val="796A3A"/>
+              </a:solidFill>
+            </a:endParaRPr>
           </a:p>
         </p:txBody>
       </p:sp>
       <p:pic>
         <p:nvPicPr>
-          <p:cNvPr id="5" name="Picture 3" descr="D:\Download\employees.png"/>
+          <p:cNvPr id="3" name="그림 2"/>
           <p:cNvPicPr>
-            <a:picLocks noChangeAspect="1" noChangeArrowheads="1"/>
+            <a:picLocks noChangeAspect="1"/>
           </p:cNvPicPr>
           <p:nvPr/>
         </p:nvPicPr>
         <p:blipFill>
-          <a:blip r:embed="rId3">
-            <a:extLst>
-              <a:ext uri="{28A0092B-C50C-407E-A947-70E740481C1C}">
-                <a14:useLocalDpi xmlns:a14="http://schemas.microsoft.com/office/drawing/2010/main" val="0"/>
-              </a:ext>
-            </a:extLst>
-          </a:blip>
-          <a:srcRect/>
+          <a:blip r:embed="rId3"/>
           <a:stretch>
             <a:fillRect/>
           </a:stretch>
         </p:blipFill>
-        <p:spPr bwMode="auto">
-          <a:xfrm>
-            <a:off x="2243572" y="2132856"/>
-            <a:ext cx="2376265" cy="2376264"/>
+        <p:spPr>
+          <a:xfrm>
+            <a:off x="3972474" y="1589403"/>
+            <a:ext cx="7648685" cy="4137914"/>
           </a:xfrm>
           <a:prstGeom prst="rect">
             <a:avLst/>
           </a:prstGeom>
-          <a:noFill/>
-          <a:extLst>
-            <a:ext uri="{909E8E84-426E-40DD-AFC4-6F175D3DCCD1}">
-              <a14:hiddenFill xmlns:a14="http://schemas.microsoft.com/office/drawing/2010/main">
-                <a:solidFill>
-                  <a:srgbClr val="FFFFFF"/>
-                </a:solidFill>
-              </a14:hiddenFill>
-            </a:ext>
-          </a:extLst>
         </p:spPr>
       </p:pic>
-      <p:pic>
-        <p:nvPicPr>
-          <p:cNvPr id="6" name="Picture 4" descr="D:\Download\1_wqYF-8Dmh7LhtLkKfERc3Q.png"/>
-          <p:cNvPicPr>
-            <a:picLocks noChangeAspect="1" noChangeArrowheads="1"/>
-          </p:cNvPicPr>
-          <p:nvPr/>
-        </p:nvPicPr>
-        <p:blipFill>
-          <a:blip r:embed="rId4" cstate="print">
-            <a:extLst>
-              <a:ext uri="{28A0092B-C50C-407E-A947-70E740481C1C}">
-                <a14:useLocalDpi xmlns:a14="http://schemas.microsoft.com/office/drawing/2010/main" val="0"/>
-              </a:ext>
-            </a:extLst>
-          </a:blip>
-          <a:srcRect/>
-          <a:stretch>
-            <a:fillRect/>
-          </a:stretch>
-        </p:blipFill>
-        <p:spPr bwMode="auto">
-          <a:xfrm>
-            <a:off x="7392144" y="2276872"/>
-            <a:ext cx="2088232" cy="2088232"/>
-          </a:xfrm>
-          <a:prstGeom prst="rect">
-            <a:avLst/>
-          </a:prstGeom>
-          <a:noFill/>
-          <a:extLst>
-            <a:ext uri="{909E8E84-426E-40DD-AFC4-6F175D3DCCD1}">
-              <a14:hiddenFill xmlns:a14="http://schemas.microsoft.com/office/drawing/2010/main">
-                <a:solidFill>
-                  <a:srgbClr val="FFFFFF"/>
-                </a:solidFill>
-              </a14:hiddenFill>
-            </a:ext>
-          </a:extLst>
-        </p:spPr>
-      </p:pic>
-      <p:sp>
-        <p:nvSpPr>
-          <p:cNvPr id="7" name="왼쪽/오른쪽 화살표 6"/>
-          <p:cNvSpPr/>
-          <p:nvPr/>
-        </p:nvSpPr>
-        <p:spPr>
-          <a:xfrm>
-            <a:off x="5523428" y="3320988"/>
-            <a:ext cx="788597" cy="492384"/>
-          </a:xfrm>
-          <a:prstGeom prst="leftRightArrow">
-            <a:avLst/>
-          </a:prstGeom>
-          <a:solidFill>
-            <a:schemeClr val="accent4">
-              <a:lumMod val="50000"/>
-            </a:schemeClr>
-          </a:solidFill>
-          <a:ln>
-            <a:noFill/>
-          </a:ln>
-        </p:spPr>
-        <p:style>
-          <a:lnRef idx="2">
-            <a:schemeClr val="accent1">
-              <a:shade val="50000"/>
-            </a:schemeClr>
-          </a:lnRef>
-          <a:fillRef idx="1">
-            <a:schemeClr val="accent1"/>
-          </a:fillRef>
-          <a:effectRef idx="0">
-            <a:schemeClr val="accent1"/>
-          </a:effectRef>
-          <a:fontRef idx="minor">
-            <a:schemeClr val="lt1"/>
-          </a:fontRef>
-        </p:style>
-        <p:txBody>
-          <a:bodyPr rtlCol="0" anchor="ctr"/>
-          <a:lstStyle/>
-          <a:p>
-            <a:pPr algn="ctr"/>
-            <a:endParaRPr lang="ko-KR" altLang="en-US">
-              <a:solidFill>
-                <a:prstClr val="white"/>
-              </a:solidFill>
-            </a:endParaRPr>
-          </a:p>
-        </p:txBody>
-      </p:sp>
-      <p:sp>
-        <p:nvSpPr>
-          <p:cNvPr id="8" name="직사각형 7"/>
-          <p:cNvSpPr/>
-          <p:nvPr/>
-        </p:nvSpPr>
-        <p:spPr>
-          <a:xfrm>
-            <a:off x="1919536" y="4653136"/>
-            <a:ext cx="3346626" cy="864096"/>
-          </a:xfrm>
-          <a:prstGeom prst="rect">
-            <a:avLst/>
-          </a:prstGeom>
-          <a:solidFill>
-            <a:schemeClr val="accent4">
-              <a:lumMod val="50000"/>
-            </a:schemeClr>
-          </a:solidFill>
-          <a:ln>
-            <a:noFill/>
-          </a:ln>
-        </p:spPr>
-        <p:style>
-          <a:lnRef idx="2">
-            <a:schemeClr val="accent1">
-              <a:shade val="50000"/>
-            </a:schemeClr>
-          </a:lnRef>
-          <a:fillRef idx="1">
-            <a:schemeClr val="accent1"/>
-          </a:fillRef>
-          <a:effectRef idx="0">
-            <a:schemeClr val="accent1"/>
-          </a:effectRef>
-          <a:fontRef idx="minor">
-            <a:schemeClr val="lt1"/>
-          </a:fontRef>
-        </p:style>
-        <p:txBody>
-          <a:bodyPr rtlCol="0" anchor="ctr"/>
-          <a:lstStyle/>
-          <a:p>
-            <a:pPr algn="ctr"/>
-            <a:r>
-              <a:rPr lang="en-US" altLang="ko-KR" sz="2400" b="1" dirty="0">
-                <a:solidFill>
-                  <a:prstClr val="white"/>
-                </a:solidFill>
-              </a:rPr>
-              <a:t>Customer</a:t>
-            </a:r>
-            <a:endParaRPr lang="ko-KR" altLang="en-US" sz="2400" b="1" dirty="0">
-              <a:solidFill>
-                <a:prstClr val="white"/>
-              </a:solidFill>
-            </a:endParaRPr>
-          </a:p>
-        </p:txBody>
-      </p:sp>
-      <p:sp>
-        <p:nvSpPr>
-          <p:cNvPr id="10" name="직사각형 9"/>
-          <p:cNvSpPr/>
-          <p:nvPr/>
-        </p:nvSpPr>
-        <p:spPr>
-          <a:xfrm>
-            <a:off x="6744072" y="4653136"/>
-            <a:ext cx="3528392" cy="864096"/>
-          </a:xfrm>
-          <a:prstGeom prst="rect">
-            <a:avLst/>
-          </a:prstGeom>
-          <a:solidFill>
-            <a:schemeClr val="accent4">
-              <a:lumMod val="50000"/>
-            </a:schemeClr>
-          </a:solidFill>
-          <a:ln>
-            <a:noFill/>
-          </a:ln>
-        </p:spPr>
-        <p:style>
-          <a:lnRef idx="2">
-            <a:schemeClr val="accent1">
-              <a:shade val="50000"/>
-            </a:schemeClr>
-          </a:lnRef>
-          <a:fillRef idx="1">
-            <a:schemeClr val="accent1"/>
-          </a:fillRef>
-          <a:effectRef idx="0">
-            <a:schemeClr val="accent1"/>
-          </a:effectRef>
-          <a:fontRef idx="minor">
-            <a:schemeClr val="lt1"/>
-          </a:fontRef>
-        </p:style>
-        <p:txBody>
-          <a:bodyPr rtlCol="0" anchor="ctr"/>
-          <a:lstStyle/>
-          <a:p>
-            <a:pPr algn="ctr"/>
-            <a:r>
-              <a:rPr lang="en-US" altLang="ko-KR" sz="2400" b="1" dirty="0">
-                <a:solidFill>
-                  <a:prstClr val="white"/>
-                </a:solidFill>
-              </a:rPr>
-              <a:t>Vue.js</a:t>
-            </a:r>
-            <a:endParaRPr lang="ko-KR" altLang="en-US" sz="2400" b="1" dirty="0">
-              <a:solidFill>
-                <a:prstClr val="white"/>
-              </a:solidFill>
-            </a:endParaRPr>
-          </a:p>
-        </p:txBody>
-      </p:sp>
-      <p:sp>
-        <p:nvSpPr>
-          <p:cNvPr id="11" name="타원 10"/>
-          <p:cNvSpPr/>
-          <p:nvPr/>
-        </p:nvSpPr>
-        <p:spPr>
-          <a:xfrm>
-            <a:off x="6312024" y="4645738"/>
-            <a:ext cx="864096" cy="864096"/>
-          </a:xfrm>
-          <a:prstGeom prst="ellipse">
-            <a:avLst/>
-          </a:prstGeom>
-          <a:solidFill>
-            <a:schemeClr val="accent4">
-              <a:lumMod val="50000"/>
-            </a:schemeClr>
-          </a:solidFill>
-          <a:ln>
-            <a:noFill/>
-          </a:ln>
-        </p:spPr>
-        <p:style>
-          <a:lnRef idx="2">
-            <a:schemeClr val="accent1">
-              <a:shade val="50000"/>
-            </a:schemeClr>
-          </a:lnRef>
-          <a:fillRef idx="1">
-            <a:schemeClr val="accent1"/>
-          </a:fillRef>
-          <a:effectRef idx="0">
-            <a:schemeClr val="accent1"/>
-          </a:effectRef>
-          <a:fontRef idx="minor">
-            <a:schemeClr val="lt1"/>
-          </a:fontRef>
-        </p:style>
-        <p:txBody>
-          <a:bodyPr rtlCol="0" anchor="ctr"/>
-          <a:lstStyle/>
-          <a:p>
-            <a:pPr algn="ctr"/>
-            <a:endParaRPr lang="ko-KR" altLang="en-US">
-              <a:solidFill>
-                <a:prstClr val="white"/>
-              </a:solidFill>
-            </a:endParaRPr>
-          </a:p>
-        </p:txBody>
-      </p:sp>
-      <p:sp>
-        <p:nvSpPr>
-          <p:cNvPr id="12" name="직사각형 11"/>
-          <p:cNvSpPr/>
-          <p:nvPr/>
-        </p:nvSpPr>
-        <p:spPr>
-          <a:xfrm>
-            <a:off x="1919536" y="404664"/>
-            <a:ext cx="8352928" cy="1296144"/>
-          </a:xfrm>
-          <a:prstGeom prst="rect">
-            <a:avLst/>
-          </a:prstGeom>
-          <a:solidFill>
-            <a:schemeClr val="accent4">
-              <a:lumMod val="50000"/>
-            </a:schemeClr>
-          </a:solidFill>
-          <a:ln>
-            <a:noFill/>
-          </a:ln>
-        </p:spPr>
-        <p:style>
-          <a:lnRef idx="2">
-            <a:schemeClr val="accent1">
-              <a:shade val="50000"/>
-            </a:schemeClr>
-          </a:lnRef>
-          <a:fillRef idx="1">
-            <a:schemeClr val="accent1"/>
-          </a:fillRef>
-          <a:effectRef idx="0">
-            <a:schemeClr val="accent1"/>
-          </a:effectRef>
-          <a:fontRef idx="minor">
-            <a:schemeClr val="lt1"/>
-          </a:fontRef>
-        </p:style>
-        <p:txBody>
-          <a:bodyPr rtlCol="0" anchor="ctr"/>
-          <a:lstStyle/>
-          <a:p>
-            <a:r>
-              <a:rPr lang="en-US" altLang="ko-KR" sz="4400" b="1" dirty="0">
-                <a:solidFill>
-                  <a:prstClr val="white"/>
-                </a:solidFill>
-              </a:rPr>
-              <a:t>  </a:t>
-            </a:r>
-            <a:r>
-              <a:rPr lang="en-US" altLang="ko-KR" sz="4400" b="1" dirty="0">
-                <a:solidFill>
-                  <a:srgbClr val="FFFF00"/>
-                </a:solidFill>
-              </a:rPr>
-              <a:t>F</a:t>
-            </a:r>
-            <a:r>
-              <a:rPr lang="en-US" altLang="ko-KR" sz="4400" b="1" dirty="0">
-                <a:solidFill>
-                  <a:prstClr val="white"/>
-                </a:solidFill>
-              </a:rPr>
-              <a:t>rontend</a:t>
-            </a:r>
-            <a:endParaRPr lang="ko-KR" altLang="en-US" sz="4400" b="1" dirty="0">
-              <a:solidFill>
-                <a:prstClr val="white"/>
-              </a:solidFill>
-            </a:endParaRPr>
-          </a:p>
-        </p:txBody>
-      </p:sp>
     </p:spTree>
     <p:extLst>
       <p:ext uri="{BB962C8B-B14F-4D97-AF65-F5344CB8AC3E}">
-        <p14:creationId xmlns:p14="http://schemas.microsoft.com/office/powerpoint/2010/main" val="3659935979"/>
+        <p14:creationId xmlns:p14="http://schemas.microsoft.com/office/powerpoint/2010/main" val="2606941567"/>
       </p:ext>
     </p:extLst>
   </p:cSld>
@@ -11539,6 +12259,1487 @@
       </p:grpSpPr>
       <p:sp>
         <p:nvSpPr>
+          <p:cNvPr id="2" name="제목 1"/>
+          <p:cNvSpPr>
+            <a:spLocks noGrp="1"/>
+          </p:cNvSpPr>
+          <p:nvPr>
+            <p:ph type="ctrTitle"/>
+          </p:nvPr>
+        </p:nvSpPr>
+        <p:spPr>
+          <a:xfrm>
+            <a:off x="10612877" y="6527260"/>
+            <a:ext cx="1579123" cy="330740"/>
+          </a:xfrm>
+        </p:spPr>
+        <p:txBody>
+          <a:bodyPr>
+            <a:normAutofit fontScale="90000"/>
+          </a:bodyPr>
+          <a:lstStyle/>
+          <a:p>
+            <a:pPr>
+              <a:lnSpc>
+                <a:spcPct val="150000"/>
+              </a:lnSpc>
+            </a:pPr>
+            <a:r>
+              <a:rPr lang="en-US" altLang="ko-KR" sz="1600" b="1" dirty="0">
+                <a:solidFill>
+                  <a:schemeClr val="accent4">
+                    <a:lumMod val="50000"/>
+                  </a:schemeClr>
+                </a:solidFill>
+              </a:rPr>
+              <a:t>Design Concept</a:t>
+            </a:r>
+            <a:endParaRPr lang="ko-KR" altLang="en-US" dirty="0"/>
+          </a:p>
+        </p:txBody>
+      </p:sp>
+      <p:sp>
+        <p:nvSpPr>
+          <p:cNvPr id="42" name="TextBox 41">
+            <a:extLst>
+              <a:ext uri="{FF2B5EF4-FFF2-40B4-BE49-F238E27FC236}">
+                <a16:creationId xmlns="" xmlns:a16="http://schemas.microsoft.com/office/drawing/2014/main" id="{176D7272-AB80-461D-9F78-BCE494853F7E}"/>
+              </a:ext>
+            </a:extLst>
+          </p:cNvPr>
+          <p:cNvSpPr txBox="1"/>
+          <p:nvPr/>
+        </p:nvSpPr>
+        <p:spPr>
+          <a:xfrm>
+            <a:off x="621555" y="423792"/>
+            <a:ext cx="6331904" cy="646331"/>
+          </a:xfrm>
+          <a:prstGeom prst="rect">
+            <a:avLst/>
+          </a:prstGeom>
+          <a:solidFill>
+            <a:schemeClr val="accent4"/>
+          </a:solidFill>
+        </p:spPr>
+        <p:txBody>
+          <a:bodyPr wrap="square" rtlCol="0">
+            <a:spAutoFit/>
+          </a:bodyPr>
+          <a:lstStyle/>
+          <a:p>
+            <a:pPr algn="just"/>
+            <a:r>
+              <a:rPr lang="ko-KR" altLang="en-US" sz="3600" b="1" dirty="0" smtClean="0">
+                <a:solidFill>
+                  <a:schemeClr val="accent4">
+                    <a:lumMod val="50000"/>
+                  </a:schemeClr>
+                </a:solidFill>
+              </a:rPr>
+              <a:t>최고의 리뷰 분석 서비스 제</a:t>
+            </a:r>
+            <a:r>
+              <a:rPr lang="ko-KR" altLang="en-US" sz="3600" b="1" dirty="0" smtClean="0">
+                <a:solidFill>
+                  <a:schemeClr val="accent4">
+                    <a:lumMod val="50000"/>
+                  </a:schemeClr>
+                </a:solidFill>
+              </a:rPr>
+              <a:t>공</a:t>
+            </a:r>
+            <a:endParaRPr lang="ko-KR" altLang="en-US" sz="3600" b="1" dirty="0">
+              <a:solidFill>
+                <a:schemeClr val="accent4">
+                  <a:lumMod val="50000"/>
+                </a:schemeClr>
+              </a:solidFill>
+            </a:endParaRPr>
+          </a:p>
+        </p:txBody>
+      </p:sp>
+      <p:sp>
+        <p:nvSpPr>
+          <p:cNvPr id="15" name="TextBox 14">
+            <a:extLst>
+              <a:ext uri="{FF2B5EF4-FFF2-40B4-BE49-F238E27FC236}">
+                <a16:creationId xmlns="" xmlns:a16="http://schemas.microsoft.com/office/drawing/2014/main" id="{9C1E3425-69F6-471F-9286-9B8DF16A462E}"/>
+              </a:ext>
+            </a:extLst>
+          </p:cNvPr>
+          <p:cNvSpPr txBox="1"/>
+          <p:nvPr/>
+        </p:nvSpPr>
+        <p:spPr>
+          <a:xfrm>
+            <a:off x="896072" y="3399473"/>
+            <a:ext cx="3076402" cy="369332"/>
+          </a:xfrm>
+          <a:prstGeom prst="rect">
+            <a:avLst/>
+          </a:prstGeom>
+          <a:solidFill>
+            <a:schemeClr val="accent4"/>
+          </a:solidFill>
+        </p:spPr>
+        <p:txBody>
+          <a:bodyPr wrap="square" rtlCol="0">
+            <a:spAutoFit/>
+          </a:bodyPr>
+          <a:lstStyle/>
+          <a:p>
+            <a:r>
+              <a:rPr lang="ko-KR" altLang="en-US" b="1" dirty="0" smtClean="0">
+                <a:solidFill>
+                  <a:schemeClr val="accent4">
+                    <a:lumMod val="50000"/>
+                  </a:schemeClr>
+                </a:solidFill>
+              </a:rPr>
+              <a:t>키워드로 보는 리뷰 제공</a:t>
+            </a:r>
+            <a:endParaRPr lang="en-US" altLang="ko-KR" b="1" dirty="0">
+              <a:solidFill>
+                <a:srgbClr val="796A3A"/>
+              </a:solidFill>
+            </a:endParaRPr>
+          </a:p>
+        </p:txBody>
+      </p:sp>
+      <p:pic>
+        <p:nvPicPr>
+          <p:cNvPr id="6" name="그림 5"/>
+          <p:cNvPicPr>
+            <a:picLocks noChangeAspect="1"/>
+          </p:cNvPicPr>
+          <p:nvPr/>
+        </p:nvPicPr>
+        <p:blipFill>
+          <a:blip r:embed="rId3"/>
+          <a:stretch>
+            <a:fillRect/>
+          </a:stretch>
+        </p:blipFill>
+        <p:spPr>
+          <a:xfrm>
+            <a:off x="3972474" y="1706880"/>
+            <a:ext cx="7689842" cy="3887042"/>
+          </a:xfrm>
+          <a:prstGeom prst="rect">
+            <a:avLst/>
+          </a:prstGeom>
+        </p:spPr>
+      </p:pic>
+    </p:spTree>
+    <p:extLst>
+      <p:ext uri="{BB962C8B-B14F-4D97-AF65-F5344CB8AC3E}">
+        <p14:creationId xmlns:p14="http://schemas.microsoft.com/office/powerpoint/2010/main" val="1481549649"/>
+      </p:ext>
+    </p:extLst>
+  </p:cSld>
+  <p:clrMapOvr>
+    <a:masterClrMapping/>
+  </p:clrMapOvr>
+</p:sld>
+</file>
+
+<file path=ppt/slides/slide22.xml><?xml version="1.0" encoding="utf-8"?>
+<p:sld xmlns:a="http://schemas.openxmlformats.org/drawingml/2006/main" xmlns:r="http://schemas.openxmlformats.org/officeDocument/2006/relationships" xmlns:p="http://schemas.openxmlformats.org/presentationml/2006/main">
+  <p:cSld>
+    <p:bg>
+      <p:bgPr>
+        <a:solidFill>
+          <a:srgbClr val="FFC000"/>
+        </a:solidFill>
+        <a:effectLst/>
+      </p:bgPr>
+    </p:bg>
+    <p:spTree>
+      <p:nvGrpSpPr>
+        <p:cNvPr id="1" name=""/>
+        <p:cNvGrpSpPr/>
+        <p:nvPr/>
+      </p:nvGrpSpPr>
+      <p:grpSpPr>
+        <a:xfrm>
+          <a:off x="0" y="0"/>
+          <a:ext cx="0" cy="0"/>
+          <a:chOff x="0" y="0"/>
+          <a:chExt cx="0" cy="0"/>
+        </a:xfrm>
+      </p:grpSpPr>
+      <p:sp>
+        <p:nvSpPr>
+          <p:cNvPr id="2" name="제목 1"/>
+          <p:cNvSpPr>
+            <a:spLocks noGrp="1"/>
+          </p:cNvSpPr>
+          <p:nvPr>
+            <p:ph type="ctrTitle"/>
+          </p:nvPr>
+        </p:nvSpPr>
+        <p:spPr>
+          <a:xfrm>
+            <a:off x="10612877" y="6527260"/>
+            <a:ext cx="1579123" cy="330740"/>
+          </a:xfrm>
+        </p:spPr>
+        <p:txBody>
+          <a:bodyPr>
+            <a:normAutofit fontScale="90000"/>
+          </a:bodyPr>
+          <a:lstStyle/>
+          <a:p>
+            <a:pPr>
+              <a:lnSpc>
+                <a:spcPct val="150000"/>
+              </a:lnSpc>
+            </a:pPr>
+            <a:r>
+              <a:rPr lang="en-US" altLang="ko-KR" sz="1600" b="1" dirty="0">
+                <a:solidFill>
+                  <a:schemeClr val="accent4">
+                    <a:lumMod val="50000"/>
+                  </a:schemeClr>
+                </a:solidFill>
+              </a:rPr>
+              <a:t>Design Concept</a:t>
+            </a:r>
+            <a:endParaRPr lang="ko-KR" altLang="en-US" dirty="0"/>
+          </a:p>
+        </p:txBody>
+      </p:sp>
+      <p:sp>
+        <p:nvSpPr>
+          <p:cNvPr id="42" name="TextBox 41">
+            <a:extLst>
+              <a:ext uri="{FF2B5EF4-FFF2-40B4-BE49-F238E27FC236}">
+                <a16:creationId xmlns="" xmlns:a16="http://schemas.microsoft.com/office/drawing/2014/main" id="{176D7272-AB80-461D-9F78-BCE494853F7E}"/>
+              </a:ext>
+            </a:extLst>
+          </p:cNvPr>
+          <p:cNvSpPr txBox="1"/>
+          <p:nvPr/>
+        </p:nvSpPr>
+        <p:spPr>
+          <a:xfrm>
+            <a:off x="621555" y="423792"/>
+            <a:ext cx="6331904" cy="646331"/>
+          </a:xfrm>
+          <a:prstGeom prst="rect">
+            <a:avLst/>
+          </a:prstGeom>
+          <a:solidFill>
+            <a:schemeClr val="accent4"/>
+          </a:solidFill>
+        </p:spPr>
+        <p:txBody>
+          <a:bodyPr wrap="square" rtlCol="0">
+            <a:spAutoFit/>
+          </a:bodyPr>
+          <a:lstStyle/>
+          <a:p>
+            <a:pPr algn="just"/>
+            <a:r>
+              <a:rPr lang="ko-KR" altLang="en-US" sz="3600" b="1" dirty="0" smtClean="0">
+                <a:solidFill>
+                  <a:schemeClr val="accent4">
+                    <a:lumMod val="50000"/>
+                  </a:schemeClr>
+                </a:solidFill>
+              </a:rPr>
+              <a:t>최고의 리뷰 분석 서비스 제</a:t>
+            </a:r>
+            <a:r>
+              <a:rPr lang="ko-KR" altLang="en-US" sz="3600" b="1" dirty="0" smtClean="0">
+                <a:solidFill>
+                  <a:schemeClr val="accent4">
+                    <a:lumMod val="50000"/>
+                  </a:schemeClr>
+                </a:solidFill>
+              </a:rPr>
+              <a:t>공</a:t>
+            </a:r>
+            <a:endParaRPr lang="ko-KR" altLang="en-US" sz="3600" b="1" dirty="0">
+              <a:solidFill>
+                <a:schemeClr val="accent4">
+                  <a:lumMod val="50000"/>
+                </a:schemeClr>
+              </a:solidFill>
+            </a:endParaRPr>
+          </a:p>
+        </p:txBody>
+      </p:sp>
+      <p:sp>
+        <p:nvSpPr>
+          <p:cNvPr id="15" name="TextBox 14">
+            <a:extLst>
+              <a:ext uri="{FF2B5EF4-FFF2-40B4-BE49-F238E27FC236}">
+                <a16:creationId xmlns="" xmlns:a16="http://schemas.microsoft.com/office/drawing/2014/main" id="{9C1E3425-69F6-471F-9286-9B8DF16A462E}"/>
+              </a:ext>
+            </a:extLst>
+          </p:cNvPr>
+          <p:cNvSpPr txBox="1"/>
+          <p:nvPr/>
+        </p:nvSpPr>
+        <p:spPr>
+          <a:xfrm>
+            <a:off x="896072" y="3399473"/>
+            <a:ext cx="3076402" cy="369332"/>
+          </a:xfrm>
+          <a:prstGeom prst="rect">
+            <a:avLst/>
+          </a:prstGeom>
+          <a:solidFill>
+            <a:schemeClr val="accent4"/>
+          </a:solidFill>
+        </p:spPr>
+        <p:txBody>
+          <a:bodyPr wrap="square" rtlCol="0">
+            <a:spAutoFit/>
+          </a:bodyPr>
+          <a:lstStyle/>
+          <a:p>
+            <a:r>
+              <a:rPr lang="ko-KR" altLang="en-US" b="1" dirty="0" smtClean="0">
+                <a:solidFill>
+                  <a:schemeClr val="accent4">
+                    <a:lumMod val="50000"/>
+                  </a:schemeClr>
+                </a:solidFill>
+              </a:rPr>
+              <a:t>키워드 별 리뷰 평점 제공</a:t>
+            </a:r>
+            <a:endParaRPr lang="en-US" altLang="ko-KR" b="1" dirty="0">
+              <a:solidFill>
+                <a:srgbClr val="796A3A"/>
+              </a:solidFill>
+            </a:endParaRPr>
+          </a:p>
+        </p:txBody>
+      </p:sp>
+      <p:pic>
+        <p:nvPicPr>
+          <p:cNvPr id="3" name="그림 2"/>
+          <p:cNvPicPr>
+            <a:picLocks noChangeAspect="1"/>
+          </p:cNvPicPr>
+          <p:nvPr/>
+        </p:nvPicPr>
+        <p:blipFill>
+          <a:blip r:embed="rId3"/>
+          <a:stretch>
+            <a:fillRect/>
+          </a:stretch>
+        </p:blipFill>
+        <p:spPr>
+          <a:xfrm>
+            <a:off x="4833148" y="1778000"/>
+            <a:ext cx="3179599" cy="3789680"/>
+          </a:xfrm>
+          <a:prstGeom prst="rect">
+            <a:avLst/>
+          </a:prstGeom>
+        </p:spPr>
+      </p:pic>
+    </p:spTree>
+    <p:extLst>
+      <p:ext uri="{BB962C8B-B14F-4D97-AF65-F5344CB8AC3E}">
+        <p14:creationId xmlns:p14="http://schemas.microsoft.com/office/powerpoint/2010/main" val="2437896265"/>
+      </p:ext>
+    </p:extLst>
+  </p:cSld>
+  <p:clrMapOvr>
+    <a:masterClrMapping/>
+  </p:clrMapOvr>
+</p:sld>
+</file>
+
+<file path=ppt/slides/slide23.xml><?xml version="1.0" encoding="utf-8"?>
+<p:sld xmlns:a="http://schemas.openxmlformats.org/drawingml/2006/main" xmlns:r="http://schemas.openxmlformats.org/officeDocument/2006/relationships" xmlns:p="http://schemas.openxmlformats.org/presentationml/2006/main">
+  <p:cSld>
+    <p:bg>
+      <p:bgPr>
+        <a:solidFill>
+          <a:srgbClr val="FFC000"/>
+        </a:solidFill>
+        <a:effectLst/>
+      </p:bgPr>
+    </p:bg>
+    <p:spTree>
+      <p:nvGrpSpPr>
+        <p:cNvPr id="1" name=""/>
+        <p:cNvGrpSpPr/>
+        <p:nvPr/>
+      </p:nvGrpSpPr>
+      <p:grpSpPr>
+        <a:xfrm>
+          <a:off x="0" y="0"/>
+          <a:ext cx="0" cy="0"/>
+          <a:chOff x="0" y="0"/>
+          <a:chExt cx="0" cy="0"/>
+        </a:xfrm>
+      </p:grpSpPr>
+      <p:sp>
+        <p:nvSpPr>
+          <p:cNvPr id="2" name="제목 1"/>
+          <p:cNvSpPr>
+            <a:spLocks noGrp="1"/>
+          </p:cNvSpPr>
+          <p:nvPr>
+            <p:ph type="ctrTitle"/>
+          </p:nvPr>
+        </p:nvSpPr>
+        <p:spPr>
+          <a:xfrm>
+            <a:off x="10612877" y="6527260"/>
+            <a:ext cx="1579123" cy="330740"/>
+          </a:xfrm>
+        </p:spPr>
+        <p:txBody>
+          <a:bodyPr>
+            <a:normAutofit fontScale="90000"/>
+          </a:bodyPr>
+          <a:lstStyle/>
+          <a:p>
+            <a:pPr>
+              <a:lnSpc>
+                <a:spcPct val="150000"/>
+              </a:lnSpc>
+            </a:pPr>
+            <a:r>
+              <a:rPr lang="en-US" altLang="ko-KR" sz="1600" b="1" dirty="0">
+                <a:solidFill>
+                  <a:schemeClr val="accent4">
+                    <a:lumMod val="50000"/>
+                  </a:schemeClr>
+                </a:solidFill>
+              </a:rPr>
+              <a:t>Design Concept</a:t>
+            </a:r>
+            <a:endParaRPr lang="ko-KR" altLang="en-US" dirty="0"/>
+          </a:p>
+        </p:txBody>
+      </p:sp>
+      <p:sp>
+        <p:nvSpPr>
+          <p:cNvPr id="42" name="TextBox 41">
+            <a:extLst>
+              <a:ext uri="{FF2B5EF4-FFF2-40B4-BE49-F238E27FC236}">
+                <a16:creationId xmlns="" xmlns:a16="http://schemas.microsoft.com/office/drawing/2014/main" id="{176D7272-AB80-461D-9F78-BCE494853F7E}"/>
+              </a:ext>
+            </a:extLst>
+          </p:cNvPr>
+          <p:cNvSpPr txBox="1"/>
+          <p:nvPr/>
+        </p:nvSpPr>
+        <p:spPr>
+          <a:xfrm>
+            <a:off x="621555" y="423792"/>
+            <a:ext cx="6331904" cy="646331"/>
+          </a:xfrm>
+          <a:prstGeom prst="rect">
+            <a:avLst/>
+          </a:prstGeom>
+          <a:solidFill>
+            <a:schemeClr val="accent4"/>
+          </a:solidFill>
+        </p:spPr>
+        <p:txBody>
+          <a:bodyPr wrap="square" rtlCol="0">
+            <a:spAutoFit/>
+          </a:bodyPr>
+          <a:lstStyle/>
+          <a:p>
+            <a:pPr algn="just"/>
+            <a:r>
+              <a:rPr lang="ko-KR" altLang="en-US" sz="3600" b="1" dirty="0" smtClean="0">
+                <a:solidFill>
+                  <a:schemeClr val="accent4">
+                    <a:lumMod val="50000"/>
+                  </a:schemeClr>
+                </a:solidFill>
+              </a:rPr>
+              <a:t>최고의 리뷰 분석 서비스 제</a:t>
+            </a:r>
+            <a:r>
+              <a:rPr lang="ko-KR" altLang="en-US" sz="3600" b="1" dirty="0" smtClean="0">
+                <a:solidFill>
+                  <a:schemeClr val="accent4">
+                    <a:lumMod val="50000"/>
+                  </a:schemeClr>
+                </a:solidFill>
+              </a:rPr>
+              <a:t>공</a:t>
+            </a:r>
+            <a:endParaRPr lang="ko-KR" altLang="en-US" sz="3600" b="1" dirty="0">
+              <a:solidFill>
+                <a:schemeClr val="accent4">
+                  <a:lumMod val="50000"/>
+                </a:schemeClr>
+              </a:solidFill>
+            </a:endParaRPr>
+          </a:p>
+        </p:txBody>
+      </p:sp>
+      <p:sp>
+        <p:nvSpPr>
+          <p:cNvPr id="15" name="TextBox 14">
+            <a:extLst>
+              <a:ext uri="{FF2B5EF4-FFF2-40B4-BE49-F238E27FC236}">
+                <a16:creationId xmlns="" xmlns:a16="http://schemas.microsoft.com/office/drawing/2014/main" id="{9C1E3425-69F6-471F-9286-9B8DF16A462E}"/>
+              </a:ext>
+            </a:extLst>
+          </p:cNvPr>
+          <p:cNvSpPr txBox="1"/>
+          <p:nvPr/>
+        </p:nvSpPr>
+        <p:spPr>
+          <a:xfrm>
+            <a:off x="1198880" y="3260973"/>
+            <a:ext cx="4053754" cy="646331"/>
+          </a:xfrm>
+          <a:prstGeom prst="rect">
+            <a:avLst/>
+          </a:prstGeom>
+          <a:solidFill>
+            <a:schemeClr val="accent4"/>
+          </a:solidFill>
+        </p:spPr>
+        <p:txBody>
+          <a:bodyPr wrap="square" rtlCol="0">
+            <a:spAutoFit/>
+          </a:bodyPr>
+          <a:lstStyle/>
+          <a:p>
+            <a:r>
+              <a:rPr lang="ko-KR" altLang="en-US" b="1" dirty="0" smtClean="0">
+                <a:solidFill>
+                  <a:schemeClr val="accent4">
+                    <a:lumMod val="50000"/>
+                  </a:schemeClr>
+                </a:solidFill>
+              </a:rPr>
+              <a:t>리뷰에 대한 평가와 </a:t>
+            </a:r>
+            <a:endParaRPr lang="en-US" altLang="ko-KR" b="1" dirty="0" smtClean="0">
+              <a:solidFill>
+                <a:schemeClr val="accent4">
+                  <a:lumMod val="50000"/>
+                </a:schemeClr>
+              </a:solidFill>
+            </a:endParaRPr>
+          </a:p>
+          <a:p>
+            <a:r>
+              <a:rPr lang="ko-KR" altLang="en-US" b="1" dirty="0" smtClean="0">
+                <a:solidFill>
+                  <a:schemeClr val="accent4">
+                    <a:lumMod val="50000"/>
+                  </a:schemeClr>
+                </a:solidFill>
+              </a:rPr>
+              <a:t>신뢰성 지표 제공</a:t>
+            </a:r>
+            <a:endParaRPr lang="en-US" altLang="ko-KR" b="1" dirty="0">
+              <a:solidFill>
+                <a:srgbClr val="796A3A"/>
+              </a:solidFill>
+            </a:endParaRPr>
+          </a:p>
+        </p:txBody>
+      </p:sp>
+      <p:pic>
+        <p:nvPicPr>
+          <p:cNvPr id="3" name="그림 2"/>
+          <p:cNvPicPr>
+            <a:picLocks noChangeAspect="1"/>
+          </p:cNvPicPr>
+          <p:nvPr/>
+        </p:nvPicPr>
+        <p:blipFill>
+          <a:blip r:embed="rId3"/>
+          <a:stretch>
+            <a:fillRect/>
+          </a:stretch>
+        </p:blipFill>
+        <p:spPr>
+          <a:xfrm>
+            <a:off x="4061827" y="2079189"/>
+            <a:ext cx="7534275" cy="3009900"/>
+          </a:xfrm>
+          <a:prstGeom prst="rect">
+            <a:avLst/>
+          </a:prstGeom>
+        </p:spPr>
+      </p:pic>
+    </p:spTree>
+    <p:extLst>
+      <p:ext uri="{BB962C8B-B14F-4D97-AF65-F5344CB8AC3E}">
+        <p14:creationId xmlns:p14="http://schemas.microsoft.com/office/powerpoint/2010/main" val="1157401944"/>
+      </p:ext>
+    </p:extLst>
+  </p:cSld>
+  <p:clrMapOvr>
+    <a:masterClrMapping/>
+  </p:clrMapOvr>
+</p:sld>
+</file>
+
+<file path=ppt/slides/slide24.xml><?xml version="1.0" encoding="utf-8"?>
+<p:sld xmlns:a="http://schemas.openxmlformats.org/drawingml/2006/main" xmlns:r="http://schemas.openxmlformats.org/officeDocument/2006/relationships" xmlns:p="http://schemas.openxmlformats.org/presentationml/2006/main">
+  <p:cSld>
+    <p:bg>
+      <p:bgPr>
+        <a:solidFill>
+          <a:srgbClr val="FFC000"/>
+        </a:solidFill>
+        <a:effectLst/>
+      </p:bgPr>
+    </p:bg>
+    <p:spTree>
+      <p:nvGrpSpPr>
+        <p:cNvPr id="1" name=""/>
+        <p:cNvGrpSpPr/>
+        <p:nvPr/>
+      </p:nvGrpSpPr>
+      <p:grpSpPr>
+        <a:xfrm>
+          <a:off x="0" y="0"/>
+          <a:ext cx="0" cy="0"/>
+          <a:chOff x="0" y="0"/>
+          <a:chExt cx="0" cy="0"/>
+        </a:xfrm>
+      </p:grpSpPr>
+      <p:sp>
+        <p:nvSpPr>
+          <p:cNvPr id="2" name="제목 1"/>
+          <p:cNvSpPr>
+            <a:spLocks noGrp="1"/>
+          </p:cNvSpPr>
+          <p:nvPr>
+            <p:ph type="ctrTitle"/>
+          </p:nvPr>
+        </p:nvSpPr>
+        <p:spPr>
+          <a:xfrm>
+            <a:off x="10612877" y="6527260"/>
+            <a:ext cx="1579123" cy="330740"/>
+          </a:xfrm>
+        </p:spPr>
+        <p:txBody>
+          <a:bodyPr>
+            <a:normAutofit fontScale="90000"/>
+          </a:bodyPr>
+          <a:lstStyle/>
+          <a:p>
+            <a:pPr>
+              <a:lnSpc>
+                <a:spcPct val="150000"/>
+              </a:lnSpc>
+            </a:pPr>
+            <a:r>
+              <a:rPr lang="en-US" altLang="ko-KR" sz="1600" b="1" dirty="0">
+                <a:solidFill>
+                  <a:schemeClr val="accent4">
+                    <a:lumMod val="50000"/>
+                  </a:schemeClr>
+                </a:solidFill>
+              </a:rPr>
+              <a:t>Design Concept</a:t>
+            </a:r>
+            <a:endParaRPr lang="ko-KR" altLang="en-US" dirty="0"/>
+          </a:p>
+        </p:txBody>
+      </p:sp>
+      <p:sp>
+        <p:nvSpPr>
+          <p:cNvPr id="42" name="TextBox 41">
+            <a:extLst>
+              <a:ext uri="{FF2B5EF4-FFF2-40B4-BE49-F238E27FC236}">
+                <a16:creationId xmlns="" xmlns:a16="http://schemas.microsoft.com/office/drawing/2014/main" id="{176D7272-AB80-461D-9F78-BCE494853F7E}"/>
+              </a:ext>
+            </a:extLst>
+          </p:cNvPr>
+          <p:cNvSpPr txBox="1"/>
+          <p:nvPr/>
+        </p:nvSpPr>
+        <p:spPr>
+          <a:xfrm>
+            <a:off x="621555" y="423792"/>
+            <a:ext cx="6331904" cy="646331"/>
+          </a:xfrm>
+          <a:prstGeom prst="rect">
+            <a:avLst/>
+          </a:prstGeom>
+          <a:solidFill>
+            <a:schemeClr val="accent4"/>
+          </a:solidFill>
+        </p:spPr>
+        <p:txBody>
+          <a:bodyPr wrap="square" rtlCol="0">
+            <a:spAutoFit/>
+          </a:bodyPr>
+          <a:lstStyle/>
+          <a:p>
+            <a:pPr algn="just"/>
+            <a:r>
+              <a:rPr lang="ko-KR" altLang="en-US" sz="3600" b="1" dirty="0" smtClean="0">
+                <a:solidFill>
+                  <a:schemeClr val="accent4">
+                    <a:lumMod val="50000"/>
+                  </a:schemeClr>
+                </a:solidFill>
+              </a:rPr>
+              <a:t>최고의 리뷰 분석 서비스 제</a:t>
+            </a:r>
+            <a:r>
+              <a:rPr lang="ko-KR" altLang="en-US" sz="3600" b="1" dirty="0" smtClean="0">
+                <a:solidFill>
+                  <a:schemeClr val="accent4">
+                    <a:lumMod val="50000"/>
+                  </a:schemeClr>
+                </a:solidFill>
+              </a:rPr>
+              <a:t>공</a:t>
+            </a:r>
+            <a:endParaRPr lang="ko-KR" altLang="en-US" sz="3600" b="1" dirty="0">
+              <a:solidFill>
+                <a:schemeClr val="accent4">
+                  <a:lumMod val="50000"/>
+                </a:schemeClr>
+              </a:solidFill>
+            </a:endParaRPr>
+          </a:p>
+        </p:txBody>
+      </p:sp>
+      <p:sp>
+        <p:nvSpPr>
+          <p:cNvPr id="15" name="TextBox 14">
+            <a:extLst>
+              <a:ext uri="{FF2B5EF4-FFF2-40B4-BE49-F238E27FC236}">
+                <a16:creationId xmlns="" xmlns:a16="http://schemas.microsoft.com/office/drawing/2014/main" id="{9C1E3425-69F6-471F-9286-9B8DF16A462E}"/>
+              </a:ext>
+            </a:extLst>
+          </p:cNvPr>
+          <p:cNvSpPr txBox="1"/>
+          <p:nvPr/>
+        </p:nvSpPr>
+        <p:spPr>
+          <a:xfrm>
+            <a:off x="1198880" y="3260973"/>
+            <a:ext cx="4053754" cy="646331"/>
+          </a:xfrm>
+          <a:prstGeom prst="rect">
+            <a:avLst/>
+          </a:prstGeom>
+          <a:solidFill>
+            <a:schemeClr val="accent4"/>
+          </a:solidFill>
+        </p:spPr>
+        <p:txBody>
+          <a:bodyPr wrap="square" rtlCol="0">
+            <a:spAutoFit/>
+          </a:bodyPr>
+          <a:lstStyle/>
+          <a:p>
+            <a:r>
+              <a:rPr lang="ko-KR" altLang="en-US" b="1" dirty="0" smtClean="0">
+                <a:solidFill>
+                  <a:schemeClr val="accent4">
+                    <a:lumMod val="50000"/>
+                  </a:schemeClr>
+                </a:solidFill>
+              </a:rPr>
+              <a:t>리뷰의 정보를 숫자 이외에도</a:t>
+            </a:r>
+            <a:endParaRPr lang="en-US" altLang="ko-KR" b="1" dirty="0" smtClean="0">
+              <a:solidFill>
+                <a:schemeClr val="accent4">
+                  <a:lumMod val="50000"/>
+                </a:schemeClr>
+              </a:solidFill>
+            </a:endParaRPr>
+          </a:p>
+          <a:p>
+            <a:r>
+              <a:rPr lang="ko-KR" altLang="en-US" b="1" dirty="0" smtClean="0">
+                <a:solidFill>
+                  <a:schemeClr val="accent4">
+                    <a:lumMod val="50000"/>
+                  </a:schemeClr>
+                </a:solidFill>
+              </a:rPr>
+              <a:t>언어적 표현으로 나타냄</a:t>
+            </a:r>
+            <a:endParaRPr lang="en-US" altLang="ko-KR" b="1" dirty="0">
+              <a:solidFill>
+                <a:srgbClr val="796A3A"/>
+              </a:solidFill>
+            </a:endParaRPr>
+          </a:p>
+        </p:txBody>
+      </p:sp>
+      <p:pic>
+        <p:nvPicPr>
+          <p:cNvPr id="4" name="그림 3"/>
+          <p:cNvPicPr>
+            <a:picLocks noChangeAspect="1"/>
+          </p:cNvPicPr>
+          <p:nvPr/>
+        </p:nvPicPr>
+        <p:blipFill>
+          <a:blip r:embed="rId3"/>
+          <a:stretch>
+            <a:fillRect/>
+          </a:stretch>
+        </p:blipFill>
+        <p:spPr>
+          <a:xfrm>
+            <a:off x="4866640" y="3133296"/>
+            <a:ext cx="6421120" cy="875607"/>
+          </a:xfrm>
+          <a:prstGeom prst="rect">
+            <a:avLst/>
+          </a:prstGeom>
+        </p:spPr>
+      </p:pic>
+    </p:spTree>
+    <p:extLst>
+      <p:ext uri="{BB962C8B-B14F-4D97-AF65-F5344CB8AC3E}">
+        <p14:creationId xmlns:p14="http://schemas.microsoft.com/office/powerpoint/2010/main" val="790847072"/>
+      </p:ext>
+    </p:extLst>
+  </p:cSld>
+  <p:clrMapOvr>
+    <a:masterClrMapping/>
+  </p:clrMapOvr>
+</p:sld>
+</file>
+
+<file path=ppt/slides/slide25.xml><?xml version="1.0" encoding="utf-8"?>
+<p:sld xmlns:a="http://schemas.openxmlformats.org/drawingml/2006/main" xmlns:r="http://schemas.openxmlformats.org/officeDocument/2006/relationships" xmlns:p="http://schemas.openxmlformats.org/presentationml/2006/main">
+  <p:cSld>
+    <p:bg>
+      <p:bgPr>
+        <a:solidFill>
+          <a:srgbClr val="FFC000"/>
+        </a:solidFill>
+        <a:effectLst/>
+      </p:bgPr>
+    </p:bg>
+    <p:spTree>
+      <p:nvGrpSpPr>
+        <p:cNvPr id="1" name=""/>
+        <p:cNvGrpSpPr/>
+        <p:nvPr/>
+      </p:nvGrpSpPr>
+      <p:grpSpPr>
+        <a:xfrm>
+          <a:off x="0" y="0"/>
+          <a:ext cx="0" cy="0"/>
+          <a:chOff x="0" y="0"/>
+          <a:chExt cx="0" cy="0"/>
+        </a:xfrm>
+      </p:grpSpPr>
+      <p:sp>
+        <p:nvSpPr>
+          <p:cNvPr id="2" name="제목 1"/>
+          <p:cNvSpPr>
+            <a:spLocks noGrp="1"/>
+          </p:cNvSpPr>
+          <p:nvPr>
+            <p:ph type="ctrTitle"/>
+          </p:nvPr>
+        </p:nvSpPr>
+        <p:spPr>
+          <a:xfrm>
+            <a:off x="1514375" y="2752825"/>
+            <a:ext cx="9144000" cy="2387600"/>
+          </a:xfrm>
+        </p:spPr>
+        <p:txBody>
+          <a:bodyPr>
+            <a:normAutofit fontScale="90000"/>
+          </a:bodyPr>
+          <a:lstStyle/>
+          <a:p>
+            <a:pPr>
+              <a:lnSpc>
+                <a:spcPct val="150000"/>
+              </a:lnSpc>
+            </a:pPr>
+            <a:r>
+              <a:rPr lang="en-US" altLang="ko-KR" b="1" dirty="0">
+                <a:solidFill>
+                  <a:schemeClr val="accent4">
+                    <a:lumMod val="50000"/>
+                  </a:schemeClr>
+                </a:solidFill>
+              </a:rPr>
+              <a:t>Development</a:t>
+            </a:r>
+            <a:br>
+              <a:rPr lang="en-US" altLang="ko-KR" b="1" dirty="0">
+                <a:solidFill>
+                  <a:schemeClr val="accent4">
+                    <a:lumMod val="50000"/>
+                  </a:schemeClr>
+                </a:solidFill>
+              </a:rPr>
+            </a:br>
+            <a:r>
+              <a:rPr lang="ko-KR" altLang="en-US" sz="2000" b="1" dirty="0">
+                <a:solidFill>
+                  <a:schemeClr val="accent4">
+                    <a:lumMod val="50000"/>
+                  </a:schemeClr>
+                </a:solidFill>
+              </a:rPr>
+              <a:t>개발 기술 스택</a:t>
+            </a:r>
+            <a:r>
+              <a:rPr lang="en-US" altLang="ko-KR" b="1" dirty="0">
+                <a:solidFill>
+                  <a:schemeClr val="accent4">
+                    <a:lumMod val="50000"/>
+                  </a:schemeClr>
+                </a:solidFill>
+              </a:rPr>
+              <a:t/>
+            </a:r>
+            <a:br>
+              <a:rPr lang="en-US" altLang="ko-KR" b="1" dirty="0">
+                <a:solidFill>
+                  <a:schemeClr val="accent4">
+                    <a:lumMod val="50000"/>
+                  </a:schemeClr>
+                </a:solidFill>
+              </a:rPr>
+            </a:br>
+            <a:endParaRPr lang="ko-KR" altLang="en-US" dirty="0"/>
+          </a:p>
+        </p:txBody>
+      </p:sp>
+    </p:spTree>
+    <p:extLst>
+      <p:ext uri="{BB962C8B-B14F-4D97-AF65-F5344CB8AC3E}">
+        <p14:creationId xmlns:p14="http://schemas.microsoft.com/office/powerpoint/2010/main" val="2898747201"/>
+      </p:ext>
+    </p:extLst>
+  </p:cSld>
+  <p:clrMapOvr>
+    <a:masterClrMapping/>
+  </p:clrMapOvr>
+</p:sld>
+</file>
+
+<file path=ppt/slides/slide26.xml><?xml version="1.0" encoding="utf-8"?>
+<p:sld xmlns:a="http://schemas.openxmlformats.org/drawingml/2006/main" xmlns:r="http://schemas.openxmlformats.org/officeDocument/2006/relationships" xmlns:p="http://schemas.openxmlformats.org/presentationml/2006/main">
+  <p:cSld>
+    <p:bg>
+      <p:bgPr>
+        <a:solidFill>
+          <a:srgbClr val="FFC000"/>
+        </a:solidFill>
+        <a:effectLst/>
+      </p:bgPr>
+    </p:bg>
+    <p:spTree>
+      <p:nvGrpSpPr>
+        <p:cNvPr id="1" name=""/>
+        <p:cNvGrpSpPr/>
+        <p:nvPr/>
+      </p:nvGrpSpPr>
+      <p:grpSpPr>
+        <a:xfrm>
+          <a:off x="0" y="0"/>
+          <a:ext cx="0" cy="0"/>
+          <a:chOff x="0" y="0"/>
+          <a:chExt cx="0" cy="0"/>
+        </a:xfrm>
+      </p:grpSpPr>
+      <p:sp>
+        <p:nvSpPr>
+          <p:cNvPr id="3" name="제목 1"/>
+          <p:cNvSpPr txBox="1">
+            <a:spLocks/>
+          </p:cNvSpPr>
+          <p:nvPr/>
+        </p:nvSpPr>
+        <p:spPr>
+          <a:xfrm>
+            <a:off x="10700426" y="6420255"/>
+            <a:ext cx="1491574" cy="437745"/>
+          </a:xfrm>
+          <a:prstGeom prst="rect">
+            <a:avLst/>
+          </a:prstGeom>
+        </p:spPr>
+        <p:txBody>
+          <a:bodyPr vert="horz" lIns="91440" tIns="45720" rIns="91440" bIns="45720" rtlCol="0" anchor="b">
+            <a:normAutofit lnSpcReduction="10000"/>
+          </a:bodyPr>
+          <a:lstStyle>
+            <a:lvl1pPr algn="ctr" defTabSz="914400" rtl="0" eaLnBrk="1" latinLnBrk="1" hangingPunct="1">
+              <a:lnSpc>
+                <a:spcPct val="90000"/>
+              </a:lnSpc>
+              <a:spcBef>
+                <a:spcPct val="0"/>
+              </a:spcBef>
+              <a:buNone/>
+              <a:defRPr sz="6000" kern="1200">
+                <a:solidFill>
+                  <a:schemeClr val="tx1"/>
+                </a:solidFill>
+                <a:latin typeface="+mj-lt"/>
+                <a:ea typeface="+mj-ea"/>
+                <a:cs typeface="+mj-cs"/>
+              </a:defRPr>
+            </a:lvl1pPr>
+          </a:lstStyle>
+          <a:p>
+            <a:pPr>
+              <a:lnSpc>
+                <a:spcPct val="150000"/>
+              </a:lnSpc>
+            </a:pPr>
+            <a:r>
+              <a:rPr lang="en-US" altLang="ko-KR" sz="1600" b="1" dirty="0">
+                <a:solidFill>
+                  <a:srgbClr val="FFC000">
+                    <a:lumMod val="50000"/>
+                  </a:srgbClr>
+                </a:solidFill>
+              </a:rPr>
+              <a:t>Development</a:t>
+            </a:r>
+          </a:p>
+        </p:txBody>
+      </p:sp>
+      <p:pic>
+        <p:nvPicPr>
+          <p:cNvPr id="5" name="Picture 3" descr="D:\Download\employees.png"/>
+          <p:cNvPicPr>
+            <a:picLocks noChangeAspect="1" noChangeArrowheads="1"/>
+          </p:cNvPicPr>
+          <p:nvPr/>
+        </p:nvPicPr>
+        <p:blipFill>
+          <a:blip r:embed="rId3">
+            <a:extLst>
+              <a:ext uri="{28A0092B-C50C-407E-A947-70E740481C1C}">
+                <a14:useLocalDpi xmlns:a14="http://schemas.microsoft.com/office/drawing/2010/main" val="0"/>
+              </a:ext>
+            </a:extLst>
+          </a:blip>
+          <a:srcRect/>
+          <a:stretch>
+            <a:fillRect/>
+          </a:stretch>
+        </p:blipFill>
+        <p:spPr bwMode="auto">
+          <a:xfrm>
+            <a:off x="2243572" y="2132856"/>
+            <a:ext cx="2376265" cy="2376264"/>
+          </a:xfrm>
+          <a:prstGeom prst="rect">
+            <a:avLst/>
+          </a:prstGeom>
+          <a:noFill/>
+          <a:extLst>
+            <a:ext uri="{909E8E84-426E-40DD-AFC4-6F175D3DCCD1}">
+              <a14:hiddenFill xmlns:a14="http://schemas.microsoft.com/office/drawing/2010/main">
+                <a:solidFill>
+                  <a:srgbClr val="FFFFFF"/>
+                </a:solidFill>
+              </a14:hiddenFill>
+            </a:ext>
+          </a:extLst>
+        </p:spPr>
+      </p:pic>
+      <p:pic>
+        <p:nvPicPr>
+          <p:cNvPr id="6" name="Picture 4" descr="D:\Download\1_wqYF-8Dmh7LhtLkKfERc3Q.png"/>
+          <p:cNvPicPr>
+            <a:picLocks noChangeAspect="1" noChangeArrowheads="1"/>
+          </p:cNvPicPr>
+          <p:nvPr/>
+        </p:nvPicPr>
+        <p:blipFill>
+          <a:blip r:embed="rId4" cstate="print">
+            <a:extLst>
+              <a:ext uri="{28A0092B-C50C-407E-A947-70E740481C1C}">
+                <a14:useLocalDpi xmlns:a14="http://schemas.microsoft.com/office/drawing/2010/main" val="0"/>
+              </a:ext>
+            </a:extLst>
+          </a:blip>
+          <a:srcRect/>
+          <a:stretch>
+            <a:fillRect/>
+          </a:stretch>
+        </p:blipFill>
+        <p:spPr bwMode="auto">
+          <a:xfrm>
+            <a:off x="7392144" y="2276872"/>
+            <a:ext cx="2088232" cy="2088232"/>
+          </a:xfrm>
+          <a:prstGeom prst="rect">
+            <a:avLst/>
+          </a:prstGeom>
+          <a:noFill/>
+          <a:extLst>
+            <a:ext uri="{909E8E84-426E-40DD-AFC4-6F175D3DCCD1}">
+              <a14:hiddenFill xmlns:a14="http://schemas.microsoft.com/office/drawing/2010/main">
+                <a:solidFill>
+                  <a:srgbClr val="FFFFFF"/>
+                </a:solidFill>
+              </a14:hiddenFill>
+            </a:ext>
+          </a:extLst>
+        </p:spPr>
+      </p:pic>
+      <p:sp>
+        <p:nvSpPr>
+          <p:cNvPr id="7" name="왼쪽/오른쪽 화살표 6"/>
+          <p:cNvSpPr/>
+          <p:nvPr/>
+        </p:nvSpPr>
+        <p:spPr>
+          <a:xfrm>
+            <a:off x="5523428" y="3320988"/>
+            <a:ext cx="788597" cy="492384"/>
+          </a:xfrm>
+          <a:prstGeom prst="leftRightArrow">
+            <a:avLst/>
+          </a:prstGeom>
+          <a:solidFill>
+            <a:schemeClr val="accent4">
+              <a:lumMod val="50000"/>
+            </a:schemeClr>
+          </a:solidFill>
+          <a:ln>
+            <a:noFill/>
+          </a:ln>
+        </p:spPr>
+        <p:style>
+          <a:lnRef idx="2">
+            <a:schemeClr val="accent1">
+              <a:shade val="50000"/>
+            </a:schemeClr>
+          </a:lnRef>
+          <a:fillRef idx="1">
+            <a:schemeClr val="accent1"/>
+          </a:fillRef>
+          <a:effectRef idx="0">
+            <a:schemeClr val="accent1"/>
+          </a:effectRef>
+          <a:fontRef idx="minor">
+            <a:schemeClr val="lt1"/>
+          </a:fontRef>
+        </p:style>
+        <p:txBody>
+          <a:bodyPr rtlCol="0" anchor="ctr"/>
+          <a:lstStyle/>
+          <a:p>
+            <a:pPr algn="ctr"/>
+            <a:endParaRPr lang="ko-KR" altLang="en-US">
+              <a:solidFill>
+                <a:prstClr val="white"/>
+              </a:solidFill>
+            </a:endParaRPr>
+          </a:p>
+        </p:txBody>
+      </p:sp>
+      <p:sp>
+        <p:nvSpPr>
+          <p:cNvPr id="8" name="직사각형 7"/>
+          <p:cNvSpPr/>
+          <p:nvPr/>
+        </p:nvSpPr>
+        <p:spPr>
+          <a:xfrm>
+            <a:off x="1919536" y="4653136"/>
+            <a:ext cx="3346626" cy="864096"/>
+          </a:xfrm>
+          <a:prstGeom prst="rect">
+            <a:avLst/>
+          </a:prstGeom>
+          <a:solidFill>
+            <a:schemeClr val="accent4">
+              <a:lumMod val="50000"/>
+            </a:schemeClr>
+          </a:solidFill>
+          <a:ln>
+            <a:noFill/>
+          </a:ln>
+        </p:spPr>
+        <p:style>
+          <a:lnRef idx="2">
+            <a:schemeClr val="accent1">
+              <a:shade val="50000"/>
+            </a:schemeClr>
+          </a:lnRef>
+          <a:fillRef idx="1">
+            <a:schemeClr val="accent1"/>
+          </a:fillRef>
+          <a:effectRef idx="0">
+            <a:schemeClr val="accent1"/>
+          </a:effectRef>
+          <a:fontRef idx="minor">
+            <a:schemeClr val="lt1"/>
+          </a:fontRef>
+        </p:style>
+        <p:txBody>
+          <a:bodyPr rtlCol="0" anchor="ctr"/>
+          <a:lstStyle/>
+          <a:p>
+            <a:pPr algn="ctr"/>
+            <a:r>
+              <a:rPr lang="en-US" altLang="ko-KR" sz="2400" b="1" dirty="0">
+                <a:solidFill>
+                  <a:prstClr val="white"/>
+                </a:solidFill>
+              </a:rPr>
+              <a:t>Customer</a:t>
+            </a:r>
+            <a:endParaRPr lang="ko-KR" altLang="en-US" sz="2400" b="1" dirty="0">
+              <a:solidFill>
+                <a:prstClr val="white"/>
+              </a:solidFill>
+            </a:endParaRPr>
+          </a:p>
+        </p:txBody>
+      </p:sp>
+      <p:sp>
+        <p:nvSpPr>
+          <p:cNvPr id="10" name="직사각형 9"/>
+          <p:cNvSpPr/>
+          <p:nvPr/>
+        </p:nvSpPr>
+        <p:spPr>
+          <a:xfrm>
+            <a:off x="6744072" y="4653136"/>
+            <a:ext cx="3528392" cy="864096"/>
+          </a:xfrm>
+          <a:prstGeom prst="rect">
+            <a:avLst/>
+          </a:prstGeom>
+          <a:solidFill>
+            <a:schemeClr val="accent4">
+              <a:lumMod val="50000"/>
+            </a:schemeClr>
+          </a:solidFill>
+          <a:ln>
+            <a:noFill/>
+          </a:ln>
+        </p:spPr>
+        <p:style>
+          <a:lnRef idx="2">
+            <a:schemeClr val="accent1">
+              <a:shade val="50000"/>
+            </a:schemeClr>
+          </a:lnRef>
+          <a:fillRef idx="1">
+            <a:schemeClr val="accent1"/>
+          </a:fillRef>
+          <a:effectRef idx="0">
+            <a:schemeClr val="accent1"/>
+          </a:effectRef>
+          <a:fontRef idx="minor">
+            <a:schemeClr val="lt1"/>
+          </a:fontRef>
+        </p:style>
+        <p:txBody>
+          <a:bodyPr rtlCol="0" anchor="ctr"/>
+          <a:lstStyle/>
+          <a:p>
+            <a:pPr algn="ctr"/>
+            <a:r>
+              <a:rPr lang="en-US" altLang="ko-KR" sz="2400" b="1" dirty="0">
+                <a:solidFill>
+                  <a:prstClr val="white"/>
+                </a:solidFill>
+              </a:rPr>
+              <a:t>Vue.js</a:t>
+            </a:r>
+            <a:endParaRPr lang="ko-KR" altLang="en-US" sz="2400" b="1" dirty="0">
+              <a:solidFill>
+                <a:prstClr val="white"/>
+              </a:solidFill>
+            </a:endParaRPr>
+          </a:p>
+        </p:txBody>
+      </p:sp>
+      <p:sp>
+        <p:nvSpPr>
+          <p:cNvPr id="11" name="타원 10"/>
+          <p:cNvSpPr/>
+          <p:nvPr/>
+        </p:nvSpPr>
+        <p:spPr>
+          <a:xfrm>
+            <a:off x="6312024" y="4645738"/>
+            <a:ext cx="864096" cy="864096"/>
+          </a:xfrm>
+          <a:prstGeom prst="ellipse">
+            <a:avLst/>
+          </a:prstGeom>
+          <a:solidFill>
+            <a:schemeClr val="accent4">
+              <a:lumMod val="50000"/>
+            </a:schemeClr>
+          </a:solidFill>
+          <a:ln>
+            <a:noFill/>
+          </a:ln>
+        </p:spPr>
+        <p:style>
+          <a:lnRef idx="2">
+            <a:schemeClr val="accent1">
+              <a:shade val="50000"/>
+            </a:schemeClr>
+          </a:lnRef>
+          <a:fillRef idx="1">
+            <a:schemeClr val="accent1"/>
+          </a:fillRef>
+          <a:effectRef idx="0">
+            <a:schemeClr val="accent1"/>
+          </a:effectRef>
+          <a:fontRef idx="minor">
+            <a:schemeClr val="lt1"/>
+          </a:fontRef>
+        </p:style>
+        <p:txBody>
+          <a:bodyPr rtlCol="0" anchor="ctr"/>
+          <a:lstStyle/>
+          <a:p>
+            <a:pPr algn="ctr"/>
+            <a:endParaRPr lang="ko-KR" altLang="en-US">
+              <a:solidFill>
+                <a:prstClr val="white"/>
+              </a:solidFill>
+            </a:endParaRPr>
+          </a:p>
+        </p:txBody>
+      </p:sp>
+      <p:sp>
+        <p:nvSpPr>
+          <p:cNvPr id="12" name="직사각형 11"/>
+          <p:cNvSpPr/>
+          <p:nvPr/>
+        </p:nvSpPr>
+        <p:spPr>
+          <a:xfrm>
+            <a:off x="1919536" y="404664"/>
+            <a:ext cx="8352928" cy="1296144"/>
+          </a:xfrm>
+          <a:prstGeom prst="rect">
+            <a:avLst/>
+          </a:prstGeom>
+          <a:solidFill>
+            <a:schemeClr val="accent4">
+              <a:lumMod val="50000"/>
+            </a:schemeClr>
+          </a:solidFill>
+          <a:ln>
+            <a:noFill/>
+          </a:ln>
+        </p:spPr>
+        <p:style>
+          <a:lnRef idx="2">
+            <a:schemeClr val="accent1">
+              <a:shade val="50000"/>
+            </a:schemeClr>
+          </a:lnRef>
+          <a:fillRef idx="1">
+            <a:schemeClr val="accent1"/>
+          </a:fillRef>
+          <a:effectRef idx="0">
+            <a:schemeClr val="accent1"/>
+          </a:effectRef>
+          <a:fontRef idx="minor">
+            <a:schemeClr val="lt1"/>
+          </a:fontRef>
+        </p:style>
+        <p:txBody>
+          <a:bodyPr rtlCol="0" anchor="ctr"/>
+          <a:lstStyle/>
+          <a:p>
+            <a:r>
+              <a:rPr lang="en-US" altLang="ko-KR" sz="4400" b="1" dirty="0">
+                <a:solidFill>
+                  <a:prstClr val="white"/>
+                </a:solidFill>
+              </a:rPr>
+              <a:t>  </a:t>
+            </a:r>
+            <a:r>
+              <a:rPr lang="en-US" altLang="ko-KR" sz="4400" b="1" dirty="0">
+                <a:solidFill>
+                  <a:srgbClr val="FFFF00"/>
+                </a:solidFill>
+              </a:rPr>
+              <a:t>F</a:t>
+            </a:r>
+            <a:r>
+              <a:rPr lang="en-US" altLang="ko-KR" sz="4400" b="1" dirty="0">
+                <a:solidFill>
+                  <a:prstClr val="white"/>
+                </a:solidFill>
+              </a:rPr>
+              <a:t>rontend</a:t>
+            </a:r>
+            <a:endParaRPr lang="ko-KR" altLang="en-US" sz="4400" b="1" dirty="0">
+              <a:solidFill>
+                <a:prstClr val="white"/>
+              </a:solidFill>
+            </a:endParaRPr>
+          </a:p>
+        </p:txBody>
+      </p:sp>
+    </p:spTree>
+    <p:extLst>
+      <p:ext uri="{BB962C8B-B14F-4D97-AF65-F5344CB8AC3E}">
+        <p14:creationId xmlns:p14="http://schemas.microsoft.com/office/powerpoint/2010/main" val="3659935979"/>
+      </p:ext>
+    </p:extLst>
+  </p:cSld>
+  <p:clrMapOvr>
+    <a:masterClrMapping/>
+  </p:clrMapOvr>
+</p:sld>
+</file>
+
+<file path=ppt/slides/slide27.xml><?xml version="1.0" encoding="utf-8"?>
+<p:sld xmlns:a="http://schemas.openxmlformats.org/drawingml/2006/main" xmlns:r="http://schemas.openxmlformats.org/officeDocument/2006/relationships" xmlns:p="http://schemas.openxmlformats.org/presentationml/2006/main">
+  <p:cSld>
+    <p:bg>
+      <p:bgPr>
+        <a:solidFill>
+          <a:srgbClr val="FFC000"/>
+        </a:solidFill>
+        <a:effectLst/>
+      </p:bgPr>
+    </p:bg>
+    <p:spTree>
+      <p:nvGrpSpPr>
+        <p:cNvPr id="1" name=""/>
+        <p:cNvGrpSpPr/>
+        <p:nvPr/>
+      </p:nvGrpSpPr>
+      <p:grpSpPr>
+        <a:xfrm>
+          <a:off x="0" y="0"/>
+          <a:ext cx="0" cy="0"/>
+          <a:chOff x="0" y="0"/>
+          <a:chExt cx="0" cy="0"/>
+        </a:xfrm>
+      </p:grpSpPr>
+      <p:sp>
+        <p:nvSpPr>
           <p:cNvPr id="7" name="왼쪽/오른쪽 화살표 6"/>
           <p:cNvSpPr/>
           <p:nvPr/>
@@ -11948,7 +14149,7 @@
           <p:cNvPr id="11" name="제목 1">
             <a:extLst>
               <a:ext uri="{FF2B5EF4-FFF2-40B4-BE49-F238E27FC236}">
-                <a16:creationId xmlns="" xmlns:p14="http://schemas.microsoft.com/office/powerpoint/2010/main" xmlns:a16="http://schemas.microsoft.com/office/drawing/2014/main" id="{39FB14FA-985B-4FAD-B434-D41D3E77FEAE}"/>
+                <a16:creationId xmlns:a16="http://schemas.microsoft.com/office/drawing/2014/main" xmlns:p14="http://schemas.microsoft.com/office/powerpoint/2010/main" xmlns="" id="{39FB14FA-985B-4FAD-B434-D41D3E77FEAE}"/>
               </a:ext>
             </a:extLst>
           </p:cNvPr>
@@ -12036,7 +14237,7 @@
 </p:sld>
 </file>
 
-<file path=ppt/slides/slide22.xml><?xml version="1.0" encoding="utf-8"?>
+<file path=ppt/slides/slide28.xml><?xml version="1.0" encoding="utf-8"?>
 <p:sld xmlns:a="http://schemas.openxmlformats.org/drawingml/2006/main" xmlns:r="http://schemas.openxmlformats.org/officeDocument/2006/relationships" xmlns:p="http://schemas.openxmlformats.org/presentationml/2006/main">
   <p:cSld>
     <p:bg>
@@ -12382,7 +14583,7 @@
           <p:cNvPr id="9" name="제목 1">
             <a:extLst>
               <a:ext uri="{FF2B5EF4-FFF2-40B4-BE49-F238E27FC236}">
-                <a16:creationId xmlns="" xmlns:p14="http://schemas.microsoft.com/office/powerpoint/2010/main" xmlns:a16="http://schemas.microsoft.com/office/drawing/2014/main" id="{06EB58BF-D8CD-46E6-B7DC-722F2FCC77DF}"/>
+                <a16:creationId xmlns:a16="http://schemas.microsoft.com/office/drawing/2014/main" xmlns:p14="http://schemas.microsoft.com/office/powerpoint/2010/main" xmlns="" id="{06EB58BF-D8CD-46E6-B7DC-722F2FCC77DF}"/>
               </a:ext>
             </a:extLst>
           </p:cNvPr>
@@ -12470,7 +14671,7 @@
 </p:sld>
 </file>
 
-<file path=ppt/slides/slide23.xml><?xml version="1.0" encoding="utf-8"?>
+<file path=ppt/slides/slide29.xml><?xml version="1.0" encoding="utf-8"?>
 <p:sld xmlns:a="http://schemas.openxmlformats.org/drawingml/2006/main" xmlns:r="http://schemas.openxmlformats.org/officeDocument/2006/relationships" xmlns:p="http://schemas.openxmlformats.org/presentationml/2006/main">
   <p:cSld>
     <p:bg>
@@ -12846,15 +15047,7 @@
                   <a:srgbClr val="FFFFFF"/>
                 </a:solidFill>
               </a:rPr>
-              <a:t>Framework </a:t>
-            </a:r>
-            <a:r>
-              <a:rPr lang="en-US" altLang="ko-KR" sz="2400" b="1" dirty="0" smtClean="0">
-                <a:solidFill>
-                  <a:srgbClr val="FFFFFF"/>
-                </a:solidFill>
-              </a:rPr>
-              <a:t>stack</a:t>
+              <a:t>Framework stack</a:t>
             </a:r>
             <a:endParaRPr lang="ko-KR" altLang="en-US" sz="2400" b="1" dirty="0" smtClean="0">
               <a:solidFill>
@@ -12931,7 +15124,7 @@
           <p:cNvPr id="13" name="제목 1">
             <a:extLst>
               <a:ext uri="{FF2B5EF4-FFF2-40B4-BE49-F238E27FC236}">
-                <a16:creationId xmlns="" xmlns:p14="http://schemas.microsoft.com/office/powerpoint/2010/main" xmlns:a16="http://schemas.microsoft.com/office/drawing/2014/main" id="{FF43E060-AA5C-4963-A60D-FFE2F1D0BB00}"/>
+                <a16:creationId xmlns:a16="http://schemas.microsoft.com/office/drawing/2014/main" xmlns:p14="http://schemas.microsoft.com/office/powerpoint/2010/main" xmlns="" id="{FF43E060-AA5C-4963-A60D-FFE2F1D0BB00}"/>
               </a:ext>
             </a:extLst>
           </p:cNvPr>
@@ -13019,7 +15212,124 @@
 </p:sld>
 </file>
 
-<file path=ppt/slides/slide24.xml><?xml version="1.0" encoding="utf-8"?>
+<file path=ppt/slides/slide3.xml><?xml version="1.0" encoding="utf-8"?>
+<p:sld xmlns:a="http://schemas.openxmlformats.org/drawingml/2006/main" xmlns:r="http://schemas.openxmlformats.org/officeDocument/2006/relationships" xmlns:p="http://schemas.openxmlformats.org/presentationml/2006/main">
+  <p:cSld>
+    <p:bg>
+      <p:bgPr>
+        <a:solidFill>
+          <a:schemeClr val="accent4"/>
+        </a:solidFill>
+        <a:effectLst/>
+      </p:bgPr>
+    </p:bg>
+    <p:spTree>
+      <p:nvGrpSpPr>
+        <p:cNvPr id="1" name=""/>
+        <p:cNvGrpSpPr/>
+        <p:nvPr/>
+      </p:nvGrpSpPr>
+      <p:grpSpPr>
+        <a:xfrm>
+          <a:off x="0" y="0"/>
+          <a:ext cx="0" cy="0"/>
+          <a:chOff x="0" y="0"/>
+          <a:chExt cx="0" cy="0"/>
+        </a:xfrm>
+      </p:grpSpPr>
+      <p:sp>
+        <p:nvSpPr>
+          <p:cNvPr id="2" name="제목 1"/>
+          <p:cNvSpPr>
+            <a:spLocks noGrp="1"/>
+          </p:cNvSpPr>
+          <p:nvPr>
+            <p:ph type="ctrTitle"/>
+          </p:nvPr>
+        </p:nvSpPr>
+        <p:spPr>
+          <a:xfrm>
+            <a:off x="1514375" y="2752825"/>
+            <a:ext cx="9144000" cy="2387600"/>
+          </a:xfrm>
+        </p:spPr>
+        <p:txBody>
+          <a:bodyPr>
+            <a:normAutofit fontScale="90000"/>
+          </a:bodyPr>
+          <a:lstStyle/>
+          <a:p>
+            <a:pPr>
+              <a:lnSpc>
+                <a:spcPct val="150000"/>
+              </a:lnSpc>
+            </a:pPr>
+            <a:r>
+              <a:rPr lang="en-US" altLang="ko-KR" b="1" dirty="0">
+                <a:solidFill>
+                  <a:schemeClr val="accent4">
+                    <a:lumMod val="50000"/>
+                  </a:schemeClr>
+                </a:solidFill>
+              </a:rPr>
+              <a:t>Background</a:t>
+            </a:r>
+            <a:br>
+              <a:rPr lang="en-US" altLang="ko-KR" b="1" dirty="0">
+                <a:solidFill>
+                  <a:schemeClr val="accent4">
+                    <a:lumMod val="50000"/>
+                  </a:schemeClr>
+                </a:solidFill>
+              </a:rPr>
+            </a:br>
+            <a:r>
+              <a:rPr lang="ko-KR" altLang="en-US" sz="2000" b="1" dirty="0">
+                <a:solidFill>
+                  <a:schemeClr val="accent4">
+                    <a:lumMod val="50000"/>
+                  </a:schemeClr>
+                </a:solidFill>
+              </a:rPr>
+              <a:t>프로젝트 배경</a:t>
+            </a:r>
+            <a:r>
+              <a:rPr lang="en-US" altLang="ko-KR" b="1" dirty="0">
+                <a:solidFill>
+                  <a:schemeClr val="accent4">
+                    <a:lumMod val="50000"/>
+                  </a:schemeClr>
+                </a:solidFill>
+              </a:rPr>
+              <a:t/>
+            </a:r>
+            <a:br>
+              <a:rPr lang="en-US" altLang="ko-KR" b="1" dirty="0">
+                <a:solidFill>
+                  <a:schemeClr val="accent4">
+                    <a:lumMod val="50000"/>
+                  </a:schemeClr>
+                </a:solidFill>
+              </a:rPr>
+            </a:br>
+            <a:endParaRPr lang="ko-KR" altLang="en-US" dirty="0"/>
+          </a:p>
+        </p:txBody>
+      </p:sp>
+    </p:spTree>
+    <p:extLst>
+      <p:ext uri="{BB962C8B-B14F-4D97-AF65-F5344CB8AC3E}">
+        <p14:creationId xmlns:p14="http://schemas.microsoft.com/office/powerpoint/2010/main" val="834759453"/>
+      </p:ext>
+    </p:extLst>
+  </p:cSld>
+  <p:clrMapOvr>
+    <a:masterClrMapping/>
+  </p:clrMapOvr>
+</p:sld>
+</file>
+
+<file path=ppt/slides/slide30.xml><?xml version="1.0" encoding="utf-8"?>
 <p:sld xmlns:a="http://schemas.openxmlformats.org/drawingml/2006/main" xmlns:r="http://schemas.openxmlformats.org/officeDocument/2006/relationships" xmlns:p="http://schemas.openxmlformats.org/presentationml/2006/main">
   <p:cSld>
     <p:bg>
@@ -13455,7 +15765,7 @@
           <p:cNvPr id="11" name="제목 1">
             <a:extLst>
               <a:ext uri="{FF2B5EF4-FFF2-40B4-BE49-F238E27FC236}">
-                <a16:creationId xmlns="" xmlns:p14="http://schemas.microsoft.com/office/powerpoint/2010/main" xmlns:a16="http://schemas.microsoft.com/office/drawing/2014/main" id="{3DB6CFC1-6ACD-47B3-9F59-55F4C4FB86BE}"/>
+                <a16:creationId xmlns:a16="http://schemas.microsoft.com/office/drawing/2014/main" xmlns:p14="http://schemas.microsoft.com/office/powerpoint/2010/main" xmlns="" id="{3DB6CFC1-6ACD-47B3-9F59-55F4C4FB86BE}"/>
               </a:ext>
             </a:extLst>
           </p:cNvPr>
@@ -13543,7 +15853,7 @@
 </p:sld>
 </file>
 
-<file path=ppt/slides/slide25.xml><?xml version="1.0" encoding="utf-8"?>
+<file path=ppt/slides/slide31.xml><?xml version="1.0" encoding="utf-8"?>
 <p:sld xmlns:a="http://schemas.openxmlformats.org/drawingml/2006/main" xmlns:r="http://schemas.openxmlformats.org/officeDocument/2006/relationships" xmlns:p="http://schemas.openxmlformats.org/presentationml/2006/main">
   <p:cSld>
     <p:bg>
@@ -13660,7 +15970,7 @@
 </p:sld>
 </file>
 
-<file path=ppt/slides/slide26.xml><?xml version="1.0" encoding="utf-8"?>
+<file path=ppt/slides/slide32.xml><?xml version="1.0" encoding="utf-8"?>
 <p:sld xmlns:a="http://schemas.openxmlformats.org/drawingml/2006/main" xmlns:r="http://schemas.openxmlformats.org/officeDocument/2006/relationships" xmlns:p="http://schemas.openxmlformats.org/presentationml/2006/main">
   <p:cSld>
     <p:bg>
@@ -14015,7 +16325,7 @@
 </p:sld>
 </file>
 
-<file path=ppt/slides/slide27.xml><?xml version="1.0" encoding="utf-8"?>
+<file path=ppt/slides/slide33.xml><?xml version="1.0" encoding="utf-8"?>
 <p:sld xmlns:a="http://schemas.openxmlformats.org/drawingml/2006/main" xmlns:r="http://schemas.openxmlformats.org/officeDocument/2006/relationships" xmlns:p="http://schemas.openxmlformats.org/presentationml/2006/main">
   <p:cSld>
     <p:bg>
@@ -14210,7 +16520,7 @@
 </p:sld>
 </file>
 
-<file path=ppt/slides/slide28.xml><?xml version="1.0" encoding="utf-8"?>
+<file path=ppt/slides/slide34.xml><?xml version="1.0" encoding="utf-8"?>
 <p:sld xmlns:a="http://schemas.openxmlformats.org/drawingml/2006/main" xmlns:r="http://schemas.openxmlformats.org/officeDocument/2006/relationships" xmlns:p="http://schemas.openxmlformats.org/presentationml/2006/main">
   <p:cSld>
     <p:bg>
@@ -14338,8 +16648,17 @@
               <a:rPr lang="en-US" altLang="ko-KR" dirty="0">
                 <a:hlinkClick r:id="rId7"/>
               </a:rPr>
-              <a:t>https://gatherup.com/100-online-review-statistics/</a:t>
-            </a:r>
+              <a:t>https://gatherup.com/100-online-review-statistics</a:t>
+            </a:r>
+            <a:r>
+              <a:rPr lang="en-US" altLang="ko-KR" dirty="0" smtClean="0">
+                <a:hlinkClick r:id="rId7"/>
+              </a:rPr>
+              <a:t>/</a:t>
+            </a:r>
+            <a:endParaRPr lang="en-US" altLang="ko-KR" dirty="0" smtClean="0"/>
+          </a:p>
+          <a:p>
             <a:endParaRPr lang="ko-KR" altLang="en-US" dirty="0"/>
           </a:p>
         </p:txBody>
@@ -14357,13 +16676,13 @@
 </p:sld>
 </file>
 
-<file path=ppt/slides/slide3.xml><?xml version="1.0" encoding="utf-8"?>
+<file path=ppt/slides/slide35.xml><?xml version="1.0" encoding="utf-8"?>
 <p:sld xmlns:a="http://schemas.openxmlformats.org/drawingml/2006/main" xmlns:r="http://schemas.openxmlformats.org/officeDocument/2006/relationships" xmlns:p="http://schemas.openxmlformats.org/presentationml/2006/main">
   <p:cSld>
     <p:bg>
       <p:bgPr>
         <a:solidFill>
-          <a:schemeClr val="accent4"/>
+          <a:srgbClr val="FFC000"/>
         </a:solidFill>
         <a:effectLst/>
       </p:bgPr>
@@ -14389,74 +16708,188 @@
             <a:spLocks noGrp="1"/>
           </p:cNvSpPr>
           <p:nvPr>
-            <p:ph type="ctrTitle"/>
-          </p:nvPr>
-        </p:nvSpPr>
-        <p:spPr>
-          <a:xfrm>
-            <a:off x="1514375" y="2752825"/>
-            <a:ext cx="9144000" cy="2387600"/>
-          </a:xfrm>
-        </p:spPr>
+            <p:ph type="title"/>
+          </p:nvPr>
+        </p:nvSpPr>
+        <p:spPr/>
+        <p:txBody>
+          <a:bodyPr/>
+          <a:lstStyle/>
+          <a:p>
+            <a:r>
+              <a:rPr lang="en-US" altLang="ko-KR" dirty="0" smtClean="0"/>
+              <a:t>Ref(review </a:t>
+            </a:r>
+            <a:r>
+              <a:rPr lang="en-US" altLang="ko-KR" dirty="0" smtClean="0"/>
+              <a:t>case study</a:t>
+            </a:r>
+            <a:r>
+              <a:rPr lang="en-US" altLang="ko-KR" dirty="0" smtClean="0"/>
+              <a:t>)</a:t>
+            </a:r>
+            <a:endParaRPr lang="ko-KR" altLang="en-US" dirty="0"/>
+          </a:p>
+        </p:txBody>
+      </p:sp>
+      <p:sp>
+        <p:nvSpPr>
+          <p:cNvPr id="3" name="내용 개체 틀 2"/>
+          <p:cNvSpPr>
+            <a:spLocks noGrp="1"/>
+          </p:cNvSpPr>
+          <p:nvPr>
+            <p:ph idx="1"/>
+          </p:nvPr>
+        </p:nvSpPr>
+        <p:spPr/>
         <p:txBody>
           <a:bodyPr>
-            <a:normAutofit fontScale="90000"/>
+            <a:normAutofit fontScale="55000" lnSpcReduction="20000"/>
           </a:bodyPr>
           <a:lstStyle/>
           <a:p>
-            <a:pPr>
-              <a:lnSpc>
-                <a:spcPct val="150000"/>
-              </a:lnSpc>
-            </a:pPr>
-            <a:r>
-              <a:rPr lang="en-US" altLang="ko-KR" b="1" dirty="0">
-                <a:solidFill>
-                  <a:schemeClr val="accent4">
-                    <a:lumMod val="50000"/>
-                  </a:schemeClr>
-                </a:solidFill>
-              </a:rPr>
-              <a:t>Background</a:t>
-            </a:r>
-            <a:br>
-              <a:rPr lang="en-US" altLang="ko-KR" b="1" dirty="0">
-                <a:solidFill>
-                  <a:schemeClr val="accent4">
-                    <a:lumMod val="50000"/>
-                  </a:schemeClr>
-                </a:solidFill>
-              </a:rPr>
-            </a:br>
-            <a:r>
-              <a:rPr lang="ko-KR" altLang="en-US" sz="2000" b="1" dirty="0">
-                <a:solidFill>
-                  <a:schemeClr val="accent4">
-                    <a:lumMod val="50000"/>
-                  </a:schemeClr>
-                </a:solidFill>
-              </a:rPr>
-              <a:t>프로젝트 배경</a:t>
-            </a:r>
-            <a:r>
-              <a:rPr lang="en-US" altLang="ko-KR" b="1" dirty="0">
-                <a:solidFill>
-                  <a:schemeClr val="accent4">
-                    <a:lumMod val="50000"/>
-                  </a:schemeClr>
-                </a:solidFill>
-              </a:rPr>
-              <a:t/>
-            </a:r>
-            <a:br>
-              <a:rPr lang="en-US" altLang="ko-KR" b="1" dirty="0">
-                <a:solidFill>
-                  <a:schemeClr val="accent4">
-                    <a:lumMod val="50000"/>
-                  </a:schemeClr>
-                </a:solidFill>
-              </a:rPr>
-            </a:br>
+            <a:r>
+              <a:rPr lang="en-US" altLang="ko-KR" dirty="0">
+                <a:hlinkClick r:id="rId2"/>
+              </a:rPr>
+              <a:t>https://www.coupang.com/vp/products/63650387?itemId=216580355&amp;vendorItemId=3522524347&amp;isAddedCart</a:t>
+            </a:r>
+            <a:r>
+              <a:rPr lang="en-US" altLang="ko-KR" dirty="0" smtClean="0">
+                <a:hlinkClick r:id="rId2"/>
+              </a:rPr>
+              <a:t>=</a:t>
+            </a:r>
+            <a:endParaRPr lang="en-US" altLang="ko-KR" dirty="0" smtClean="0"/>
+          </a:p>
+          <a:p>
+            <a:r>
+              <a:rPr lang="en-US" altLang="ko-KR" dirty="0">
+                <a:hlinkClick r:id="rId3"/>
+              </a:rPr>
+              <a:t>https://</a:t>
+            </a:r>
+            <a:r>
+              <a:rPr lang="en-US" altLang="ko-KR" dirty="0" smtClean="0">
+                <a:hlinkClick r:id="rId3"/>
+              </a:rPr>
+              <a:t>front.wemakeprice.com/deal/602119362</a:t>
+            </a:r>
+            <a:endParaRPr lang="en-US" altLang="ko-KR" dirty="0" smtClean="0"/>
+          </a:p>
+          <a:p>
+            <a:r>
+              <a:rPr lang="en-US" altLang="ko-KR" dirty="0">
+                <a:hlinkClick r:id="rId4"/>
+              </a:rPr>
+              <a:t>http://</a:t>
+            </a:r>
+            <a:r>
+              <a:rPr lang="en-US" altLang="ko-KR" dirty="0" smtClean="0">
+                <a:hlinkClick r:id="rId4"/>
+              </a:rPr>
+              <a:t>shopping.interpark.com/product/productInfo.do?shopNo=0000100000&amp;prdNo=6222238394&amp;dispNo=021110146002</a:t>
+            </a:r>
+            <a:endParaRPr lang="en-US" altLang="ko-KR" dirty="0" smtClean="0"/>
+          </a:p>
+          <a:p>
+            <a:r>
+              <a:rPr lang="en-US" altLang="ko-KR" dirty="0">
+                <a:hlinkClick r:id="rId5"/>
+              </a:rPr>
+              <a:t>https://</a:t>
+            </a:r>
+            <a:r>
+              <a:rPr lang="en-US" altLang="ko-KR" dirty="0" smtClean="0">
+                <a:hlinkClick r:id="rId5"/>
+              </a:rPr>
+              <a:t>www.amazon.com/Acer-Flagship-CB3-532-Premium-Chromebook/dp/B06XD3LXXK/ref=lp_18332383011_1_6?srs=18332383011&amp;ie=UTF8&amp;qid=1571305029&amp;sr=8-6&amp;th=1</a:t>
+            </a:r>
+            <a:endParaRPr lang="en-US" altLang="ko-KR" dirty="0" smtClean="0"/>
+          </a:p>
+          <a:p>
+            <a:r>
+              <a:rPr lang="en-US" altLang="ko-KR" dirty="0">
+                <a:hlinkClick r:id="rId6"/>
+              </a:rPr>
+              <a:t>https://</a:t>
+            </a:r>
+            <a:r>
+              <a:rPr lang="en-US" altLang="ko-KR" dirty="0" smtClean="0">
+                <a:hlinkClick r:id="rId6"/>
+              </a:rPr>
+              <a:t>shopping.naver.com/living/handmade/stores/100154424/products/3670308310?NaPm=ct%3Dk1uik6ex%7Cci%3Dshoppingwindow%7Ctr%3Dswne%7Chk%3D7e11bee562b8c7cd83004a5a2afe41f53211d401%7Ctrx%3D42630</a:t>
+            </a:r>
+            <a:endParaRPr lang="en-US" altLang="ko-KR" dirty="0" smtClean="0"/>
+          </a:p>
+          <a:p>
+            <a:r>
+              <a:rPr lang="en-US" altLang="ko-KR" dirty="0">
+                <a:hlinkClick r:id="rId7"/>
+              </a:rPr>
+              <a:t>https://brunch.co.kr/@</a:t>
+            </a:r>
+            <a:r>
+              <a:rPr lang="en-US" altLang="ko-KR" dirty="0" smtClean="0">
+                <a:hlinkClick r:id="rId7"/>
+              </a:rPr>
+              <a:t>bigpic/21</a:t>
+            </a:r>
+            <a:endParaRPr lang="en-US" altLang="ko-KR" dirty="0" smtClean="0"/>
+          </a:p>
+          <a:p>
+            <a:r>
+              <a:rPr lang="en-US" altLang="ko-KR" dirty="0">
+                <a:hlinkClick r:id="rId8"/>
+              </a:rPr>
+              <a:t>https://</a:t>
+            </a:r>
+            <a:r>
+              <a:rPr lang="en-US" altLang="ko-KR" dirty="0" smtClean="0">
+                <a:hlinkClick r:id="rId8"/>
+              </a:rPr>
+              <a:t>comic.naver.com/webtoon/detail.nhn?titleId=183559&amp;no=451&amp;weekday=mon</a:t>
+            </a:r>
+            <a:endParaRPr lang="en-US" altLang="ko-KR" dirty="0" smtClean="0"/>
+          </a:p>
+          <a:p>
+            <a:r>
+              <a:rPr lang="en-US" altLang="ko-KR" dirty="0">
+                <a:hlinkClick r:id="rId9"/>
+              </a:rPr>
+              <a:t>https://store.steampowered.com/app/486780/Fruit_Ninja_VR</a:t>
+            </a:r>
+            <a:r>
+              <a:rPr lang="en-US" altLang="ko-KR" dirty="0" smtClean="0">
+                <a:hlinkClick r:id="rId9"/>
+              </a:rPr>
+              <a:t>/</a:t>
+            </a:r>
+            <a:endParaRPr lang="en-US" altLang="ko-KR" dirty="0" smtClean="0"/>
+          </a:p>
+          <a:p>
+            <a:r>
+              <a:rPr lang="en-US" altLang="ko-KR" dirty="0">
+                <a:hlinkClick r:id="rId10"/>
+              </a:rPr>
+              <a:t>https://</a:t>
+            </a:r>
+            <a:r>
+              <a:rPr lang="en-US" altLang="ko-KR" dirty="0" smtClean="0">
+                <a:hlinkClick r:id="rId10"/>
+              </a:rPr>
+              <a:t>www.goodchoice.kr/product/detail?ano=46258&amp;adcno=2&amp;sel_date=2019-10-17&amp;sel_date2=2019-10-18#3</a:t>
+            </a:r>
+            <a:endParaRPr lang="en-US" altLang="ko-KR" dirty="0" smtClean="0"/>
+          </a:p>
+          <a:p>
+            <a:r>
+              <a:rPr lang="en-US" altLang="ko-KR" dirty="0">
+                <a:hlinkClick r:id="rId11"/>
+              </a:rPr>
+              <a:t>http://prod.danawa.com/info/?pcode=7783963#bookmark_cm_opinion</a:t>
+            </a:r>
             <a:endParaRPr lang="ko-KR" altLang="en-US" dirty="0"/>
           </a:p>
         </p:txBody>
@@ -14464,7 +16897,7 @@
     </p:spTree>
     <p:extLst>
       <p:ext uri="{BB962C8B-B14F-4D97-AF65-F5344CB8AC3E}">
-        <p14:creationId xmlns:p14="http://schemas.microsoft.com/office/powerpoint/2010/main" val="834759453"/>
+        <p14:creationId xmlns:p14="http://schemas.microsoft.com/office/powerpoint/2010/main" val="1499080128"/>
       </p:ext>
     </p:extLst>
   </p:cSld>
